--- a/기획/TRASHES 시스템 기획서.pptx
+++ b/기획/TRASHES 시스템 기획서.pptx
@@ -8,16 +8,15 @@
     <p:sldId id="256" r:id="rId2"/>
     <p:sldId id="257" r:id="rId3"/>
     <p:sldId id="258" r:id="rId4"/>
-    <p:sldId id="259" r:id="rId5"/>
-    <p:sldId id="267" r:id="rId6"/>
-    <p:sldId id="266" r:id="rId7"/>
-    <p:sldId id="260" r:id="rId8"/>
+    <p:sldId id="267" r:id="rId5"/>
+    <p:sldId id="259" r:id="rId6"/>
+    <p:sldId id="260" r:id="rId7"/>
+    <p:sldId id="266" r:id="rId8"/>
     <p:sldId id="261" r:id="rId9"/>
-    <p:sldId id="262" r:id="rId10"/>
-    <p:sldId id="265" r:id="rId11"/>
+    <p:sldId id="265" r:id="rId10"/>
+    <p:sldId id="262" r:id="rId11"/>
     <p:sldId id="263" r:id="rId12"/>
     <p:sldId id="264" r:id="rId13"/>
-    <p:sldId id="268" r:id="rId14"/>
   </p:sldIdLst>
   <p:sldSz cx="12192000" cy="6858000"/>
   <p:notesSz cx="6858000" cy="9144000"/>
@@ -124,16 +123,15 @@
             <p14:sldId id="256"/>
             <p14:sldId id="257"/>
             <p14:sldId id="258"/>
+            <p14:sldId id="267"/>
             <p14:sldId id="259"/>
-            <p14:sldId id="267"/>
+            <p14:sldId id="260"/>
             <p14:sldId id="266"/>
-            <p14:sldId id="260"/>
             <p14:sldId id="261"/>
+            <p14:sldId id="265"/>
             <p14:sldId id="262"/>
-            <p14:sldId id="265"/>
             <p14:sldId id="263"/>
             <p14:sldId id="264"/>
-            <p14:sldId id="268"/>
           </p14:sldIdLst>
         </p14:section>
       </p14:sectionLst>
@@ -292,7 +290,7 @@
           <a:p>
             <a:fld id="{252E486E-1548-4197-9882-5144CFC0AEDA}" type="datetimeFigureOut">
               <a:rPr lang="ko-KR" altLang="en-US" smtClean="0"/>
-              <a:t>2023-10-11</a:t>
+              <a:t>2023-10-12</a:t>
             </a:fld>
             <a:endParaRPr lang="ko-KR" altLang="en-US"/>
           </a:p>
@@ -490,7 +488,7 @@
           <a:p>
             <a:fld id="{252E486E-1548-4197-9882-5144CFC0AEDA}" type="datetimeFigureOut">
               <a:rPr lang="ko-KR" altLang="en-US" smtClean="0"/>
-              <a:t>2023-10-11</a:t>
+              <a:t>2023-10-12</a:t>
             </a:fld>
             <a:endParaRPr lang="ko-KR" altLang="en-US"/>
           </a:p>
@@ -698,7 +696,7 @@
           <a:p>
             <a:fld id="{252E486E-1548-4197-9882-5144CFC0AEDA}" type="datetimeFigureOut">
               <a:rPr lang="ko-KR" altLang="en-US" smtClean="0"/>
-              <a:t>2023-10-11</a:t>
+              <a:t>2023-10-12</a:t>
             </a:fld>
             <a:endParaRPr lang="ko-KR" altLang="en-US"/>
           </a:p>
@@ -896,7 +894,7 @@
           <a:p>
             <a:fld id="{252E486E-1548-4197-9882-5144CFC0AEDA}" type="datetimeFigureOut">
               <a:rPr lang="ko-KR" altLang="en-US" smtClean="0"/>
-              <a:t>2023-10-11</a:t>
+              <a:t>2023-10-12</a:t>
             </a:fld>
             <a:endParaRPr lang="ko-KR" altLang="en-US"/>
           </a:p>
@@ -1171,7 +1169,7 @@
           <a:p>
             <a:fld id="{252E486E-1548-4197-9882-5144CFC0AEDA}" type="datetimeFigureOut">
               <a:rPr lang="ko-KR" altLang="en-US" smtClean="0"/>
-              <a:t>2023-10-11</a:t>
+              <a:t>2023-10-12</a:t>
             </a:fld>
             <a:endParaRPr lang="ko-KR" altLang="en-US"/>
           </a:p>
@@ -1436,7 +1434,7 @@
           <a:p>
             <a:fld id="{252E486E-1548-4197-9882-5144CFC0AEDA}" type="datetimeFigureOut">
               <a:rPr lang="ko-KR" altLang="en-US" smtClean="0"/>
-              <a:t>2023-10-11</a:t>
+              <a:t>2023-10-12</a:t>
             </a:fld>
             <a:endParaRPr lang="ko-KR" altLang="en-US"/>
           </a:p>
@@ -1848,7 +1846,7 @@
           <a:p>
             <a:fld id="{252E486E-1548-4197-9882-5144CFC0AEDA}" type="datetimeFigureOut">
               <a:rPr lang="ko-KR" altLang="en-US" smtClean="0"/>
-              <a:t>2023-10-11</a:t>
+              <a:t>2023-10-12</a:t>
             </a:fld>
             <a:endParaRPr lang="ko-KR" altLang="en-US"/>
           </a:p>
@@ -1989,7 +1987,7 @@
           <a:p>
             <a:fld id="{252E486E-1548-4197-9882-5144CFC0AEDA}" type="datetimeFigureOut">
               <a:rPr lang="ko-KR" altLang="en-US" smtClean="0"/>
-              <a:t>2023-10-11</a:t>
+              <a:t>2023-10-12</a:t>
             </a:fld>
             <a:endParaRPr lang="ko-KR" altLang="en-US"/>
           </a:p>
@@ -2102,7 +2100,7 @@
           <a:p>
             <a:fld id="{252E486E-1548-4197-9882-5144CFC0AEDA}" type="datetimeFigureOut">
               <a:rPr lang="ko-KR" altLang="en-US" smtClean="0"/>
-              <a:t>2023-10-11</a:t>
+              <a:t>2023-10-12</a:t>
             </a:fld>
             <a:endParaRPr lang="ko-KR" altLang="en-US"/>
           </a:p>
@@ -2413,7 +2411,7 @@
           <a:p>
             <a:fld id="{252E486E-1548-4197-9882-5144CFC0AEDA}" type="datetimeFigureOut">
               <a:rPr lang="ko-KR" altLang="en-US" smtClean="0"/>
-              <a:t>2023-10-11</a:t>
+              <a:t>2023-10-12</a:t>
             </a:fld>
             <a:endParaRPr lang="ko-KR" altLang="en-US"/>
           </a:p>
@@ -2701,7 +2699,7 @@
           <a:p>
             <a:fld id="{252E486E-1548-4197-9882-5144CFC0AEDA}" type="datetimeFigureOut">
               <a:rPr lang="ko-KR" altLang="en-US" smtClean="0"/>
-              <a:t>2023-10-11</a:t>
+              <a:t>2023-10-12</a:t>
             </a:fld>
             <a:endParaRPr lang="ko-KR" altLang="en-US"/>
           </a:p>
@@ -2942,7 +2940,7 @@
           <a:p>
             <a:fld id="{252E486E-1548-4197-9882-5144CFC0AEDA}" type="datetimeFigureOut">
               <a:rPr lang="ko-KR" altLang="en-US" smtClean="0"/>
-              <a:t>2023-10-11</a:t>
+              <a:t>2023-10-12</a:t>
             </a:fld>
             <a:endParaRPr lang="ko-KR" altLang="en-US"/>
           </a:p>
@@ -3412,6 +3410,10 @@
           <a:bodyPr/>
           <a:lstStyle/>
           <a:p>
+            <a:r>
+              <a:rPr lang="en-US" altLang="ko-KR" dirty="0"/>
+              <a:t>23.10.12 VER</a:t>
+            </a:r>
             <a:endParaRPr lang="ko-KR" altLang="en-US" dirty="0"/>
           </a:p>
         </p:txBody>
@@ -3474,11 +3476,11 @@
           <a:p>
             <a:r>
               <a:rPr lang="en-US" altLang="ko-KR" dirty="0"/>
-              <a:t>6. </a:t>
+              <a:t>9. </a:t>
             </a:r>
             <a:r>
               <a:rPr lang="ko-KR" altLang="en-US" dirty="0"/>
-              <a:t>몬스터</a:t>
+              <a:t>상자</a:t>
             </a:r>
           </a:p>
         </p:txBody>
@@ -3514,7 +3516,61 @@
             </a:pPr>
             <a:r>
               <a:rPr lang="ko-KR" altLang="en-US" sz="1400" dirty="0"/>
-              <a:t>룸에 접속하면 이미 해당 룸에 접속한 사용자들의 이름이 표시되어야 하며</a:t>
+              <a:t>그래픽은 </a:t>
+            </a:r>
+            <a:r>
+              <a:rPr lang="en-US" altLang="ko-KR" sz="1400" dirty="0"/>
+              <a:t>2D </a:t>
+            </a:r>
+            <a:r>
+              <a:rPr lang="ko-KR" altLang="en-US" sz="1400" dirty="0"/>
+              <a:t>이미지 사용 예정</a:t>
+            </a:r>
+            <a:r>
+              <a:rPr lang="en-US" altLang="ko-KR" sz="1400" dirty="0"/>
+              <a:t>.</a:t>
+            </a:r>
+          </a:p>
+          <a:p>
+            <a:pPr marL="0" indent="0">
+              <a:buNone/>
+            </a:pPr>
+            <a:endParaRPr lang="en-US" altLang="ko-KR" sz="1400" dirty="0"/>
+          </a:p>
+          <a:p>
+            <a:pPr marL="0" indent="0">
+              <a:buNone/>
+            </a:pPr>
+            <a:r>
+              <a:rPr lang="ko-KR" altLang="en-US" sz="1400" dirty="0"/>
+              <a:t>캐릭터가 상자에 접근하여 스페이스키를 통해 상호작용 할 수 있다</a:t>
+            </a:r>
+            <a:r>
+              <a:rPr lang="en-US" altLang="ko-KR" sz="1400" dirty="0"/>
+              <a:t>. </a:t>
+            </a:r>
+            <a:r>
+              <a:rPr lang="ko-KR" altLang="en-US" sz="1400" dirty="0"/>
+              <a:t>상자와 상호작용하면 미니게임이 실행된다</a:t>
+            </a:r>
+            <a:r>
+              <a:rPr lang="en-US" altLang="ko-KR" sz="1400" dirty="0"/>
+              <a:t>.</a:t>
+            </a:r>
+          </a:p>
+          <a:p>
+            <a:pPr marL="0" indent="0">
+              <a:buNone/>
+            </a:pPr>
+            <a:endParaRPr lang="en-US" altLang="ko-KR" sz="1400" dirty="0"/>
+          </a:p>
+          <a:p>
+            <a:pPr marL="0" indent="0">
+              <a:buNone/>
+            </a:pPr>
+            <a:r>
+              <a:rPr lang="ko-KR" altLang="en-US" sz="1400" dirty="0"/>
+              <a:t>미니게임에 성공하면 아이템을 획득할 수 있으며</a:t>
             </a:r>
             <a:r>
               <a:rPr lang="en-US" altLang="ko-KR" sz="1400" dirty="0"/>
@@ -3522,7 +3578,15 @@
             </a:r>
             <a:r>
               <a:rPr lang="ko-KR" altLang="en-US" sz="1400" dirty="0"/>
-              <a:t>채팅창을 통해 소통 할 수 있어야 한다</a:t>
+              <a:t>실패하면 </a:t>
+            </a:r>
+            <a:r>
+              <a:rPr lang="en-US" altLang="ko-KR" sz="1400" dirty="0"/>
+              <a:t>HP </a:t>
+            </a:r>
+            <a:r>
+              <a:rPr lang="ko-KR" altLang="en-US" sz="1400" dirty="0"/>
+              <a:t>한 칸을 잃는다</a:t>
             </a:r>
             <a:r>
               <a:rPr lang="en-US" altLang="ko-KR" sz="1400" dirty="0"/>
@@ -3533,196 +3597,38 @@
             <a:pPr marL="0" indent="0">
               <a:buNone/>
             </a:pPr>
-            <a:r>
-              <a:rPr lang="ko-KR" altLang="en-US" sz="1400" dirty="0"/>
-              <a:t>그리고 룸 나가기 버튼을 통해 로비로 되돌아 갈 수 있어야 한다</a:t>
+            <a:endParaRPr lang="en-US" altLang="ko-KR" sz="1400" dirty="0"/>
+          </a:p>
+          <a:p>
+            <a:pPr marL="0" indent="0">
+              <a:buNone/>
+            </a:pPr>
+            <a:r>
+              <a:rPr lang="ko-KR" altLang="en-US" sz="1400" dirty="0"/>
+              <a:t>논의 중인 점</a:t>
+            </a:r>
+            <a:endParaRPr lang="en-US" altLang="ko-KR" sz="1400" dirty="0"/>
+          </a:p>
+          <a:p>
+            <a:pPr marL="342900" indent="-342900">
+              <a:buAutoNum type="arabicPeriod"/>
+            </a:pPr>
+            <a:r>
+              <a:rPr lang="ko-KR" altLang="en-US" sz="1400" dirty="0"/>
+              <a:t>폭탄 목걸이 시간도 감소 할지 논의 중</a:t>
             </a:r>
             <a:r>
               <a:rPr lang="en-US" altLang="ko-KR" sz="1400" dirty="0"/>
               <a:t>.</a:t>
             </a:r>
-          </a:p>
-          <a:p>
-            <a:pPr marL="0" indent="0">
-              <a:buNone/>
-            </a:pPr>
-            <a:endParaRPr lang="en-US" altLang="ko-KR" sz="1400" dirty="0"/>
-          </a:p>
-          <a:p>
-            <a:pPr marL="0" indent="0">
-              <a:buNone/>
-            </a:pPr>
-            <a:r>
-              <a:rPr lang="ko-KR" altLang="en-US" sz="1400" dirty="0"/>
-              <a:t>룸을 만든 사용자는 해당 룸의 인원수가 다 찼다면</a:t>
-            </a:r>
-            <a:r>
-              <a:rPr lang="en-US" altLang="ko-KR" sz="1400" dirty="0"/>
-              <a:t>, </a:t>
-            </a:r>
-            <a:r>
-              <a:rPr lang="ko-KR" altLang="en-US" sz="1400" dirty="0"/>
-              <a:t>게임 시작 버튼을 눌러 게임을 시작 할 수 있다</a:t>
-            </a:r>
-            <a:r>
-              <a:rPr lang="en-US" altLang="ko-KR" sz="1400" dirty="0"/>
-              <a:t>.</a:t>
-            </a:r>
-          </a:p>
-          <a:p>
-            <a:pPr marL="0" indent="0">
-              <a:buNone/>
-            </a:pPr>
-            <a:endParaRPr lang="en-US" altLang="ko-KR" sz="1400" dirty="0"/>
-          </a:p>
-          <a:p>
-            <a:pPr marL="0" indent="0">
-              <a:buNone/>
-            </a:pPr>
-            <a:r>
-              <a:rPr lang="ko-KR" altLang="en-US" sz="1400" dirty="0"/>
-              <a:t>추가되면 좋은 점</a:t>
-            </a:r>
-            <a:endParaRPr lang="en-US" altLang="ko-KR" sz="1400" dirty="0"/>
-          </a:p>
-          <a:p>
-            <a:pPr marL="0" indent="0">
-              <a:buNone/>
-            </a:pPr>
-            <a:r>
-              <a:rPr lang="en-US" altLang="ko-KR" sz="1400" dirty="0"/>
-              <a:t>1. </a:t>
-            </a:r>
-            <a:r>
-              <a:rPr lang="ko-KR" altLang="en-US" sz="1400" dirty="0"/>
-              <a:t>해당 룸에 이름이 표시되는 것이 아닌</a:t>
-            </a:r>
-            <a:r>
-              <a:rPr lang="en-US" altLang="ko-KR" sz="1400" dirty="0"/>
-              <a:t>, </a:t>
-            </a:r>
-            <a:r>
-              <a:rPr lang="ko-KR" altLang="en-US" sz="1400" dirty="0" err="1"/>
-              <a:t>어몽어스나</a:t>
-            </a:r>
-            <a:r>
-              <a:rPr lang="ko-KR" altLang="en-US" sz="1400" dirty="0"/>
-              <a:t> </a:t>
-            </a:r>
-            <a:r>
-              <a:rPr lang="ko-KR" altLang="en-US" sz="1400" dirty="0" err="1"/>
-              <a:t>구스구스덕과</a:t>
-            </a:r>
-            <a:r>
-              <a:rPr lang="ko-KR" altLang="en-US" sz="1400" dirty="0"/>
-              <a:t> 같은 게임같이 플레이어가 직접 움직일 수 있도록 하는 점</a:t>
-            </a:r>
-            <a:r>
-              <a:rPr lang="en-US" altLang="ko-KR" sz="1400" dirty="0"/>
-              <a:t>.</a:t>
-            </a:r>
-          </a:p>
-          <a:p>
-            <a:pPr marL="0" indent="0">
-              <a:buNone/>
-            </a:pPr>
-            <a:endParaRPr lang="en-US" altLang="ko-KR" sz="1400" dirty="0"/>
-          </a:p>
-          <a:p>
-            <a:pPr marL="0" indent="0">
-              <a:buNone/>
-            </a:pPr>
-            <a:r>
-              <a:rPr lang="en-US" altLang="ko-KR" sz="1400" dirty="0"/>
-              <a:t>2. </a:t>
-            </a:r>
-            <a:r>
-              <a:rPr lang="ko-KR" altLang="en-US" sz="1400" dirty="0"/>
-              <a:t>룸을 만든 사용자가 원하는 사용자를 룸에서 추방 시킬 수 있도록 하는 것</a:t>
-            </a:r>
-            <a:r>
-              <a:rPr lang="en-US" altLang="ko-KR" sz="1400" dirty="0"/>
-              <a:t>.</a:t>
-            </a:r>
             <a:endParaRPr lang="ko-KR" altLang="en-US" sz="1400" dirty="0"/>
           </a:p>
         </p:txBody>
       </p:sp>
-      <p:sp>
-        <p:nvSpPr>
-          <p:cNvPr id="8" name="TextBox 7">
-            <a:extLst>
-              <a:ext uri="{FF2B5EF4-FFF2-40B4-BE49-F238E27FC236}">
-                <a16:creationId xmlns:a16="http://schemas.microsoft.com/office/drawing/2014/main" id="{7EAE613D-453D-7250-2652-348D983C3735}"/>
-              </a:ext>
-            </a:extLst>
-          </p:cNvPr>
-          <p:cNvSpPr txBox="1"/>
-          <p:nvPr/>
-        </p:nvSpPr>
-        <p:spPr>
-          <a:xfrm>
-            <a:off x="8408095" y="5322167"/>
-            <a:ext cx="1502334" cy="369332"/>
-          </a:xfrm>
-          <a:prstGeom prst="rect">
-            <a:avLst/>
-          </a:prstGeom>
-          <a:noFill/>
-        </p:spPr>
-        <p:txBody>
-          <a:bodyPr wrap="none" rtlCol="0">
-            <a:spAutoFit/>
-          </a:bodyPr>
-          <a:lstStyle/>
-          <a:p>
-            <a:r>
-              <a:rPr lang="ko-KR" altLang="en-US" dirty="0"/>
-              <a:t>예시 룸 사진</a:t>
-            </a:r>
-          </a:p>
-        </p:txBody>
-      </p:sp>
-      <p:pic>
-        <p:nvPicPr>
-          <p:cNvPr id="5" name="그림 4" descr="텍스트, 스크린샷, 전자제품, 소프트웨어이(가) 표시된 사진&#10;&#10;자동 생성된 설명">
-            <a:extLst>
-              <a:ext uri="{FF2B5EF4-FFF2-40B4-BE49-F238E27FC236}">
-                <a16:creationId xmlns:a16="http://schemas.microsoft.com/office/drawing/2014/main" id="{E97534B4-86E9-39B4-FE8A-903175B68F7C}"/>
-              </a:ext>
-            </a:extLst>
-          </p:cNvPr>
-          <p:cNvPicPr>
-            <a:picLocks noChangeAspect="1"/>
-          </p:cNvPicPr>
-          <p:nvPr/>
-        </p:nvPicPr>
-        <p:blipFill>
-          <a:blip r:embed="rId2">
-            <a:extLst>
-              <a:ext uri="{28A0092B-C50C-407E-A947-70E740481C1C}">
-                <a14:useLocalDpi xmlns:a14="http://schemas.microsoft.com/office/drawing/2010/main" val="0"/>
-              </a:ext>
-            </a:extLst>
-          </a:blip>
-          <a:stretch>
-            <a:fillRect/>
-          </a:stretch>
-        </p:blipFill>
-        <p:spPr>
-          <a:xfrm>
-            <a:off x="6149386" y="1474183"/>
-            <a:ext cx="5932943" cy="3699364"/>
-          </a:xfrm>
-          <a:prstGeom prst="rect">
-            <a:avLst/>
-          </a:prstGeom>
-        </p:spPr>
-      </p:pic>
     </p:spTree>
     <p:extLst>
       <p:ext uri="{BB962C8B-B14F-4D97-AF65-F5344CB8AC3E}">
-        <p14:creationId xmlns:p14="http://schemas.microsoft.com/office/powerpoint/2010/main" val="4232245179"/>
+        <p14:creationId xmlns:p14="http://schemas.microsoft.com/office/powerpoint/2010/main" val="2646810687"/>
       </p:ext>
     </p:extLst>
   </p:cSld>
@@ -3777,7 +3683,7 @@
           <a:p>
             <a:r>
               <a:rPr lang="en-US" altLang="ko-KR" dirty="0"/>
-              <a:t>6. </a:t>
+              <a:t>10. </a:t>
             </a:r>
             <a:r>
               <a:rPr lang="ko-KR" altLang="en-US" dirty="0"/>
@@ -3817,7 +3723,54 @@
             </a:pPr>
             <a:r>
               <a:rPr lang="ko-KR" altLang="en-US" sz="1400" dirty="0"/>
-              <a:t>룸에 접속하면 이미 해당 룸에 접속한 사용자들의 이름이 표시되어야 하며</a:t>
+              <a:t>열쇠는 </a:t>
+            </a:r>
+            <a:r>
+              <a:rPr lang="en-US" altLang="ko-KR" sz="1400" dirty="0"/>
+              <a:t>2</a:t>
+            </a:r>
+            <a:r>
+              <a:rPr lang="ko-KR" altLang="en-US" sz="1400" dirty="0"/>
+              <a:t>일차 낮에 </a:t>
+            </a:r>
+            <a:r>
+              <a:rPr lang="ko-KR" altLang="en-US" sz="1400" dirty="0" err="1"/>
+              <a:t>쉘터에</a:t>
+            </a:r>
+            <a:r>
+              <a:rPr lang="ko-KR" altLang="en-US" sz="1400" dirty="0"/>
+              <a:t> 생성된다</a:t>
+            </a:r>
+            <a:r>
+              <a:rPr lang="en-US" altLang="ko-KR" sz="1400" dirty="0"/>
+              <a:t>.</a:t>
+            </a:r>
+          </a:p>
+          <a:p>
+            <a:pPr marL="0" indent="0">
+              <a:buNone/>
+            </a:pPr>
+            <a:endParaRPr lang="en-US" altLang="ko-KR" sz="1400" dirty="0"/>
+          </a:p>
+          <a:p>
+            <a:pPr marL="0" indent="0">
+              <a:buNone/>
+            </a:pPr>
+            <a:r>
+              <a:rPr lang="ko-KR" altLang="en-US" sz="1400" dirty="0"/>
+              <a:t>캐릭터가 열쇠에 접근하여 상호작용을 하면 </a:t>
+            </a:r>
+            <a:r>
+              <a:rPr lang="en-US" altLang="ko-KR" sz="1400" dirty="0"/>
+              <a:t>3</a:t>
+            </a:r>
+            <a:r>
+              <a:rPr lang="ko-KR" altLang="en-US" sz="1400" dirty="0"/>
+              <a:t>초간 </a:t>
+            </a:r>
+            <a:r>
+              <a:rPr lang="ko-KR" altLang="en-US" sz="1400" dirty="0" err="1"/>
+              <a:t>정신집중을하며</a:t>
             </a:r>
             <a:r>
               <a:rPr lang="en-US" altLang="ko-KR" sz="1400" dirty="0"/>
@@ -3825,7 +3778,7 @@
             </a:r>
             <a:r>
               <a:rPr lang="ko-KR" altLang="en-US" sz="1400" dirty="0"/>
-              <a:t>채팅창을 통해 소통 할 수 있어야 한다</a:t>
+              <a:t>정신집중을 성공하면 획득 할 수 있다</a:t>
             </a:r>
             <a:r>
               <a:rPr lang="en-US" altLang="ko-KR" sz="1400" dirty="0"/>
@@ -3836,9 +3789,15 @@
             <a:pPr marL="0" indent="0">
               <a:buNone/>
             </a:pPr>
-            <a:r>
-              <a:rPr lang="ko-KR" altLang="en-US" sz="1400" dirty="0"/>
-              <a:t>그리고 룸 나가기 버튼을 통해 로비로 되돌아 갈 수 있어야 한다</a:t>
+            <a:endParaRPr lang="en-US" altLang="ko-KR" sz="1400" dirty="0"/>
+          </a:p>
+          <a:p>
+            <a:pPr marL="0" indent="0">
+              <a:buNone/>
+            </a:pPr>
+            <a:r>
+              <a:rPr lang="ko-KR" altLang="en-US" sz="1400" dirty="0"/>
+              <a:t>열쇠를 얻으면 폭탄 목걸이 시간이 느리게 갈지 빠르게 갈지 멈추게 할지 프로토타입을 제작 후 논의 예정</a:t>
             </a:r>
             <a:r>
               <a:rPr lang="en-US" altLang="ko-KR" sz="1400" dirty="0"/>
@@ -3851,177 +3810,8 @@
             </a:pPr>
             <a:endParaRPr lang="en-US" altLang="ko-KR" sz="1400" dirty="0"/>
           </a:p>
-          <a:p>
-            <a:pPr marL="0" indent="0">
-              <a:buNone/>
-            </a:pPr>
-            <a:r>
-              <a:rPr lang="ko-KR" altLang="en-US" sz="1400" dirty="0"/>
-              <a:t>룸을 만든 사용자는 해당 룸의 인원수가 다 찼다면</a:t>
-            </a:r>
-            <a:r>
-              <a:rPr lang="en-US" altLang="ko-KR" sz="1400" dirty="0"/>
-              <a:t>, </a:t>
-            </a:r>
-            <a:r>
-              <a:rPr lang="ko-KR" altLang="en-US" sz="1400" dirty="0"/>
-              <a:t>게임 시작 버튼을 눌러 게임을 시작 할 수 있다</a:t>
-            </a:r>
-            <a:r>
-              <a:rPr lang="en-US" altLang="ko-KR" sz="1400" dirty="0"/>
-              <a:t>.</a:t>
-            </a:r>
-          </a:p>
-          <a:p>
-            <a:pPr marL="0" indent="0">
-              <a:buNone/>
-            </a:pPr>
-            <a:endParaRPr lang="en-US" altLang="ko-KR" sz="1400" dirty="0"/>
-          </a:p>
-          <a:p>
-            <a:pPr marL="0" indent="0">
-              <a:buNone/>
-            </a:pPr>
-            <a:r>
-              <a:rPr lang="ko-KR" altLang="en-US" sz="1400" dirty="0"/>
-              <a:t>추가되면 좋은 점</a:t>
-            </a:r>
-            <a:endParaRPr lang="en-US" altLang="ko-KR" sz="1400" dirty="0"/>
-          </a:p>
-          <a:p>
-            <a:pPr marL="0" indent="0">
-              <a:buNone/>
-            </a:pPr>
-            <a:r>
-              <a:rPr lang="en-US" altLang="ko-KR" sz="1400" dirty="0"/>
-              <a:t>1. </a:t>
-            </a:r>
-            <a:r>
-              <a:rPr lang="ko-KR" altLang="en-US" sz="1400" dirty="0"/>
-              <a:t>해당 룸에 이름이 표시되는 것이 아닌</a:t>
-            </a:r>
-            <a:r>
-              <a:rPr lang="en-US" altLang="ko-KR" sz="1400" dirty="0"/>
-              <a:t>, </a:t>
-            </a:r>
-            <a:r>
-              <a:rPr lang="ko-KR" altLang="en-US" sz="1400" dirty="0" err="1"/>
-              <a:t>어몽어스나</a:t>
-            </a:r>
-            <a:r>
-              <a:rPr lang="ko-KR" altLang="en-US" sz="1400" dirty="0"/>
-              <a:t> </a:t>
-            </a:r>
-            <a:r>
-              <a:rPr lang="ko-KR" altLang="en-US" sz="1400" dirty="0" err="1"/>
-              <a:t>구스구스덕과</a:t>
-            </a:r>
-            <a:r>
-              <a:rPr lang="ko-KR" altLang="en-US" sz="1400" dirty="0"/>
-              <a:t> 같은 게임같이 플레이어가 직접 움직일 수 있도록 하는 점</a:t>
-            </a:r>
-            <a:r>
-              <a:rPr lang="en-US" altLang="ko-KR" sz="1400" dirty="0"/>
-              <a:t>.</a:t>
-            </a:r>
-          </a:p>
-          <a:p>
-            <a:pPr marL="0" indent="0">
-              <a:buNone/>
-            </a:pPr>
-            <a:endParaRPr lang="en-US" altLang="ko-KR" sz="1400" dirty="0"/>
-          </a:p>
-          <a:p>
-            <a:pPr marL="0" indent="0">
-              <a:buNone/>
-            </a:pPr>
-            <a:r>
-              <a:rPr lang="en-US" altLang="ko-KR" sz="1400" dirty="0"/>
-              <a:t>2. </a:t>
-            </a:r>
-            <a:r>
-              <a:rPr lang="ko-KR" altLang="en-US" sz="1400" dirty="0"/>
-              <a:t>룸을 만든 사용자가 원하는 사용자를 룸에서 추방 시킬 수 있도록 하는 것</a:t>
-            </a:r>
-            <a:r>
-              <a:rPr lang="en-US" altLang="ko-KR" sz="1400" dirty="0"/>
-              <a:t>.</a:t>
-            </a:r>
-            <a:endParaRPr lang="ko-KR" altLang="en-US" sz="1400" dirty="0"/>
-          </a:p>
-        </p:txBody>
-      </p:sp>
-      <p:sp>
-        <p:nvSpPr>
-          <p:cNvPr id="8" name="TextBox 7">
-            <a:extLst>
-              <a:ext uri="{FF2B5EF4-FFF2-40B4-BE49-F238E27FC236}">
-                <a16:creationId xmlns:a16="http://schemas.microsoft.com/office/drawing/2014/main" id="{7EAE613D-453D-7250-2652-348D983C3735}"/>
-              </a:ext>
-            </a:extLst>
-          </p:cNvPr>
-          <p:cNvSpPr txBox="1"/>
-          <p:nvPr/>
-        </p:nvSpPr>
-        <p:spPr>
-          <a:xfrm>
-            <a:off x="8408095" y="5322167"/>
-            <a:ext cx="1502334" cy="369332"/>
-          </a:xfrm>
-          <a:prstGeom prst="rect">
-            <a:avLst/>
-          </a:prstGeom>
-          <a:noFill/>
-        </p:spPr>
-        <p:txBody>
-          <a:bodyPr wrap="none" rtlCol="0">
-            <a:spAutoFit/>
-          </a:bodyPr>
-          <a:lstStyle/>
-          <a:p>
-            <a:r>
-              <a:rPr lang="ko-KR" altLang="en-US" dirty="0"/>
-              <a:t>예시 룸 사진</a:t>
-            </a:r>
-          </a:p>
-        </p:txBody>
-      </p:sp>
-      <p:pic>
-        <p:nvPicPr>
-          <p:cNvPr id="5" name="그림 4" descr="텍스트, 스크린샷, 전자제품, 소프트웨어이(가) 표시된 사진&#10;&#10;자동 생성된 설명">
-            <a:extLst>
-              <a:ext uri="{FF2B5EF4-FFF2-40B4-BE49-F238E27FC236}">
-                <a16:creationId xmlns:a16="http://schemas.microsoft.com/office/drawing/2014/main" id="{E97534B4-86E9-39B4-FE8A-903175B68F7C}"/>
-              </a:ext>
-            </a:extLst>
-          </p:cNvPr>
-          <p:cNvPicPr>
-            <a:picLocks noChangeAspect="1"/>
-          </p:cNvPicPr>
-          <p:nvPr/>
-        </p:nvPicPr>
-        <p:blipFill>
-          <a:blip r:embed="rId2">
-            <a:extLst>
-              <a:ext uri="{28A0092B-C50C-407E-A947-70E740481C1C}">
-                <a14:useLocalDpi xmlns:a14="http://schemas.microsoft.com/office/drawing/2010/main" val="0"/>
-              </a:ext>
-            </a:extLst>
-          </a:blip>
-          <a:stretch>
-            <a:fillRect/>
-          </a:stretch>
-        </p:blipFill>
-        <p:spPr>
-          <a:xfrm>
-            <a:off x="6149386" y="1474183"/>
-            <a:ext cx="5932943" cy="3699364"/>
-          </a:xfrm>
-          <a:prstGeom prst="rect">
-            <a:avLst/>
-          </a:prstGeom>
-        </p:spPr>
-      </p:pic>
+        </p:txBody>
+      </p:sp>
     </p:spTree>
     <p:extLst>
       <p:ext uri="{BB962C8B-B14F-4D97-AF65-F5344CB8AC3E}">
@@ -4080,7 +3870,7 @@
           <a:p>
             <a:r>
               <a:rPr lang="en-US" altLang="ko-KR" dirty="0"/>
-              <a:t>6. </a:t>
+              <a:t>11. </a:t>
             </a:r>
             <a:r>
               <a:rPr lang="ko-KR" altLang="en-US" dirty="0"/>
@@ -4119,8 +3909,43 @@
               <a:buNone/>
             </a:pPr>
             <a:r>
-              <a:rPr lang="ko-KR" altLang="en-US" sz="1400" dirty="0"/>
-              <a:t>룸에 접속하면 이미 해당 룸에 접속한 사용자들의 이름이 표시되어야 하며</a:t>
+              <a:rPr lang="ko-KR" altLang="en-US" sz="1400" dirty="0" err="1"/>
+              <a:t>데드바이데이라이트의</a:t>
+            </a:r>
+            <a:r>
+              <a:rPr lang="ko-KR" altLang="en-US" sz="1400" dirty="0"/>
+              <a:t> 비상탈출구 개념을 차용하여 제작</a:t>
+            </a:r>
+            <a:r>
+              <a:rPr lang="en-US" altLang="ko-KR" sz="1400" dirty="0"/>
+              <a:t>.</a:t>
+            </a:r>
+          </a:p>
+          <a:p>
+            <a:pPr marL="0" indent="0">
+              <a:buNone/>
+            </a:pPr>
+            <a:endParaRPr lang="en-US" altLang="ko-KR" sz="1400" dirty="0"/>
+          </a:p>
+          <a:p>
+            <a:pPr marL="0" indent="0">
+              <a:buNone/>
+            </a:pPr>
+            <a:r>
+              <a:rPr lang="en-US" altLang="ko-KR" sz="1400" dirty="0"/>
+              <a:t>2</a:t>
+            </a:r>
+            <a:r>
+              <a:rPr lang="ko-KR" altLang="en-US" sz="1400" dirty="0"/>
+              <a:t>일차 밤에 필드 맵 </a:t>
+            </a:r>
+            <a:r>
+              <a:rPr lang="ko-KR" altLang="en-US" sz="1400" dirty="0" err="1"/>
+              <a:t>랜덤한</a:t>
+            </a:r>
+            <a:r>
+              <a:rPr lang="ko-KR" altLang="en-US" sz="1400" dirty="0"/>
+              <a:t> 곳에 생성되며</a:t>
             </a:r>
             <a:r>
               <a:rPr lang="en-US" altLang="ko-KR" sz="1400" dirty="0"/>
@@ -4128,7 +3953,15 @@
             </a:r>
             <a:r>
               <a:rPr lang="ko-KR" altLang="en-US" sz="1400" dirty="0"/>
-              <a:t>채팅창을 통해 소통 할 수 있어야 한다</a:t>
+              <a:t>열쇠를 가지고 있어야지  탈출 가능하다</a:t>
+            </a:r>
+            <a:r>
+              <a:rPr lang="en-US" altLang="ko-KR" sz="1400" dirty="0"/>
+              <a:t>. </a:t>
+            </a:r>
+            <a:r>
+              <a:rPr lang="ko-KR" altLang="en-US" sz="1400" dirty="0"/>
+              <a:t>탈출하면 사용자는 승리한다</a:t>
             </a:r>
             <a:r>
               <a:rPr lang="en-US" altLang="ko-KR" sz="1400" dirty="0"/>
@@ -4139,500 +3972,40 @@
             <a:pPr marL="0" indent="0">
               <a:buNone/>
             </a:pPr>
-            <a:r>
-              <a:rPr lang="ko-KR" altLang="en-US" sz="1400" dirty="0"/>
-              <a:t>그리고 룸 나가기 버튼을 통해 로비로 되돌아 갈 수 있어야 한다</a:t>
+            <a:endParaRPr lang="en-US" altLang="ko-KR" sz="1400" dirty="0"/>
+          </a:p>
+          <a:p>
+            <a:pPr marL="0" indent="0">
+              <a:buNone/>
+            </a:pPr>
+            <a:r>
+              <a:rPr lang="en-US" altLang="ko-KR" sz="1400" dirty="0"/>
+              <a:t>1X1 </a:t>
+            </a:r>
+            <a:r>
+              <a:rPr lang="ko-KR" altLang="en-US" sz="1400" dirty="0"/>
+              <a:t>타일 크기만큼의 </a:t>
+            </a:r>
+            <a:r>
+              <a:rPr lang="en-US" altLang="ko-KR" sz="1400" dirty="0"/>
+              <a:t>2D </a:t>
+            </a:r>
+            <a:r>
+              <a:rPr lang="ko-KR" altLang="en-US" sz="1400" dirty="0"/>
+              <a:t>이미지</a:t>
             </a:r>
             <a:r>
               <a:rPr lang="en-US" altLang="ko-KR" sz="1400" dirty="0"/>
               <a:t>.</a:t>
             </a:r>
-          </a:p>
-          <a:p>
-            <a:pPr marL="0" indent="0">
-              <a:buNone/>
-            </a:pPr>
-            <a:endParaRPr lang="en-US" altLang="ko-KR" sz="1400" dirty="0"/>
-          </a:p>
-          <a:p>
-            <a:pPr marL="0" indent="0">
-              <a:buNone/>
-            </a:pPr>
-            <a:r>
-              <a:rPr lang="ko-KR" altLang="en-US" sz="1400" dirty="0"/>
-              <a:t>룸을 만든 사용자는 해당 룸의 인원수가 다 찼다면</a:t>
-            </a:r>
-            <a:r>
-              <a:rPr lang="en-US" altLang="ko-KR" sz="1400" dirty="0"/>
-              <a:t>, </a:t>
-            </a:r>
-            <a:r>
-              <a:rPr lang="ko-KR" altLang="en-US" sz="1400" dirty="0"/>
-              <a:t>게임 시작 버튼을 눌러 게임을 시작 할 수 있다</a:t>
-            </a:r>
-            <a:r>
-              <a:rPr lang="en-US" altLang="ko-KR" sz="1400" dirty="0"/>
-              <a:t>.</a:t>
-            </a:r>
-          </a:p>
-          <a:p>
-            <a:pPr marL="0" indent="0">
-              <a:buNone/>
-            </a:pPr>
-            <a:endParaRPr lang="en-US" altLang="ko-KR" sz="1400" dirty="0"/>
-          </a:p>
-          <a:p>
-            <a:pPr marL="0" indent="0">
-              <a:buNone/>
-            </a:pPr>
-            <a:r>
-              <a:rPr lang="ko-KR" altLang="en-US" sz="1400" dirty="0"/>
-              <a:t>추가되면 좋은 점</a:t>
-            </a:r>
-            <a:endParaRPr lang="en-US" altLang="ko-KR" sz="1400" dirty="0"/>
-          </a:p>
-          <a:p>
-            <a:pPr marL="0" indent="0">
-              <a:buNone/>
-            </a:pPr>
-            <a:r>
-              <a:rPr lang="en-US" altLang="ko-KR" sz="1400" dirty="0"/>
-              <a:t>1. </a:t>
-            </a:r>
-            <a:r>
-              <a:rPr lang="ko-KR" altLang="en-US" sz="1400" dirty="0"/>
-              <a:t>해당 룸에 이름이 표시되는 것이 아닌</a:t>
-            </a:r>
-            <a:r>
-              <a:rPr lang="en-US" altLang="ko-KR" sz="1400" dirty="0"/>
-              <a:t>, </a:t>
-            </a:r>
-            <a:r>
-              <a:rPr lang="ko-KR" altLang="en-US" sz="1400" dirty="0" err="1"/>
-              <a:t>어몽어스나</a:t>
-            </a:r>
-            <a:r>
-              <a:rPr lang="ko-KR" altLang="en-US" sz="1400" dirty="0"/>
-              <a:t> </a:t>
-            </a:r>
-            <a:r>
-              <a:rPr lang="ko-KR" altLang="en-US" sz="1400" dirty="0" err="1"/>
-              <a:t>구스구스덕과</a:t>
-            </a:r>
-            <a:r>
-              <a:rPr lang="ko-KR" altLang="en-US" sz="1400" dirty="0"/>
-              <a:t> 같은 게임같이 플레이어가 직접 움직일 수 있도록 하는 점</a:t>
-            </a:r>
-            <a:r>
-              <a:rPr lang="en-US" altLang="ko-KR" sz="1400" dirty="0"/>
-              <a:t>.</a:t>
-            </a:r>
-          </a:p>
-          <a:p>
-            <a:pPr marL="0" indent="0">
-              <a:buNone/>
-            </a:pPr>
-            <a:endParaRPr lang="en-US" altLang="ko-KR" sz="1400" dirty="0"/>
-          </a:p>
-          <a:p>
-            <a:pPr marL="0" indent="0">
-              <a:buNone/>
-            </a:pPr>
-            <a:r>
-              <a:rPr lang="en-US" altLang="ko-KR" sz="1400" dirty="0"/>
-              <a:t>2. </a:t>
-            </a:r>
-            <a:r>
-              <a:rPr lang="ko-KR" altLang="en-US" sz="1400" dirty="0"/>
-              <a:t>룸을 만든 사용자가 원하는 사용자를 룸에서 추방 시킬 수 있도록 하는 것</a:t>
-            </a:r>
-            <a:r>
-              <a:rPr lang="en-US" altLang="ko-KR" sz="1400" dirty="0"/>
-              <a:t>.</a:t>
-            </a:r>
             <a:endParaRPr lang="ko-KR" altLang="en-US" sz="1400" dirty="0"/>
           </a:p>
         </p:txBody>
       </p:sp>
-      <p:sp>
-        <p:nvSpPr>
-          <p:cNvPr id="8" name="TextBox 7">
-            <a:extLst>
-              <a:ext uri="{FF2B5EF4-FFF2-40B4-BE49-F238E27FC236}">
-                <a16:creationId xmlns:a16="http://schemas.microsoft.com/office/drawing/2014/main" id="{7EAE613D-453D-7250-2652-348D983C3735}"/>
-              </a:ext>
-            </a:extLst>
-          </p:cNvPr>
-          <p:cNvSpPr txBox="1"/>
-          <p:nvPr/>
-        </p:nvSpPr>
-        <p:spPr>
-          <a:xfrm>
-            <a:off x="8408095" y="5322167"/>
-            <a:ext cx="1502334" cy="369332"/>
-          </a:xfrm>
-          <a:prstGeom prst="rect">
-            <a:avLst/>
-          </a:prstGeom>
-          <a:noFill/>
-        </p:spPr>
-        <p:txBody>
-          <a:bodyPr wrap="none" rtlCol="0">
-            <a:spAutoFit/>
-          </a:bodyPr>
-          <a:lstStyle/>
-          <a:p>
-            <a:r>
-              <a:rPr lang="ko-KR" altLang="en-US" dirty="0"/>
-              <a:t>예시 룸 사진</a:t>
-            </a:r>
-          </a:p>
-        </p:txBody>
-      </p:sp>
-      <p:pic>
-        <p:nvPicPr>
-          <p:cNvPr id="5" name="그림 4" descr="텍스트, 스크린샷, 전자제품, 소프트웨어이(가) 표시된 사진&#10;&#10;자동 생성된 설명">
-            <a:extLst>
-              <a:ext uri="{FF2B5EF4-FFF2-40B4-BE49-F238E27FC236}">
-                <a16:creationId xmlns:a16="http://schemas.microsoft.com/office/drawing/2014/main" id="{E97534B4-86E9-39B4-FE8A-903175B68F7C}"/>
-              </a:ext>
-            </a:extLst>
-          </p:cNvPr>
-          <p:cNvPicPr>
-            <a:picLocks noChangeAspect="1"/>
-          </p:cNvPicPr>
-          <p:nvPr/>
-        </p:nvPicPr>
-        <p:blipFill>
-          <a:blip r:embed="rId2">
-            <a:extLst>
-              <a:ext uri="{28A0092B-C50C-407E-A947-70E740481C1C}">
-                <a14:useLocalDpi xmlns:a14="http://schemas.microsoft.com/office/drawing/2010/main" val="0"/>
-              </a:ext>
-            </a:extLst>
-          </a:blip>
-          <a:stretch>
-            <a:fillRect/>
-          </a:stretch>
-        </p:blipFill>
-        <p:spPr>
-          <a:xfrm>
-            <a:off x="6149386" y="1474183"/>
-            <a:ext cx="5932943" cy="3699364"/>
-          </a:xfrm>
-          <a:prstGeom prst="rect">
-            <a:avLst/>
-          </a:prstGeom>
-        </p:spPr>
-      </p:pic>
     </p:spTree>
     <p:extLst>
       <p:ext uri="{BB962C8B-B14F-4D97-AF65-F5344CB8AC3E}">
         <p14:creationId xmlns:p14="http://schemas.microsoft.com/office/powerpoint/2010/main" val="1544034834"/>
-      </p:ext>
-    </p:extLst>
-  </p:cSld>
-  <p:clrMapOvr>
-    <a:masterClrMapping/>
-  </p:clrMapOvr>
-</p:sld>
-</file>
-
-<file path=ppt/slides/slide13.xml><?xml version="1.0" encoding="utf-8"?>
-<p:sld xmlns:a="http://schemas.openxmlformats.org/drawingml/2006/main" xmlns:r="http://schemas.openxmlformats.org/officeDocument/2006/relationships" xmlns:p="http://schemas.openxmlformats.org/presentationml/2006/main">
-  <p:cSld>
-    <p:spTree>
-      <p:nvGrpSpPr>
-        <p:cNvPr id="1" name=""/>
-        <p:cNvGrpSpPr/>
-        <p:nvPr/>
-      </p:nvGrpSpPr>
-      <p:grpSpPr>
-        <a:xfrm>
-          <a:off x="0" y="0"/>
-          <a:ext cx="0" cy="0"/>
-          <a:chOff x="0" y="0"/>
-          <a:chExt cx="0" cy="0"/>
-        </a:xfrm>
-      </p:grpSpPr>
-      <p:sp>
-        <p:nvSpPr>
-          <p:cNvPr id="2" name="제목 1">
-            <a:extLst>
-              <a:ext uri="{FF2B5EF4-FFF2-40B4-BE49-F238E27FC236}">
-                <a16:creationId xmlns:a16="http://schemas.microsoft.com/office/drawing/2014/main" id="{8730FCB7-9544-0BF5-7DA4-4D5F05CA24B3}"/>
-              </a:ext>
-            </a:extLst>
-          </p:cNvPr>
-          <p:cNvSpPr>
-            <a:spLocks noGrp="1"/>
-          </p:cNvSpPr>
-          <p:nvPr>
-            <p:ph type="title"/>
-          </p:nvPr>
-        </p:nvSpPr>
-        <p:spPr>
-          <a:xfrm>
-            <a:off x="0" y="0"/>
-            <a:ext cx="10515600" cy="1325563"/>
-          </a:xfrm>
-        </p:spPr>
-        <p:txBody>
-          <a:bodyPr/>
-          <a:lstStyle/>
-          <a:p>
-            <a:r>
-              <a:rPr lang="en-US" altLang="ko-KR" dirty="0"/>
-              <a:t>6. </a:t>
-            </a:r>
-            <a:r>
-              <a:rPr lang="ko-KR" altLang="en-US" dirty="0" err="1"/>
-              <a:t>플로우차트</a:t>
-            </a:r>
-            <a:endParaRPr lang="ko-KR" altLang="en-US" dirty="0"/>
-          </a:p>
-        </p:txBody>
-      </p:sp>
-      <p:sp>
-        <p:nvSpPr>
-          <p:cNvPr id="3" name="내용 개체 틀 2">
-            <a:extLst>
-              <a:ext uri="{FF2B5EF4-FFF2-40B4-BE49-F238E27FC236}">
-                <a16:creationId xmlns:a16="http://schemas.microsoft.com/office/drawing/2014/main" id="{CFB93CA9-C3A1-60D6-0DBE-F29A5C4DA79E}"/>
-              </a:ext>
-            </a:extLst>
-          </p:cNvPr>
-          <p:cNvSpPr>
-            <a:spLocks noGrp="1"/>
-          </p:cNvSpPr>
-          <p:nvPr>
-            <p:ph idx="1"/>
-          </p:nvPr>
-        </p:nvSpPr>
-        <p:spPr>
-          <a:xfrm>
-            <a:off x="109671" y="1769944"/>
-            <a:ext cx="5564736" cy="3921555"/>
-          </a:xfrm>
-        </p:spPr>
-        <p:txBody>
-          <a:bodyPr/>
-          <a:lstStyle/>
-          <a:p>
-            <a:pPr marL="0" indent="0">
-              <a:buNone/>
-            </a:pPr>
-            <a:r>
-              <a:rPr lang="ko-KR" altLang="en-US" sz="1400" dirty="0"/>
-              <a:t>룸에 접속하면 이미 해당 룸에 접속한 사용자들의 이름이 표시되어야 하며</a:t>
-            </a:r>
-            <a:r>
-              <a:rPr lang="en-US" altLang="ko-KR" sz="1400" dirty="0"/>
-              <a:t>, </a:t>
-            </a:r>
-            <a:r>
-              <a:rPr lang="ko-KR" altLang="en-US" sz="1400" dirty="0"/>
-              <a:t>채팅창을 통해 소통 할 수 있어야 한다</a:t>
-            </a:r>
-            <a:r>
-              <a:rPr lang="en-US" altLang="ko-KR" sz="1400" dirty="0"/>
-              <a:t>.</a:t>
-            </a:r>
-          </a:p>
-          <a:p>
-            <a:pPr marL="0" indent="0">
-              <a:buNone/>
-            </a:pPr>
-            <a:r>
-              <a:rPr lang="ko-KR" altLang="en-US" sz="1400" dirty="0"/>
-              <a:t>그리고 룸 나가기 버튼을 통해 로비로 되돌아 갈 수 있어야 한다</a:t>
-            </a:r>
-            <a:r>
-              <a:rPr lang="en-US" altLang="ko-KR" sz="1400" dirty="0"/>
-              <a:t>.</a:t>
-            </a:r>
-          </a:p>
-          <a:p>
-            <a:pPr marL="0" indent="0">
-              <a:buNone/>
-            </a:pPr>
-            <a:endParaRPr lang="en-US" altLang="ko-KR" sz="1400" dirty="0"/>
-          </a:p>
-          <a:p>
-            <a:pPr marL="0" indent="0">
-              <a:buNone/>
-            </a:pPr>
-            <a:r>
-              <a:rPr lang="ko-KR" altLang="en-US" sz="1400" dirty="0"/>
-              <a:t>룸을 만든 사용자는 해당 룸의 인원수가 다 찼다면</a:t>
-            </a:r>
-            <a:r>
-              <a:rPr lang="en-US" altLang="ko-KR" sz="1400" dirty="0"/>
-              <a:t>, </a:t>
-            </a:r>
-            <a:r>
-              <a:rPr lang="ko-KR" altLang="en-US" sz="1400" dirty="0"/>
-              <a:t>게임 시작 버튼을 눌러 게임을 시작 할 수 있다</a:t>
-            </a:r>
-            <a:r>
-              <a:rPr lang="en-US" altLang="ko-KR" sz="1400" dirty="0"/>
-              <a:t>.</a:t>
-            </a:r>
-          </a:p>
-          <a:p>
-            <a:pPr marL="0" indent="0">
-              <a:buNone/>
-            </a:pPr>
-            <a:endParaRPr lang="en-US" altLang="ko-KR" sz="1400" dirty="0"/>
-          </a:p>
-          <a:p>
-            <a:pPr marL="0" indent="0">
-              <a:buNone/>
-            </a:pPr>
-            <a:r>
-              <a:rPr lang="ko-KR" altLang="en-US" sz="1400" dirty="0"/>
-              <a:t>추가되면 좋은 점</a:t>
-            </a:r>
-            <a:endParaRPr lang="en-US" altLang="ko-KR" sz="1400" dirty="0"/>
-          </a:p>
-          <a:p>
-            <a:pPr marL="0" indent="0">
-              <a:buNone/>
-            </a:pPr>
-            <a:r>
-              <a:rPr lang="en-US" altLang="ko-KR" sz="1400" dirty="0"/>
-              <a:t>1. </a:t>
-            </a:r>
-            <a:r>
-              <a:rPr lang="ko-KR" altLang="en-US" sz="1400" dirty="0"/>
-              <a:t>해당 룸에 이름이 표시되는 것이 아닌</a:t>
-            </a:r>
-            <a:r>
-              <a:rPr lang="en-US" altLang="ko-KR" sz="1400" dirty="0"/>
-              <a:t>, </a:t>
-            </a:r>
-            <a:r>
-              <a:rPr lang="ko-KR" altLang="en-US" sz="1400" dirty="0" err="1"/>
-              <a:t>어몽어스나</a:t>
-            </a:r>
-            <a:r>
-              <a:rPr lang="ko-KR" altLang="en-US" sz="1400" dirty="0"/>
-              <a:t> </a:t>
-            </a:r>
-            <a:r>
-              <a:rPr lang="ko-KR" altLang="en-US" sz="1400" dirty="0" err="1"/>
-              <a:t>구스구스덕과</a:t>
-            </a:r>
-            <a:r>
-              <a:rPr lang="ko-KR" altLang="en-US" sz="1400" dirty="0"/>
-              <a:t> 같은 게임같이 플레이어가 직접 움직일 수 있도록 하는 점</a:t>
-            </a:r>
-            <a:r>
-              <a:rPr lang="en-US" altLang="ko-KR" sz="1400" dirty="0"/>
-              <a:t>.</a:t>
-            </a:r>
-          </a:p>
-          <a:p>
-            <a:pPr marL="0" indent="0">
-              <a:buNone/>
-            </a:pPr>
-            <a:endParaRPr lang="en-US" altLang="ko-KR" sz="1400" dirty="0"/>
-          </a:p>
-          <a:p>
-            <a:pPr marL="0" indent="0">
-              <a:buNone/>
-            </a:pPr>
-            <a:r>
-              <a:rPr lang="en-US" altLang="ko-KR" sz="1400" dirty="0"/>
-              <a:t>2. </a:t>
-            </a:r>
-            <a:r>
-              <a:rPr lang="ko-KR" altLang="en-US" sz="1400" dirty="0"/>
-              <a:t>룸을 만든 사용자가 원하는 사용자를 룸에서 추방 시킬 수 있도록 하는 것</a:t>
-            </a:r>
-            <a:r>
-              <a:rPr lang="en-US" altLang="ko-KR" sz="1400" dirty="0"/>
-              <a:t>.</a:t>
-            </a:r>
-            <a:endParaRPr lang="ko-KR" altLang="en-US" sz="1400" dirty="0"/>
-          </a:p>
-        </p:txBody>
-      </p:sp>
-      <p:sp>
-        <p:nvSpPr>
-          <p:cNvPr id="8" name="TextBox 7">
-            <a:extLst>
-              <a:ext uri="{FF2B5EF4-FFF2-40B4-BE49-F238E27FC236}">
-                <a16:creationId xmlns:a16="http://schemas.microsoft.com/office/drawing/2014/main" id="{7EAE613D-453D-7250-2652-348D983C3735}"/>
-              </a:ext>
-            </a:extLst>
-          </p:cNvPr>
-          <p:cNvSpPr txBox="1"/>
-          <p:nvPr/>
-        </p:nvSpPr>
-        <p:spPr>
-          <a:xfrm>
-            <a:off x="8408095" y="5322167"/>
-            <a:ext cx="1502334" cy="369332"/>
-          </a:xfrm>
-          <a:prstGeom prst="rect">
-            <a:avLst/>
-          </a:prstGeom>
-          <a:noFill/>
-        </p:spPr>
-        <p:txBody>
-          <a:bodyPr wrap="none" rtlCol="0">
-            <a:spAutoFit/>
-          </a:bodyPr>
-          <a:lstStyle/>
-          <a:p>
-            <a:r>
-              <a:rPr lang="ko-KR" altLang="en-US" dirty="0"/>
-              <a:t>예시 룸 사진</a:t>
-            </a:r>
-          </a:p>
-        </p:txBody>
-      </p:sp>
-      <p:pic>
-        <p:nvPicPr>
-          <p:cNvPr id="5" name="그림 4" descr="텍스트, 스크린샷, 전자제품, 소프트웨어이(가) 표시된 사진&#10;&#10;자동 생성된 설명">
-            <a:extLst>
-              <a:ext uri="{FF2B5EF4-FFF2-40B4-BE49-F238E27FC236}">
-                <a16:creationId xmlns:a16="http://schemas.microsoft.com/office/drawing/2014/main" id="{E97534B4-86E9-39B4-FE8A-903175B68F7C}"/>
-              </a:ext>
-            </a:extLst>
-          </p:cNvPr>
-          <p:cNvPicPr>
-            <a:picLocks noChangeAspect="1"/>
-          </p:cNvPicPr>
-          <p:nvPr/>
-        </p:nvPicPr>
-        <p:blipFill>
-          <a:blip r:embed="rId2">
-            <a:extLst>
-              <a:ext uri="{28A0092B-C50C-407E-A947-70E740481C1C}">
-                <a14:useLocalDpi xmlns:a14="http://schemas.microsoft.com/office/drawing/2010/main" val="0"/>
-              </a:ext>
-            </a:extLst>
-          </a:blip>
-          <a:stretch>
-            <a:fillRect/>
-          </a:stretch>
-        </p:blipFill>
-        <p:spPr>
-          <a:xfrm>
-            <a:off x="6149386" y="1474183"/>
-            <a:ext cx="5932943" cy="3699364"/>
-          </a:xfrm>
-          <a:prstGeom prst="rect">
-            <a:avLst/>
-          </a:prstGeom>
-        </p:spPr>
-      </p:pic>
-    </p:spTree>
-    <p:extLst>
-      <p:ext uri="{BB962C8B-B14F-4D97-AF65-F5344CB8AC3E}">
-        <p14:creationId xmlns:p14="http://schemas.microsoft.com/office/powerpoint/2010/main" val="3599044770"/>
       </p:ext>
     </p:extLst>
   </p:cSld>
@@ -5463,251 +4836,2110 @@
             </a:r>
             <a:r>
               <a:rPr lang="ko-KR" altLang="en-US" dirty="0"/>
-              <a:t>캐릭터</a:t>
-            </a:r>
-          </a:p>
-        </p:txBody>
-      </p:sp>
-      <p:sp>
-        <p:nvSpPr>
-          <p:cNvPr id="3" name="내용 개체 틀 2">
-            <a:extLst>
-              <a:ext uri="{FF2B5EF4-FFF2-40B4-BE49-F238E27FC236}">
-                <a16:creationId xmlns:a16="http://schemas.microsoft.com/office/drawing/2014/main" id="{CFB93CA9-C3A1-60D6-0DBE-F29A5C4DA79E}"/>
-              </a:ext>
-            </a:extLst>
-          </p:cNvPr>
-          <p:cNvSpPr>
-            <a:spLocks noGrp="1"/>
-          </p:cNvSpPr>
-          <p:nvPr>
-            <p:ph idx="1"/>
-          </p:nvPr>
-        </p:nvSpPr>
-        <p:spPr>
+              <a:t>조작법</a:t>
+            </a:r>
+          </a:p>
+        </p:txBody>
+      </p:sp>
+      <p:pic>
+        <p:nvPicPr>
+          <p:cNvPr id="7" name="Picture 4" descr="1 + 무료 방향키 &amp; 키보드 이미지 - Pixabay">
+            <a:extLst>
+              <a:ext uri="{FF2B5EF4-FFF2-40B4-BE49-F238E27FC236}">
+                <a16:creationId xmlns:a16="http://schemas.microsoft.com/office/drawing/2014/main" id="{E4760DD0-311E-7F79-9C27-FB72FE1925F8}"/>
+              </a:ext>
+            </a:extLst>
+          </p:cNvPr>
+          <p:cNvPicPr>
+            <a:picLocks noChangeAspect="1" noChangeArrowheads="1"/>
+          </p:cNvPicPr>
+          <p:nvPr/>
+        </p:nvPicPr>
+        <p:blipFill>
+          <a:blip r:embed="rId2">
+            <a:extLst>
+              <a:ext uri="{28A0092B-C50C-407E-A947-70E740481C1C}">
+                <a14:useLocalDpi xmlns:a14="http://schemas.microsoft.com/office/drawing/2010/main" val="0"/>
+              </a:ext>
+            </a:extLst>
+          </a:blip>
+          <a:srcRect/>
+          <a:stretch>
+            <a:fillRect/>
+          </a:stretch>
+        </p:blipFill>
+        <p:spPr bwMode="auto">
           <a:xfrm>
-            <a:off x="109671" y="1769944"/>
-            <a:ext cx="5564736" cy="3921555"/>
-          </a:xfrm>
-        </p:spPr>
-        <p:txBody>
-          <a:bodyPr/>
-          <a:lstStyle/>
-          <a:p>
-            <a:pPr marL="0" indent="0">
-              <a:buNone/>
-            </a:pPr>
-            <a:r>
-              <a:rPr lang="ko-KR" altLang="en-US" sz="1400" dirty="0"/>
-              <a:t>룸에 접속하면 이미 해당 룸에 접속한 사용자들의 이름이 표시되어야 하며</a:t>
-            </a:r>
-            <a:r>
-              <a:rPr lang="en-US" altLang="ko-KR" sz="1400" dirty="0"/>
-              <a:t>, </a:t>
-            </a:r>
-            <a:r>
-              <a:rPr lang="ko-KR" altLang="en-US" sz="1400" dirty="0"/>
-              <a:t>채팅창을 통해 소통 할 수 있어야 한다</a:t>
-            </a:r>
-            <a:r>
-              <a:rPr lang="en-US" altLang="ko-KR" sz="1400" dirty="0"/>
-              <a:t>.</a:t>
-            </a:r>
-          </a:p>
-          <a:p>
-            <a:pPr marL="0" indent="0">
-              <a:buNone/>
-            </a:pPr>
-            <a:r>
-              <a:rPr lang="ko-KR" altLang="en-US" sz="1400" dirty="0"/>
-              <a:t>그리고 룸 나가기 버튼을 통해 로비로 되돌아 갈 수 있어야 한다</a:t>
-            </a:r>
-            <a:r>
-              <a:rPr lang="en-US" altLang="ko-KR" sz="1400" dirty="0"/>
-              <a:t>.</a:t>
-            </a:r>
-          </a:p>
-          <a:p>
-            <a:pPr marL="0" indent="0">
-              <a:buNone/>
-            </a:pPr>
-            <a:endParaRPr lang="en-US" altLang="ko-KR" sz="1400" dirty="0"/>
-          </a:p>
-          <a:p>
-            <a:pPr marL="0" indent="0">
-              <a:buNone/>
-            </a:pPr>
-            <a:r>
-              <a:rPr lang="ko-KR" altLang="en-US" sz="1400" dirty="0"/>
-              <a:t>룸을 만든 사용자는 해당 룸의 인원수가 다 찼다면</a:t>
-            </a:r>
-            <a:r>
-              <a:rPr lang="en-US" altLang="ko-KR" sz="1400" dirty="0"/>
-              <a:t>, </a:t>
-            </a:r>
-            <a:r>
-              <a:rPr lang="ko-KR" altLang="en-US" sz="1400" dirty="0"/>
-              <a:t>게임 시작 버튼을 눌러 게임을 시작 할 수 있다</a:t>
-            </a:r>
-            <a:r>
-              <a:rPr lang="en-US" altLang="ko-KR" sz="1400" dirty="0"/>
-              <a:t>.</a:t>
-            </a:r>
-          </a:p>
-          <a:p>
-            <a:pPr marL="0" indent="0">
-              <a:buNone/>
-            </a:pPr>
-            <a:endParaRPr lang="en-US" altLang="ko-KR" sz="1400" dirty="0"/>
-          </a:p>
-          <a:p>
-            <a:pPr marL="0" indent="0">
-              <a:buNone/>
-            </a:pPr>
-            <a:r>
-              <a:rPr lang="ko-KR" altLang="en-US" sz="1400" dirty="0"/>
-              <a:t>추가되면 좋은 점</a:t>
-            </a:r>
-            <a:endParaRPr lang="en-US" altLang="ko-KR" sz="1400" dirty="0"/>
-          </a:p>
-          <a:p>
-            <a:pPr marL="0" indent="0">
-              <a:buNone/>
-            </a:pPr>
-            <a:r>
-              <a:rPr lang="en-US" altLang="ko-KR" sz="1400" dirty="0"/>
-              <a:t>1. </a:t>
-            </a:r>
-            <a:r>
-              <a:rPr lang="ko-KR" altLang="en-US" sz="1400" dirty="0"/>
-              <a:t>해당 룸에 이름이 표시되는 것이 아닌</a:t>
-            </a:r>
-            <a:r>
-              <a:rPr lang="en-US" altLang="ko-KR" sz="1400" dirty="0"/>
-              <a:t>, </a:t>
-            </a:r>
-            <a:r>
-              <a:rPr lang="ko-KR" altLang="en-US" sz="1400" dirty="0" err="1"/>
-              <a:t>어몽어스나</a:t>
-            </a:r>
-            <a:r>
-              <a:rPr lang="ko-KR" altLang="en-US" sz="1400" dirty="0"/>
-              <a:t> </a:t>
-            </a:r>
-            <a:r>
-              <a:rPr lang="ko-KR" altLang="en-US" sz="1400" dirty="0" err="1"/>
-              <a:t>구스구스덕과</a:t>
-            </a:r>
-            <a:r>
-              <a:rPr lang="ko-KR" altLang="en-US" sz="1400" dirty="0"/>
-              <a:t> 같은 게임같이 플레이어가 직접 움직일 수 있도록 하는 점</a:t>
-            </a:r>
-            <a:r>
-              <a:rPr lang="en-US" altLang="ko-KR" sz="1400" dirty="0"/>
-              <a:t>.</a:t>
-            </a:r>
-          </a:p>
-          <a:p>
-            <a:pPr marL="0" indent="0">
-              <a:buNone/>
-            </a:pPr>
-            <a:endParaRPr lang="en-US" altLang="ko-KR" sz="1400" dirty="0"/>
-          </a:p>
-          <a:p>
-            <a:pPr marL="0" indent="0">
-              <a:buNone/>
-            </a:pPr>
-            <a:r>
-              <a:rPr lang="en-US" altLang="ko-KR" sz="1400" dirty="0"/>
-              <a:t>2. </a:t>
-            </a:r>
-            <a:r>
-              <a:rPr lang="ko-KR" altLang="en-US" sz="1400" dirty="0"/>
-              <a:t>룸을 만든 사용자가 원하는 사용자를 룸에서 추방 시킬 수 있도록 하는 것</a:t>
-            </a:r>
-            <a:r>
-              <a:rPr lang="en-US" altLang="ko-KR" sz="1400" dirty="0"/>
-              <a:t>.</a:t>
-            </a:r>
-            <a:endParaRPr lang="ko-KR" altLang="en-US" sz="1400" dirty="0"/>
-          </a:p>
-        </p:txBody>
-      </p:sp>
-      <p:sp>
-        <p:nvSpPr>
-          <p:cNvPr id="8" name="TextBox 7">
-            <a:extLst>
-              <a:ext uri="{FF2B5EF4-FFF2-40B4-BE49-F238E27FC236}">
-                <a16:creationId xmlns:a16="http://schemas.microsoft.com/office/drawing/2014/main" id="{7EAE613D-453D-7250-2652-348D983C3735}"/>
-              </a:ext>
-            </a:extLst>
-          </p:cNvPr>
-          <p:cNvSpPr txBox="1"/>
-          <p:nvPr/>
-        </p:nvSpPr>
-        <p:spPr>
-          <a:xfrm>
-            <a:off x="8408095" y="5322167"/>
-            <a:ext cx="1502334" cy="369332"/>
+            <a:off x="438561" y="951792"/>
+            <a:ext cx="6318570" cy="3159285"/>
           </a:xfrm>
           <a:prstGeom prst="rect">
             <a:avLst/>
           </a:prstGeom>
           <a:noFill/>
+          <a:extLst>
+            <a:ext uri="{909E8E84-426E-40DD-AFC4-6F175D3DCCD1}">
+              <a14:hiddenFill xmlns:a14="http://schemas.microsoft.com/office/drawing/2010/main">
+                <a:solidFill>
+                  <a:srgbClr val="FFFFFF"/>
+                </a:solidFill>
+              </a14:hiddenFill>
+            </a:ext>
+          </a:extLst>
         </p:spPr>
-        <p:txBody>
-          <a:bodyPr wrap="none" rtlCol="0">
-            <a:spAutoFit/>
-          </a:bodyPr>
-          <a:lstStyle/>
-          <a:p>
-            <a:r>
-              <a:rPr lang="ko-KR" altLang="en-US" dirty="0"/>
-              <a:t>예시 룸 사진</a:t>
-            </a:r>
-          </a:p>
-        </p:txBody>
-      </p:sp>
+      </p:pic>
+      <p:graphicFrame>
+        <p:nvGraphicFramePr>
+          <p:cNvPr id="9" name="표 5">
+            <a:extLst>
+              <a:ext uri="{FF2B5EF4-FFF2-40B4-BE49-F238E27FC236}">
+                <a16:creationId xmlns:a16="http://schemas.microsoft.com/office/drawing/2014/main" id="{13B1BA6A-F373-BB85-DEA2-DCE9AD68D641}"/>
+              </a:ext>
+            </a:extLst>
+          </p:cNvPr>
+          <p:cNvGraphicFramePr>
+            <a:graphicFrameLocks noGrp="1"/>
+          </p:cNvGraphicFramePr>
+          <p:nvPr>
+            <p:extLst>
+              <p:ext uri="{D42A27DB-BD31-4B8C-83A1-F6EECF244321}">
+                <p14:modId xmlns:p14="http://schemas.microsoft.com/office/powerpoint/2010/main" val="3696088800"/>
+              </p:ext>
+            </p:extLst>
+          </p:nvPr>
+        </p:nvGraphicFramePr>
+        <p:xfrm>
+          <a:off x="7159813" y="2316480"/>
+          <a:ext cx="4642286" cy="2966720"/>
+        </p:xfrm>
+        <a:graphic>
+          <a:graphicData uri="http://schemas.openxmlformats.org/drawingml/2006/table">
+            <a:tbl>
+              <a:tblPr firstRow="1" bandRow="1">
+                <a:tableStyleId>{5C22544A-7EE6-4342-B048-85BDC9FD1C3A}</a:tableStyleId>
+              </a:tblPr>
+              <a:tblGrid>
+                <a:gridCol w="785662">
+                  <a:extLst>
+                    <a:ext uri="{9D8B030D-6E8A-4147-A177-3AD203B41FA5}">
+                      <a16:colId xmlns:a16="http://schemas.microsoft.com/office/drawing/2014/main" val="4712530"/>
+                    </a:ext>
+                  </a:extLst>
+                </a:gridCol>
+                <a:gridCol w="1582100">
+                  <a:extLst>
+                    <a:ext uri="{9D8B030D-6E8A-4147-A177-3AD203B41FA5}">
+                      <a16:colId xmlns:a16="http://schemas.microsoft.com/office/drawing/2014/main" val="2575797991"/>
+                    </a:ext>
+                  </a:extLst>
+                </a:gridCol>
+                <a:gridCol w="2274524">
+                  <a:extLst>
+                    <a:ext uri="{9D8B030D-6E8A-4147-A177-3AD203B41FA5}">
+                      <a16:colId xmlns:a16="http://schemas.microsoft.com/office/drawing/2014/main" val="183791028"/>
+                    </a:ext>
+                  </a:extLst>
+                </a:gridCol>
+              </a:tblGrid>
+              <a:tr h="370840">
+                <a:tc>
+                  <a:txBody>
+                    <a:bodyPr/>
+                    <a:lstStyle/>
+                    <a:p>
+                      <a:pPr latinLnBrk="1"/>
+                      <a:r>
+                        <a:rPr lang="ko-KR" altLang="en-US" sz="1500" dirty="0"/>
+                        <a:t>번호</a:t>
+                      </a:r>
+                    </a:p>
+                  </a:txBody>
+                  <a:tcPr/>
+                </a:tc>
+                <a:tc>
+                  <a:txBody>
+                    <a:bodyPr/>
+                    <a:lstStyle/>
+                    <a:p>
+                      <a:pPr latinLnBrk="1"/>
+                      <a:r>
+                        <a:rPr lang="ko-KR" altLang="en-US" sz="1500" dirty="0"/>
+                        <a:t>키</a:t>
+                      </a:r>
+                    </a:p>
+                  </a:txBody>
+                  <a:tcPr/>
+                </a:tc>
+                <a:tc>
+                  <a:txBody>
+                    <a:bodyPr/>
+                    <a:lstStyle/>
+                    <a:p>
+                      <a:pPr latinLnBrk="1"/>
+                      <a:r>
+                        <a:rPr lang="ko-KR" altLang="en-US" sz="1500" dirty="0"/>
+                        <a:t>결과</a:t>
+                      </a:r>
+                    </a:p>
+                  </a:txBody>
+                  <a:tcPr/>
+                </a:tc>
+                <a:extLst>
+                  <a:ext uri="{0D108BD9-81ED-4DB2-BD59-A6C34878D82A}">
+                    <a16:rowId xmlns:a16="http://schemas.microsoft.com/office/drawing/2014/main" val="3512137999"/>
+                  </a:ext>
+                </a:extLst>
+              </a:tr>
+              <a:tr h="370840">
+                <a:tc>
+                  <a:txBody>
+                    <a:bodyPr/>
+                    <a:lstStyle/>
+                    <a:p>
+                      <a:pPr latinLnBrk="1"/>
+                      <a:r>
+                        <a:rPr lang="en-US" altLang="ko-KR" sz="1500" dirty="0"/>
+                        <a:t>1</a:t>
+                      </a:r>
+                      <a:endParaRPr lang="ko-KR" altLang="en-US" sz="1500" dirty="0"/>
+                    </a:p>
+                  </a:txBody>
+                  <a:tcPr/>
+                </a:tc>
+                <a:tc>
+                  <a:txBody>
+                    <a:bodyPr/>
+                    <a:lstStyle/>
+                    <a:p>
+                      <a:pPr latinLnBrk="1"/>
+                      <a:r>
+                        <a:rPr lang="en-US" altLang="ko-KR" sz="1500" dirty="0"/>
+                        <a:t>WASD</a:t>
+                      </a:r>
+                      <a:endParaRPr lang="ko-KR" altLang="en-US" sz="1500" dirty="0"/>
+                    </a:p>
+                  </a:txBody>
+                  <a:tcPr/>
+                </a:tc>
+                <a:tc>
+                  <a:txBody>
+                    <a:bodyPr/>
+                    <a:lstStyle/>
+                    <a:p>
+                      <a:pPr latinLnBrk="1"/>
+                      <a:r>
+                        <a:rPr lang="ko-KR" altLang="en-US" sz="1500" dirty="0"/>
+                        <a:t>플레이어 상하좌우 이동</a:t>
+                      </a:r>
+                    </a:p>
+                  </a:txBody>
+                  <a:tcPr/>
+                </a:tc>
+                <a:extLst>
+                  <a:ext uri="{0D108BD9-81ED-4DB2-BD59-A6C34878D82A}">
+                    <a16:rowId xmlns:a16="http://schemas.microsoft.com/office/drawing/2014/main" val="112508055"/>
+                  </a:ext>
+                </a:extLst>
+              </a:tr>
+              <a:tr h="370840">
+                <a:tc>
+                  <a:txBody>
+                    <a:bodyPr/>
+                    <a:lstStyle/>
+                    <a:p>
+                      <a:pPr latinLnBrk="1"/>
+                      <a:r>
+                        <a:rPr lang="en-US" altLang="ko-KR" sz="1500" dirty="0"/>
+                        <a:t>2</a:t>
+                      </a:r>
+                      <a:endParaRPr lang="ko-KR" altLang="en-US" sz="1500" dirty="0"/>
+                    </a:p>
+                  </a:txBody>
+                  <a:tcPr/>
+                </a:tc>
+                <a:tc>
+                  <a:txBody>
+                    <a:bodyPr/>
+                    <a:lstStyle/>
+                    <a:p>
+                      <a:pPr latinLnBrk="1"/>
+                      <a:r>
+                        <a:rPr lang="en-US" altLang="ko-KR" sz="1500" dirty="0"/>
+                        <a:t>AD</a:t>
+                      </a:r>
+                      <a:endParaRPr lang="ko-KR" altLang="en-US" sz="1500" dirty="0"/>
+                    </a:p>
+                  </a:txBody>
+                  <a:tcPr/>
+                </a:tc>
+                <a:tc>
+                  <a:txBody>
+                    <a:bodyPr/>
+                    <a:lstStyle/>
+                    <a:p>
+                      <a:pPr latinLnBrk="1"/>
+                      <a:r>
+                        <a:rPr lang="ko-KR" altLang="en-US" sz="1500" dirty="0"/>
+                        <a:t>캐릭터 방향 전환</a:t>
+                      </a:r>
+                    </a:p>
+                  </a:txBody>
+                  <a:tcPr/>
+                </a:tc>
+                <a:extLst>
+                  <a:ext uri="{0D108BD9-81ED-4DB2-BD59-A6C34878D82A}">
+                    <a16:rowId xmlns:a16="http://schemas.microsoft.com/office/drawing/2014/main" val="703036680"/>
+                  </a:ext>
+                </a:extLst>
+              </a:tr>
+              <a:tr h="370840">
+                <a:tc>
+                  <a:txBody>
+                    <a:bodyPr/>
+                    <a:lstStyle/>
+                    <a:p>
+                      <a:pPr latinLnBrk="1"/>
+                      <a:r>
+                        <a:rPr lang="en-US" altLang="ko-KR" sz="1500" dirty="0"/>
+                        <a:t>3</a:t>
+                      </a:r>
+                    </a:p>
+                  </a:txBody>
+                  <a:tcPr/>
+                </a:tc>
+                <a:tc>
+                  <a:txBody>
+                    <a:bodyPr/>
+                    <a:lstStyle/>
+                    <a:p>
+                      <a:pPr latinLnBrk="1"/>
+                      <a:r>
+                        <a:rPr lang="en-US" altLang="ko-KR" sz="1500" dirty="0"/>
+                        <a:t>SPACE</a:t>
+                      </a:r>
+                      <a:endParaRPr lang="ko-KR" altLang="en-US" sz="1500" dirty="0"/>
+                    </a:p>
+                  </a:txBody>
+                  <a:tcPr/>
+                </a:tc>
+                <a:tc>
+                  <a:txBody>
+                    <a:bodyPr/>
+                    <a:lstStyle/>
+                    <a:p>
+                      <a:pPr latinLnBrk="1"/>
+                      <a:r>
+                        <a:rPr lang="ko-KR" altLang="en-US" sz="1500" dirty="0"/>
+                        <a:t>상호작용</a:t>
+                      </a:r>
+                    </a:p>
+                  </a:txBody>
+                  <a:tcPr/>
+                </a:tc>
+                <a:extLst>
+                  <a:ext uri="{0D108BD9-81ED-4DB2-BD59-A6C34878D82A}">
+                    <a16:rowId xmlns:a16="http://schemas.microsoft.com/office/drawing/2014/main" val="4223133540"/>
+                  </a:ext>
+                </a:extLst>
+              </a:tr>
+              <a:tr h="370840">
+                <a:tc>
+                  <a:txBody>
+                    <a:bodyPr/>
+                    <a:lstStyle/>
+                    <a:p>
+                      <a:pPr latinLnBrk="1"/>
+                      <a:r>
+                        <a:rPr lang="en-US" altLang="ko-KR" sz="1500" dirty="0"/>
+                        <a:t>4</a:t>
+                      </a:r>
+                    </a:p>
+                  </a:txBody>
+                  <a:tcPr/>
+                </a:tc>
+                <a:tc>
+                  <a:txBody>
+                    <a:bodyPr/>
+                    <a:lstStyle/>
+                    <a:p>
+                      <a:pPr latinLnBrk="1"/>
+                      <a:r>
+                        <a:rPr lang="en-US" altLang="ko-KR" sz="1500" dirty="0"/>
+                        <a:t>Tab</a:t>
+                      </a:r>
+                      <a:endParaRPr lang="ko-KR" altLang="en-US" sz="1500" dirty="0"/>
+                    </a:p>
+                  </a:txBody>
+                  <a:tcPr/>
+                </a:tc>
+                <a:tc>
+                  <a:txBody>
+                    <a:bodyPr/>
+                    <a:lstStyle/>
+                    <a:p>
+                      <a:pPr latinLnBrk="1"/>
+                      <a:r>
+                        <a:rPr lang="ko-KR" altLang="en-US" sz="1500" dirty="0"/>
+                        <a:t>게임 </a:t>
+                      </a:r>
+                      <a:r>
+                        <a:rPr lang="ko-KR" altLang="en-US" sz="1500" dirty="0" err="1"/>
+                        <a:t>상태창</a:t>
+                      </a:r>
+                      <a:endParaRPr lang="ko-KR" altLang="en-US" sz="1500" dirty="0"/>
+                    </a:p>
+                  </a:txBody>
+                  <a:tcPr/>
+                </a:tc>
+                <a:extLst>
+                  <a:ext uri="{0D108BD9-81ED-4DB2-BD59-A6C34878D82A}">
+                    <a16:rowId xmlns:a16="http://schemas.microsoft.com/office/drawing/2014/main" val="3303793632"/>
+                  </a:ext>
+                </a:extLst>
+              </a:tr>
+              <a:tr h="370840">
+                <a:tc>
+                  <a:txBody>
+                    <a:bodyPr/>
+                    <a:lstStyle/>
+                    <a:p>
+                      <a:pPr latinLnBrk="1"/>
+                      <a:r>
+                        <a:rPr lang="en-US" altLang="ko-KR" sz="1500" dirty="0"/>
+                        <a:t>5</a:t>
+                      </a:r>
+                    </a:p>
+                  </a:txBody>
+                  <a:tcPr/>
+                </a:tc>
+                <a:tc>
+                  <a:txBody>
+                    <a:bodyPr/>
+                    <a:lstStyle/>
+                    <a:p>
+                      <a:pPr latinLnBrk="1"/>
+                      <a:r>
+                        <a:rPr lang="en-US" altLang="ko-KR" sz="1500" dirty="0"/>
+                        <a:t>F</a:t>
+                      </a:r>
+                    </a:p>
+                  </a:txBody>
+                  <a:tcPr/>
+                </a:tc>
+                <a:tc>
+                  <a:txBody>
+                    <a:bodyPr/>
+                    <a:lstStyle/>
+                    <a:p>
+                      <a:pPr latinLnBrk="1"/>
+                      <a:r>
+                        <a:rPr lang="ko-KR" altLang="en-US" sz="1500" dirty="0"/>
+                        <a:t>스킬</a:t>
+                      </a:r>
+                      <a:r>
+                        <a:rPr lang="en-US" altLang="ko-KR" sz="1500" dirty="0"/>
+                        <a:t>1</a:t>
+                      </a:r>
+                      <a:endParaRPr lang="ko-KR" altLang="en-US" sz="1500" dirty="0"/>
+                    </a:p>
+                  </a:txBody>
+                  <a:tcPr/>
+                </a:tc>
+                <a:extLst>
+                  <a:ext uri="{0D108BD9-81ED-4DB2-BD59-A6C34878D82A}">
+                    <a16:rowId xmlns:a16="http://schemas.microsoft.com/office/drawing/2014/main" val="1168734692"/>
+                  </a:ext>
+                </a:extLst>
+              </a:tr>
+              <a:tr h="370840">
+                <a:tc>
+                  <a:txBody>
+                    <a:bodyPr/>
+                    <a:lstStyle/>
+                    <a:p>
+                      <a:pPr latinLnBrk="1"/>
+                      <a:r>
+                        <a:rPr lang="en-US" altLang="ko-KR" sz="1500" dirty="0"/>
+                        <a:t>6</a:t>
+                      </a:r>
+                    </a:p>
+                  </a:txBody>
+                  <a:tcPr/>
+                </a:tc>
+                <a:tc>
+                  <a:txBody>
+                    <a:bodyPr/>
+                    <a:lstStyle/>
+                    <a:p>
+                      <a:pPr latinLnBrk="1"/>
+                      <a:r>
+                        <a:rPr lang="en-US" altLang="ko-KR" sz="1500" dirty="0"/>
+                        <a:t>G</a:t>
+                      </a:r>
+                    </a:p>
+                  </a:txBody>
+                  <a:tcPr/>
+                </a:tc>
+                <a:tc>
+                  <a:txBody>
+                    <a:bodyPr/>
+                    <a:lstStyle/>
+                    <a:p>
+                      <a:pPr latinLnBrk="1"/>
+                      <a:r>
+                        <a:rPr lang="ko-KR" altLang="en-US" sz="1500" dirty="0"/>
+                        <a:t>스킬</a:t>
+                      </a:r>
+                      <a:r>
+                        <a:rPr lang="en-US" altLang="ko-KR" sz="1500" dirty="0"/>
+                        <a:t>2</a:t>
+                      </a:r>
+                      <a:endParaRPr lang="ko-KR" altLang="en-US" sz="1500" dirty="0"/>
+                    </a:p>
+                  </a:txBody>
+                  <a:tcPr/>
+                </a:tc>
+                <a:extLst>
+                  <a:ext uri="{0D108BD9-81ED-4DB2-BD59-A6C34878D82A}">
+                    <a16:rowId xmlns:a16="http://schemas.microsoft.com/office/drawing/2014/main" val="1876125555"/>
+                  </a:ext>
+                </a:extLst>
+              </a:tr>
+              <a:tr h="370840">
+                <a:tc>
+                  <a:txBody>
+                    <a:bodyPr/>
+                    <a:lstStyle/>
+                    <a:p>
+                      <a:pPr latinLnBrk="1"/>
+                      <a:r>
+                        <a:rPr lang="en-US" altLang="ko-KR" sz="1500" dirty="0"/>
+                        <a:t>7</a:t>
+                      </a:r>
+                    </a:p>
+                  </a:txBody>
+                  <a:tcPr/>
+                </a:tc>
+                <a:tc>
+                  <a:txBody>
+                    <a:bodyPr/>
+                    <a:lstStyle/>
+                    <a:p>
+                      <a:pPr latinLnBrk="1"/>
+                      <a:r>
+                        <a:rPr lang="ko-KR" altLang="en-US" sz="1500" dirty="0"/>
+                        <a:t>마우스 좌 클릭</a:t>
+                      </a:r>
+                      <a:endParaRPr lang="en-US" altLang="ko-KR" sz="1500" dirty="0"/>
+                    </a:p>
+                  </a:txBody>
+                  <a:tcPr/>
+                </a:tc>
+                <a:tc>
+                  <a:txBody>
+                    <a:bodyPr/>
+                    <a:lstStyle/>
+                    <a:p>
+                      <a:pPr latinLnBrk="1"/>
+                      <a:r>
+                        <a:rPr lang="ko-KR" altLang="en-US" sz="1500" dirty="0"/>
+                        <a:t>총 발사</a:t>
+                      </a:r>
+                    </a:p>
+                  </a:txBody>
+                  <a:tcPr/>
+                </a:tc>
+                <a:extLst>
+                  <a:ext uri="{0D108BD9-81ED-4DB2-BD59-A6C34878D82A}">
+                    <a16:rowId xmlns:a16="http://schemas.microsoft.com/office/drawing/2014/main" val="486787866"/>
+                  </a:ext>
+                </a:extLst>
+              </a:tr>
+            </a:tbl>
+          </a:graphicData>
+        </a:graphic>
+      </p:graphicFrame>
+      <p:grpSp>
+        <p:nvGrpSpPr>
+          <p:cNvPr id="10" name="그룹 9">
+            <a:extLst>
+              <a:ext uri="{FF2B5EF4-FFF2-40B4-BE49-F238E27FC236}">
+                <a16:creationId xmlns:a16="http://schemas.microsoft.com/office/drawing/2014/main" id="{649BCAFF-C7F2-BE1B-1E73-BBE93E8B7A3F}"/>
+              </a:ext>
+            </a:extLst>
+          </p:cNvPr>
+          <p:cNvGrpSpPr/>
+          <p:nvPr/>
+        </p:nvGrpSpPr>
+        <p:grpSpPr>
+          <a:xfrm>
+            <a:off x="1034289" y="2089683"/>
+            <a:ext cx="852772" cy="739241"/>
+            <a:chOff x="1026034" y="2084921"/>
+            <a:chExt cx="852772" cy="739241"/>
+          </a:xfrm>
+        </p:grpSpPr>
+        <p:cxnSp>
+          <p:nvCxnSpPr>
+            <p:cNvPr id="11" name="직선 연결선 10">
+              <a:extLst>
+                <a:ext uri="{FF2B5EF4-FFF2-40B4-BE49-F238E27FC236}">
+                  <a16:creationId xmlns:a16="http://schemas.microsoft.com/office/drawing/2014/main" id="{4873CE68-BCEF-B0B8-3CA7-67AE46539D47}"/>
+                </a:ext>
+              </a:extLst>
+            </p:cNvPr>
+            <p:cNvCxnSpPr>
+              <a:cxnSpLocks/>
+            </p:cNvCxnSpPr>
+            <p:nvPr/>
+          </p:nvCxnSpPr>
+          <p:spPr>
+            <a:xfrm flipV="1">
+              <a:off x="1271302" y="2248234"/>
+              <a:ext cx="0" cy="283200"/>
+            </a:xfrm>
+            <a:prstGeom prst="line">
+              <a:avLst/>
+            </a:prstGeom>
+            <a:ln w="57150">
+              <a:solidFill>
+                <a:srgbClr val="FF0000"/>
+              </a:solidFill>
+            </a:ln>
+          </p:spPr>
+          <p:style>
+            <a:lnRef idx="1">
+              <a:schemeClr val="accent1"/>
+            </a:lnRef>
+            <a:fillRef idx="0">
+              <a:schemeClr val="accent1"/>
+            </a:fillRef>
+            <a:effectRef idx="0">
+              <a:schemeClr val="accent1"/>
+            </a:effectRef>
+            <a:fontRef idx="minor">
+              <a:schemeClr val="tx1"/>
+            </a:fontRef>
+          </p:style>
+        </p:cxnSp>
+        <p:grpSp>
+          <p:nvGrpSpPr>
+            <p:cNvPr id="12" name="그룹 11">
+              <a:extLst>
+                <a:ext uri="{FF2B5EF4-FFF2-40B4-BE49-F238E27FC236}">
+                  <a16:creationId xmlns:a16="http://schemas.microsoft.com/office/drawing/2014/main" id="{B8E018B2-19A9-E58C-FC13-A92D6C3C965F}"/>
+                </a:ext>
+              </a:extLst>
+            </p:cNvPr>
+            <p:cNvGrpSpPr/>
+            <p:nvPr/>
+          </p:nvGrpSpPr>
+          <p:grpSpPr>
+            <a:xfrm>
+              <a:off x="1026034" y="2084921"/>
+              <a:ext cx="852772" cy="739241"/>
+              <a:chOff x="1026034" y="2084921"/>
+              <a:chExt cx="852772" cy="739241"/>
+            </a:xfrm>
+          </p:grpSpPr>
+          <p:cxnSp>
+            <p:nvCxnSpPr>
+              <p:cNvPr id="13" name="직선 연결선 12">
+                <a:extLst>
+                  <a:ext uri="{FF2B5EF4-FFF2-40B4-BE49-F238E27FC236}">
+                    <a16:creationId xmlns:a16="http://schemas.microsoft.com/office/drawing/2014/main" id="{A10FAF1C-7790-A1E5-2BCE-918843436A11}"/>
+                  </a:ext>
+                </a:extLst>
+              </p:cNvPr>
+              <p:cNvCxnSpPr>
+                <a:cxnSpLocks/>
+              </p:cNvCxnSpPr>
+              <p:nvPr/>
+            </p:nvCxnSpPr>
+            <p:spPr>
+              <a:xfrm flipV="1">
+                <a:off x="1555225" y="2248234"/>
+                <a:ext cx="0" cy="283200"/>
+              </a:xfrm>
+              <a:prstGeom prst="line">
+                <a:avLst/>
+              </a:prstGeom>
+              <a:ln w="57150">
+                <a:solidFill>
+                  <a:srgbClr val="FF0000"/>
+                </a:solidFill>
+              </a:ln>
+            </p:spPr>
+            <p:style>
+              <a:lnRef idx="1">
+                <a:schemeClr val="accent1"/>
+              </a:lnRef>
+              <a:fillRef idx="0">
+                <a:schemeClr val="accent1"/>
+              </a:fillRef>
+              <a:effectRef idx="0">
+                <a:schemeClr val="accent1"/>
+              </a:effectRef>
+              <a:fontRef idx="minor">
+                <a:schemeClr val="tx1"/>
+              </a:fontRef>
+            </p:style>
+          </p:cxnSp>
+          <p:cxnSp>
+            <p:nvCxnSpPr>
+              <p:cNvPr id="14" name="직선 연결선 13">
+                <a:extLst>
+                  <a:ext uri="{FF2B5EF4-FFF2-40B4-BE49-F238E27FC236}">
+                    <a16:creationId xmlns:a16="http://schemas.microsoft.com/office/drawing/2014/main" id="{7085F67B-B6E7-10C5-3A85-9F81EDE1066D}"/>
+                  </a:ext>
+                </a:extLst>
+              </p:cNvPr>
+              <p:cNvCxnSpPr>
+                <a:cxnSpLocks/>
+              </p:cNvCxnSpPr>
+              <p:nvPr/>
+            </p:nvCxnSpPr>
+            <p:spPr>
+              <a:xfrm>
+                <a:off x="1239987" y="2248234"/>
+                <a:ext cx="343544" cy="0"/>
+              </a:xfrm>
+              <a:prstGeom prst="line">
+                <a:avLst/>
+              </a:prstGeom>
+              <a:ln w="57150">
+                <a:solidFill>
+                  <a:srgbClr val="FF0000"/>
+                </a:solidFill>
+              </a:ln>
+            </p:spPr>
+            <p:style>
+              <a:lnRef idx="1">
+                <a:schemeClr val="accent1"/>
+              </a:lnRef>
+              <a:fillRef idx="0">
+                <a:schemeClr val="accent1"/>
+              </a:fillRef>
+              <a:effectRef idx="0">
+                <a:schemeClr val="accent1"/>
+              </a:effectRef>
+              <a:fontRef idx="minor">
+                <a:schemeClr val="tx1"/>
+              </a:fontRef>
+            </p:style>
+          </p:cxnSp>
+          <p:cxnSp>
+            <p:nvCxnSpPr>
+              <p:cNvPr id="15" name="직선 연결선 14">
+                <a:extLst>
+                  <a:ext uri="{FF2B5EF4-FFF2-40B4-BE49-F238E27FC236}">
+                    <a16:creationId xmlns:a16="http://schemas.microsoft.com/office/drawing/2014/main" id="{544933DD-7FFE-FDAE-0B32-149B4505D079}"/>
+                  </a:ext>
+                </a:extLst>
+              </p:cNvPr>
+              <p:cNvCxnSpPr>
+                <a:cxnSpLocks/>
+              </p:cNvCxnSpPr>
+              <p:nvPr/>
+            </p:nvCxnSpPr>
+            <p:spPr>
+              <a:xfrm>
+                <a:off x="1051224" y="2795922"/>
+                <a:ext cx="822820" cy="0"/>
+              </a:xfrm>
+              <a:prstGeom prst="line">
+                <a:avLst/>
+              </a:prstGeom>
+              <a:ln w="57150">
+                <a:solidFill>
+                  <a:srgbClr val="FF0000"/>
+                </a:solidFill>
+              </a:ln>
+            </p:spPr>
+            <p:style>
+              <a:lnRef idx="1">
+                <a:schemeClr val="accent1"/>
+              </a:lnRef>
+              <a:fillRef idx="0">
+                <a:schemeClr val="accent1"/>
+              </a:fillRef>
+              <a:effectRef idx="0">
+                <a:schemeClr val="accent1"/>
+              </a:effectRef>
+              <a:fontRef idx="minor">
+                <a:schemeClr val="tx1"/>
+              </a:fontRef>
+            </p:style>
+          </p:cxnSp>
+          <p:cxnSp>
+            <p:nvCxnSpPr>
+              <p:cNvPr id="16" name="직선 연결선 15">
+                <a:extLst>
+                  <a:ext uri="{FF2B5EF4-FFF2-40B4-BE49-F238E27FC236}">
+                    <a16:creationId xmlns:a16="http://schemas.microsoft.com/office/drawing/2014/main" id="{370B6246-B70D-CFEA-6E63-8BD9ED58F830}"/>
+                  </a:ext>
+                </a:extLst>
+              </p:cNvPr>
+              <p:cNvCxnSpPr>
+                <a:cxnSpLocks/>
+              </p:cNvCxnSpPr>
+              <p:nvPr/>
+            </p:nvCxnSpPr>
+            <p:spPr>
+              <a:xfrm>
+                <a:off x="1850231" y="2538577"/>
+                <a:ext cx="0" cy="285585"/>
+              </a:xfrm>
+              <a:prstGeom prst="line">
+                <a:avLst/>
+              </a:prstGeom>
+              <a:ln w="57150">
+                <a:solidFill>
+                  <a:srgbClr val="FF0000"/>
+                </a:solidFill>
+              </a:ln>
+            </p:spPr>
+            <p:style>
+              <a:lnRef idx="1">
+                <a:schemeClr val="accent1"/>
+              </a:lnRef>
+              <a:fillRef idx="0">
+                <a:schemeClr val="accent1"/>
+              </a:fillRef>
+              <a:effectRef idx="0">
+                <a:schemeClr val="accent1"/>
+              </a:effectRef>
+              <a:fontRef idx="minor">
+                <a:schemeClr val="tx1"/>
+              </a:fontRef>
+            </p:style>
+          </p:cxnSp>
+          <p:cxnSp>
+            <p:nvCxnSpPr>
+              <p:cNvPr id="17" name="직선 연결선 16">
+                <a:extLst>
+                  <a:ext uri="{FF2B5EF4-FFF2-40B4-BE49-F238E27FC236}">
+                    <a16:creationId xmlns:a16="http://schemas.microsoft.com/office/drawing/2014/main" id="{FC777F5F-A1FA-555C-E80E-9103C29C5BDD}"/>
+                  </a:ext>
+                </a:extLst>
+              </p:cNvPr>
+              <p:cNvCxnSpPr>
+                <a:cxnSpLocks/>
+              </p:cNvCxnSpPr>
+              <p:nvPr/>
+            </p:nvCxnSpPr>
+            <p:spPr>
+              <a:xfrm>
+                <a:off x="1058367" y="2538577"/>
+                <a:ext cx="0" cy="285585"/>
+              </a:xfrm>
+              <a:prstGeom prst="line">
+                <a:avLst/>
+              </a:prstGeom>
+              <a:ln w="57150">
+                <a:solidFill>
+                  <a:srgbClr val="FF0000"/>
+                </a:solidFill>
+              </a:ln>
+            </p:spPr>
+            <p:style>
+              <a:lnRef idx="1">
+                <a:schemeClr val="accent1"/>
+              </a:lnRef>
+              <a:fillRef idx="0">
+                <a:schemeClr val="accent1"/>
+              </a:fillRef>
+              <a:effectRef idx="0">
+                <a:schemeClr val="accent1"/>
+              </a:effectRef>
+              <a:fontRef idx="minor">
+                <a:schemeClr val="tx1"/>
+              </a:fontRef>
+            </p:style>
+          </p:cxnSp>
+          <p:cxnSp>
+            <p:nvCxnSpPr>
+              <p:cNvPr id="18" name="직선 연결선 17">
+                <a:extLst>
+                  <a:ext uri="{FF2B5EF4-FFF2-40B4-BE49-F238E27FC236}">
+                    <a16:creationId xmlns:a16="http://schemas.microsoft.com/office/drawing/2014/main" id="{EABA7944-94B2-131D-4D47-FCF708F573C7}"/>
+                  </a:ext>
+                </a:extLst>
+              </p:cNvPr>
+              <p:cNvCxnSpPr>
+                <a:cxnSpLocks/>
+              </p:cNvCxnSpPr>
+              <p:nvPr/>
+            </p:nvCxnSpPr>
+            <p:spPr>
+              <a:xfrm>
+                <a:off x="1528763" y="2538577"/>
+                <a:ext cx="350043" cy="0"/>
+              </a:xfrm>
+              <a:prstGeom prst="line">
+                <a:avLst/>
+              </a:prstGeom>
+              <a:ln w="57150">
+                <a:solidFill>
+                  <a:srgbClr val="FF0000"/>
+                </a:solidFill>
+              </a:ln>
+            </p:spPr>
+            <p:style>
+              <a:lnRef idx="1">
+                <a:schemeClr val="accent1"/>
+              </a:lnRef>
+              <a:fillRef idx="0">
+                <a:schemeClr val="accent1"/>
+              </a:fillRef>
+              <a:effectRef idx="0">
+                <a:schemeClr val="accent1"/>
+              </a:effectRef>
+              <a:fontRef idx="minor">
+                <a:schemeClr val="tx1"/>
+              </a:fontRef>
+            </p:style>
+          </p:cxnSp>
+          <p:cxnSp>
+            <p:nvCxnSpPr>
+              <p:cNvPr id="19" name="직선 연결선 18">
+                <a:extLst>
+                  <a:ext uri="{FF2B5EF4-FFF2-40B4-BE49-F238E27FC236}">
+                    <a16:creationId xmlns:a16="http://schemas.microsoft.com/office/drawing/2014/main" id="{801C4182-46E3-CD1B-F1EC-CC719FF30039}"/>
+                  </a:ext>
+                </a:extLst>
+              </p:cNvPr>
+              <p:cNvCxnSpPr>
+                <a:cxnSpLocks/>
+              </p:cNvCxnSpPr>
+              <p:nvPr/>
+            </p:nvCxnSpPr>
+            <p:spPr>
+              <a:xfrm>
+                <a:off x="1026034" y="2531434"/>
+                <a:ext cx="275192" cy="0"/>
+              </a:xfrm>
+              <a:prstGeom prst="line">
+                <a:avLst/>
+              </a:prstGeom>
+              <a:ln w="57150">
+                <a:solidFill>
+                  <a:srgbClr val="FF0000"/>
+                </a:solidFill>
+              </a:ln>
+            </p:spPr>
+            <p:style>
+              <a:lnRef idx="1">
+                <a:schemeClr val="accent1"/>
+              </a:lnRef>
+              <a:fillRef idx="0">
+                <a:schemeClr val="accent1"/>
+              </a:fillRef>
+              <a:effectRef idx="0">
+                <a:schemeClr val="accent1"/>
+              </a:effectRef>
+              <a:fontRef idx="minor">
+                <a:schemeClr val="tx1"/>
+              </a:fontRef>
+            </p:style>
+          </p:cxnSp>
+          <p:sp>
+            <p:nvSpPr>
+              <p:cNvPr id="20" name="타원 19">
+                <a:extLst>
+                  <a:ext uri="{FF2B5EF4-FFF2-40B4-BE49-F238E27FC236}">
+                    <a16:creationId xmlns:a16="http://schemas.microsoft.com/office/drawing/2014/main" id="{371307EB-3B05-55C8-1524-B7B71BBAE933}"/>
+                  </a:ext>
+                </a:extLst>
+              </p:cNvPr>
+              <p:cNvSpPr/>
+              <p:nvPr/>
+            </p:nvSpPr>
+            <p:spPr>
+              <a:xfrm>
+                <a:off x="1115082" y="2084921"/>
+                <a:ext cx="292584" cy="292583"/>
+              </a:xfrm>
+              <a:prstGeom prst="ellipse">
+                <a:avLst/>
+              </a:prstGeom>
+              <a:solidFill>
+                <a:srgbClr val="FFFF00"/>
+              </a:solidFill>
+              <a:ln w="28575">
+                <a:noFill/>
+              </a:ln>
+            </p:spPr>
+            <p:style>
+              <a:lnRef idx="2">
+                <a:schemeClr val="accent1">
+                  <a:shade val="50000"/>
+                </a:schemeClr>
+              </a:lnRef>
+              <a:fillRef idx="1">
+                <a:schemeClr val="accent1"/>
+              </a:fillRef>
+              <a:effectRef idx="0">
+                <a:schemeClr val="accent1"/>
+              </a:effectRef>
+              <a:fontRef idx="minor">
+                <a:schemeClr val="lt1"/>
+              </a:fontRef>
+            </p:style>
+            <p:txBody>
+              <a:bodyPr rtlCol="0" anchor="ctr"/>
+              <a:lstStyle/>
+              <a:p>
+                <a:pPr algn="ctr"/>
+                <a:endParaRPr lang="ko-KR" altLang="en-US" dirty="0"/>
+              </a:p>
+            </p:txBody>
+          </p:sp>
+          <p:sp>
+            <p:nvSpPr>
+              <p:cNvPr id="21" name="TextBox 20">
+                <a:extLst>
+                  <a:ext uri="{FF2B5EF4-FFF2-40B4-BE49-F238E27FC236}">
+                    <a16:creationId xmlns:a16="http://schemas.microsoft.com/office/drawing/2014/main" id="{13016E50-05A4-398A-3CD0-C06AC53FA89C}"/>
+                  </a:ext>
+                </a:extLst>
+              </p:cNvPr>
+              <p:cNvSpPr txBox="1"/>
+              <p:nvPr/>
+            </p:nvSpPr>
+            <p:spPr>
+              <a:xfrm>
+                <a:off x="1151458" y="2108101"/>
+                <a:ext cx="211411" cy="246221"/>
+              </a:xfrm>
+              <a:prstGeom prst="rect">
+                <a:avLst/>
+              </a:prstGeom>
+              <a:noFill/>
+            </p:spPr>
+            <p:txBody>
+              <a:bodyPr wrap="square" rtlCol="0">
+                <a:spAutoFit/>
+              </a:bodyPr>
+              <a:lstStyle/>
+              <a:p>
+                <a:pPr algn="ctr"/>
+                <a:r>
+                  <a:rPr lang="en-US" altLang="ko-KR" sz="1000" b="1" dirty="0"/>
+                  <a:t>1</a:t>
+                </a:r>
+                <a:endParaRPr lang="ko-KR" altLang="en-US" sz="1000" b="1" dirty="0"/>
+              </a:p>
+            </p:txBody>
+          </p:sp>
+        </p:grpSp>
+      </p:grpSp>
+      <p:grpSp>
+        <p:nvGrpSpPr>
+          <p:cNvPr id="22" name="그룹 21">
+            <a:extLst>
+              <a:ext uri="{FF2B5EF4-FFF2-40B4-BE49-F238E27FC236}">
+                <a16:creationId xmlns:a16="http://schemas.microsoft.com/office/drawing/2014/main" id="{C6DBF4FE-D0E2-908A-9E84-54E0AE2C65B6}"/>
+              </a:ext>
+            </a:extLst>
+          </p:cNvPr>
+          <p:cNvGrpSpPr/>
+          <p:nvPr/>
+        </p:nvGrpSpPr>
+        <p:grpSpPr>
+          <a:xfrm>
+            <a:off x="1521960" y="2908521"/>
+            <a:ext cx="1741939" cy="431874"/>
+            <a:chOff x="2079585" y="2494200"/>
+            <a:chExt cx="1741939" cy="431874"/>
+          </a:xfrm>
+        </p:grpSpPr>
+        <p:sp>
+          <p:nvSpPr>
+            <p:cNvPr id="23" name="직사각형 22">
+              <a:extLst>
+                <a:ext uri="{FF2B5EF4-FFF2-40B4-BE49-F238E27FC236}">
+                  <a16:creationId xmlns:a16="http://schemas.microsoft.com/office/drawing/2014/main" id="{4612F208-AB4B-7764-0AB2-3E9BB594783F}"/>
+                </a:ext>
+              </a:extLst>
+            </p:cNvPr>
+            <p:cNvSpPr/>
+            <p:nvPr/>
+          </p:nvSpPr>
+          <p:spPr>
+            <a:xfrm>
+              <a:off x="2228931" y="2640491"/>
+              <a:ext cx="1592593" cy="285583"/>
+            </a:xfrm>
+            <a:prstGeom prst="rect">
+              <a:avLst/>
+            </a:prstGeom>
+            <a:noFill/>
+            <a:ln w="38100">
+              <a:solidFill>
+                <a:srgbClr val="FF0000"/>
+              </a:solidFill>
+            </a:ln>
+          </p:spPr>
+          <p:style>
+            <a:lnRef idx="2">
+              <a:schemeClr val="accent1">
+                <a:shade val="50000"/>
+              </a:schemeClr>
+            </a:lnRef>
+            <a:fillRef idx="1">
+              <a:schemeClr val="accent1"/>
+            </a:fillRef>
+            <a:effectRef idx="0">
+              <a:schemeClr val="accent1"/>
+            </a:effectRef>
+            <a:fontRef idx="minor">
+              <a:schemeClr val="lt1"/>
+            </a:fontRef>
+          </p:style>
+          <p:txBody>
+            <a:bodyPr rtlCol="0" anchor="ctr"/>
+            <a:lstStyle/>
+            <a:p>
+              <a:pPr algn="ctr"/>
+              <a:endParaRPr lang="ko-KR" altLang="en-US" dirty="0"/>
+            </a:p>
+          </p:txBody>
+        </p:sp>
+        <p:sp>
+          <p:nvSpPr>
+            <p:cNvPr id="24" name="타원 23">
+              <a:extLst>
+                <a:ext uri="{FF2B5EF4-FFF2-40B4-BE49-F238E27FC236}">
+                  <a16:creationId xmlns:a16="http://schemas.microsoft.com/office/drawing/2014/main" id="{75CC7CFE-6600-A1D5-A8C1-D426829E0707}"/>
+                </a:ext>
+              </a:extLst>
+            </p:cNvPr>
+            <p:cNvSpPr/>
+            <p:nvPr/>
+          </p:nvSpPr>
+          <p:spPr>
+            <a:xfrm>
+              <a:off x="2079585" y="2494200"/>
+              <a:ext cx="292584" cy="292583"/>
+            </a:xfrm>
+            <a:prstGeom prst="ellipse">
+              <a:avLst/>
+            </a:prstGeom>
+            <a:solidFill>
+              <a:srgbClr val="FFFF00"/>
+            </a:solidFill>
+            <a:ln w="28575">
+              <a:noFill/>
+            </a:ln>
+          </p:spPr>
+          <p:style>
+            <a:lnRef idx="2">
+              <a:schemeClr val="accent1">
+                <a:shade val="50000"/>
+              </a:schemeClr>
+            </a:lnRef>
+            <a:fillRef idx="1">
+              <a:schemeClr val="accent1"/>
+            </a:fillRef>
+            <a:effectRef idx="0">
+              <a:schemeClr val="accent1"/>
+            </a:effectRef>
+            <a:fontRef idx="minor">
+              <a:schemeClr val="lt1"/>
+            </a:fontRef>
+          </p:style>
+          <p:txBody>
+            <a:bodyPr lIns="91440" tIns="45720" rIns="91440" bIns="45720" rtlCol="0" anchor="ctr"/>
+            <a:lstStyle/>
+            <a:p>
+              <a:pPr algn="ctr"/>
+              <a:r>
+                <a:rPr lang="ko-KR" altLang="en-US" sz="1000" b="1" dirty="0">
+                  <a:solidFill>
+                    <a:schemeClr val="tx1"/>
+                  </a:solidFill>
+                  <a:ea typeface="맑은 고딕"/>
+                </a:rPr>
+                <a:t>4</a:t>
+              </a:r>
+              <a:endParaRPr lang="ko-KR" altLang="en-US" b="1" dirty="0">
+                <a:ea typeface="맑은 고딕"/>
+              </a:endParaRPr>
+            </a:p>
+          </p:txBody>
+        </p:sp>
+      </p:grpSp>
+      <p:grpSp>
+        <p:nvGrpSpPr>
+          <p:cNvPr id="25" name="그룹 24">
+            <a:extLst>
+              <a:ext uri="{FF2B5EF4-FFF2-40B4-BE49-F238E27FC236}">
+                <a16:creationId xmlns:a16="http://schemas.microsoft.com/office/drawing/2014/main" id="{7D7301C8-F48E-C919-2F7B-931C4E11F9D1}"/>
+              </a:ext>
+            </a:extLst>
+          </p:cNvPr>
+          <p:cNvGrpSpPr/>
+          <p:nvPr/>
+        </p:nvGrpSpPr>
+        <p:grpSpPr>
+          <a:xfrm>
+            <a:off x="454556" y="2112862"/>
+            <a:ext cx="567269" cy="431874"/>
+            <a:chOff x="2079585" y="2494200"/>
+            <a:chExt cx="567269" cy="431874"/>
+          </a:xfrm>
+        </p:grpSpPr>
+        <p:sp>
+          <p:nvSpPr>
+            <p:cNvPr id="26" name="직사각형 25">
+              <a:extLst>
+                <a:ext uri="{FF2B5EF4-FFF2-40B4-BE49-F238E27FC236}">
+                  <a16:creationId xmlns:a16="http://schemas.microsoft.com/office/drawing/2014/main" id="{95223457-C4DF-122B-DF64-3EC0B5847D7F}"/>
+                </a:ext>
+              </a:extLst>
+            </p:cNvPr>
+            <p:cNvSpPr/>
+            <p:nvPr/>
+          </p:nvSpPr>
+          <p:spPr>
+            <a:xfrm>
+              <a:off x="2228931" y="2640491"/>
+              <a:ext cx="417923" cy="285583"/>
+            </a:xfrm>
+            <a:prstGeom prst="rect">
+              <a:avLst/>
+            </a:prstGeom>
+            <a:noFill/>
+            <a:ln w="38100">
+              <a:solidFill>
+                <a:srgbClr val="FF0000"/>
+              </a:solidFill>
+            </a:ln>
+          </p:spPr>
+          <p:style>
+            <a:lnRef idx="2">
+              <a:schemeClr val="accent1">
+                <a:shade val="50000"/>
+              </a:schemeClr>
+            </a:lnRef>
+            <a:fillRef idx="1">
+              <a:schemeClr val="accent1"/>
+            </a:fillRef>
+            <a:effectRef idx="0">
+              <a:schemeClr val="accent1"/>
+            </a:effectRef>
+            <a:fontRef idx="minor">
+              <a:schemeClr val="lt1"/>
+            </a:fontRef>
+          </p:style>
+          <p:txBody>
+            <a:bodyPr rtlCol="0" anchor="ctr"/>
+            <a:lstStyle/>
+            <a:p>
+              <a:pPr algn="ctr"/>
+              <a:endParaRPr lang="ko-KR" altLang="en-US" dirty="0"/>
+            </a:p>
+          </p:txBody>
+        </p:sp>
+        <p:grpSp>
+          <p:nvGrpSpPr>
+            <p:cNvPr id="27" name="그룹 26">
+              <a:extLst>
+                <a:ext uri="{FF2B5EF4-FFF2-40B4-BE49-F238E27FC236}">
+                  <a16:creationId xmlns:a16="http://schemas.microsoft.com/office/drawing/2014/main" id="{5DC8CB02-57E3-89BF-C1E8-04DF9C8FFE87}"/>
+                </a:ext>
+              </a:extLst>
+            </p:cNvPr>
+            <p:cNvGrpSpPr/>
+            <p:nvPr/>
+          </p:nvGrpSpPr>
+          <p:grpSpPr>
+            <a:xfrm>
+              <a:off x="2079585" y="2494200"/>
+              <a:ext cx="292584" cy="292583"/>
+              <a:chOff x="7452678" y="656715"/>
+              <a:chExt cx="400050" cy="400050"/>
+            </a:xfrm>
+          </p:grpSpPr>
+          <p:sp>
+            <p:nvSpPr>
+              <p:cNvPr id="28" name="타원 27">
+                <a:extLst>
+                  <a:ext uri="{FF2B5EF4-FFF2-40B4-BE49-F238E27FC236}">
+                    <a16:creationId xmlns:a16="http://schemas.microsoft.com/office/drawing/2014/main" id="{670D95D6-DB39-358A-B263-1EB2100437B7}"/>
+                  </a:ext>
+                </a:extLst>
+              </p:cNvPr>
+              <p:cNvSpPr/>
+              <p:nvPr/>
+            </p:nvSpPr>
+            <p:spPr>
+              <a:xfrm>
+                <a:off x="7452678" y="656715"/>
+                <a:ext cx="400050" cy="400050"/>
+              </a:xfrm>
+              <a:prstGeom prst="ellipse">
+                <a:avLst/>
+              </a:prstGeom>
+              <a:solidFill>
+                <a:srgbClr val="FFFF00"/>
+              </a:solidFill>
+              <a:ln w="28575">
+                <a:noFill/>
+              </a:ln>
+            </p:spPr>
+            <p:style>
+              <a:lnRef idx="2">
+                <a:schemeClr val="accent1">
+                  <a:shade val="50000"/>
+                </a:schemeClr>
+              </a:lnRef>
+              <a:fillRef idx="1">
+                <a:schemeClr val="accent1"/>
+              </a:fillRef>
+              <a:effectRef idx="0">
+                <a:schemeClr val="accent1"/>
+              </a:effectRef>
+              <a:fontRef idx="minor">
+                <a:schemeClr val="lt1"/>
+              </a:fontRef>
+            </p:style>
+            <p:txBody>
+              <a:bodyPr rtlCol="0" anchor="ctr"/>
+              <a:lstStyle/>
+              <a:p>
+                <a:pPr algn="ctr"/>
+                <a:endParaRPr lang="ko-KR" altLang="en-US" dirty="0"/>
+              </a:p>
+            </p:txBody>
+          </p:sp>
+          <p:sp>
+            <p:nvSpPr>
+              <p:cNvPr id="29" name="TextBox 28">
+                <a:extLst>
+                  <a:ext uri="{FF2B5EF4-FFF2-40B4-BE49-F238E27FC236}">
+                    <a16:creationId xmlns:a16="http://schemas.microsoft.com/office/drawing/2014/main" id="{CDA7A1D5-3854-FD27-6F4D-CBBC92B72F63}"/>
+                  </a:ext>
+                </a:extLst>
+              </p:cNvPr>
+              <p:cNvSpPr txBox="1"/>
+              <p:nvPr/>
+            </p:nvSpPr>
+            <p:spPr>
+              <a:xfrm>
+                <a:off x="7502415" y="688409"/>
+                <a:ext cx="289062" cy="336659"/>
+              </a:xfrm>
+              <a:prstGeom prst="rect">
+                <a:avLst/>
+              </a:prstGeom>
+              <a:noFill/>
+            </p:spPr>
+            <p:txBody>
+              <a:bodyPr wrap="square" lIns="91440" tIns="45720" rIns="91440" bIns="45720" rtlCol="0" anchor="t">
+                <a:spAutoFit/>
+              </a:bodyPr>
+              <a:lstStyle/>
+              <a:p>
+                <a:pPr algn="ctr"/>
+                <a:r>
+                  <a:rPr lang="en-US" altLang="ko-KR" sz="1000" b="1" dirty="0">
+                    <a:ea typeface="맑은 고딕"/>
+                  </a:rPr>
+                  <a:t>3</a:t>
+                </a:r>
+              </a:p>
+            </p:txBody>
+          </p:sp>
+        </p:grpSp>
+      </p:grpSp>
       <p:pic>
         <p:nvPicPr>
-          <p:cNvPr id="5" name="그림 4" descr="텍스트, 스크린샷, 전자제품, 소프트웨어이(가) 표시된 사진&#10;&#10;자동 생성된 설명">
-            <a:extLst>
-              <a:ext uri="{FF2B5EF4-FFF2-40B4-BE49-F238E27FC236}">
-                <a16:creationId xmlns:a16="http://schemas.microsoft.com/office/drawing/2014/main" id="{E97534B4-86E9-39B4-FE8A-903175B68F7C}"/>
+          <p:cNvPr id="30" name="Picture 6" descr="Logitech G305 Lightspeed Wireless Gaming Mouse">
+            <a:extLst>
+              <a:ext uri="{FF2B5EF4-FFF2-40B4-BE49-F238E27FC236}">
+                <a16:creationId xmlns:a16="http://schemas.microsoft.com/office/drawing/2014/main" id="{670A5F11-A3E0-315E-826E-396D124467A9}"/>
               </a:ext>
             </a:extLst>
           </p:cNvPr>
           <p:cNvPicPr>
-            <a:picLocks noChangeAspect="1"/>
+            <a:picLocks noChangeAspect="1" noChangeArrowheads="1"/>
           </p:cNvPicPr>
           <p:nvPr/>
         </p:nvPicPr>
         <p:blipFill>
-          <a:blip r:embed="rId2">
+          <a:blip r:embed="rId3">
             <a:extLst>
               <a:ext uri="{28A0092B-C50C-407E-A947-70E740481C1C}">
                 <a14:useLocalDpi xmlns:a14="http://schemas.microsoft.com/office/drawing/2010/main" val="0"/>
               </a:ext>
             </a:extLst>
           </a:blip>
+          <a:srcRect/>
           <a:stretch>
             <a:fillRect/>
           </a:stretch>
         </p:blipFill>
-        <p:spPr>
+        <p:spPr bwMode="auto">
           <a:xfrm>
-            <a:off x="6149386" y="1474183"/>
-            <a:ext cx="5932943" cy="3699364"/>
+            <a:off x="1920402" y="3803215"/>
+            <a:ext cx="3354888" cy="2516166"/>
           </a:xfrm>
           <a:prstGeom prst="rect">
             <a:avLst/>
           </a:prstGeom>
+          <a:noFill/>
+          <a:extLst>
+            <a:ext uri="{909E8E84-426E-40DD-AFC4-6F175D3DCCD1}">
+              <a14:hiddenFill xmlns:a14="http://schemas.microsoft.com/office/drawing/2010/main">
+                <a:solidFill>
+                  <a:srgbClr val="FFFFFF"/>
+                </a:solidFill>
+              </a14:hiddenFill>
+            </a:ext>
+          </a:extLst>
         </p:spPr>
       </p:pic>
+      <p:grpSp>
+        <p:nvGrpSpPr>
+          <p:cNvPr id="31" name="그룹 30">
+            <a:extLst>
+              <a:ext uri="{FF2B5EF4-FFF2-40B4-BE49-F238E27FC236}">
+                <a16:creationId xmlns:a16="http://schemas.microsoft.com/office/drawing/2014/main" id="{9B4AD5F6-352B-5E89-B43D-E13687B33ABC}"/>
+              </a:ext>
+            </a:extLst>
+          </p:cNvPr>
+          <p:cNvGrpSpPr/>
+          <p:nvPr/>
+        </p:nvGrpSpPr>
+        <p:grpSpPr>
+          <a:xfrm>
+            <a:off x="895073" y="2404441"/>
+            <a:ext cx="981720" cy="393975"/>
+            <a:chOff x="2079585" y="2494200"/>
+            <a:chExt cx="981720" cy="393975"/>
+          </a:xfrm>
+        </p:grpSpPr>
+        <p:sp>
+          <p:nvSpPr>
+            <p:cNvPr id="32" name="직사각형 31">
+              <a:extLst>
+                <a:ext uri="{FF2B5EF4-FFF2-40B4-BE49-F238E27FC236}">
+                  <a16:creationId xmlns:a16="http://schemas.microsoft.com/office/drawing/2014/main" id="{5A4ED93A-EE3B-785D-57F4-776639CC85C9}"/>
+                </a:ext>
+              </a:extLst>
+            </p:cNvPr>
+            <p:cNvSpPr/>
+            <p:nvPr/>
+          </p:nvSpPr>
+          <p:spPr>
+            <a:xfrm>
+              <a:off x="2220173" y="2640491"/>
+              <a:ext cx="841132" cy="247684"/>
+            </a:xfrm>
+            <a:prstGeom prst="rect">
+              <a:avLst/>
+            </a:prstGeom>
+            <a:noFill/>
+            <a:ln w="38100">
+              <a:solidFill>
+                <a:srgbClr val="FF0000"/>
+              </a:solidFill>
+            </a:ln>
+          </p:spPr>
+          <p:style>
+            <a:lnRef idx="2">
+              <a:schemeClr val="accent1">
+                <a:shade val="50000"/>
+              </a:schemeClr>
+            </a:lnRef>
+            <a:fillRef idx="1">
+              <a:schemeClr val="accent1"/>
+            </a:fillRef>
+            <a:effectRef idx="0">
+              <a:schemeClr val="accent1"/>
+            </a:effectRef>
+            <a:fontRef idx="minor">
+              <a:schemeClr val="lt1"/>
+            </a:fontRef>
+          </p:style>
+          <p:txBody>
+            <a:bodyPr rtlCol="0" anchor="ctr"/>
+            <a:lstStyle/>
+            <a:p>
+              <a:pPr algn="ctr"/>
+              <a:endParaRPr lang="ko-KR" altLang="en-US" dirty="0"/>
+            </a:p>
+          </p:txBody>
+        </p:sp>
+        <p:grpSp>
+          <p:nvGrpSpPr>
+            <p:cNvPr id="33" name="그룹 32">
+              <a:extLst>
+                <a:ext uri="{FF2B5EF4-FFF2-40B4-BE49-F238E27FC236}">
+                  <a16:creationId xmlns:a16="http://schemas.microsoft.com/office/drawing/2014/main" id="{41BE7757-42F0-A699-BA6D-BFFAFA309FA4}"/>
+                </a:ext>
+              </a:extLst>
+            </p:cNvPr>
+            <p:cNvGrpSpPr/>
+            <p:nvPr/>
+          </p:nvGrpSpPr>
+          <p:grpSpPr>
+            <a:xfrm>
+              <a:off x="2079585" y="2494200"/>
+              <a:ext cx="292584" cy="292583"/>
+              <a:chOff x="7452678" y="656715"/>
+              <a:chExt cx="400050" cy="400050"/>
+            </a:xfrm>
+          </p:grpSpPr>
+          <p:sp>
+            <p:nvSpPr>
+              <p:cNvPr id="34" name="타원 33">
+                <a:extLst>
+                  <a:ext uri="{FF2B5EF4-FFF2-40B4-BE49-F238E27FC236}">
+                    <a16:creationId xmlns:a16="http://schemas.microsoft.com/office/drawing/2014/main" id="{8726B8C7-CF43-EFE8-24CC-3C87025E3C12}"/>
+                  </a:ext>
+                </a:extLst>
+              </p:cNvPr>
+              <p:cNvSpPr/>
+              <p:nvPr/>
+            </p:nvSpPr>
+            <p:spPr>
+              <a:xfrm>
+                <a:off x="7452678" y="656715"/>
+                <a:ext cx="400050" cy="400050"/>
+              </a:xfrm>
+              <a:prstGeom prst="ellipse">
+                <a:avLst/>
+              </a:prstGeom>
+              <a:solidFill>
+                <a:srgbClr val="FFFF00"/>
+              </a:solidFill>
+              <a:ln w="28575">
+                <a:noFill/>
+              </a:ln>
+            </p:spPr>
+            <p:style>
+              <a:lnRef idx="2">
+                <a:schemeClr val="accent1">
+                  <a:shade val="50000"/>
+                </a:schemeClr>
+              </a:lnRef>
+              <a:fillRef idx="1">
+                <a:schemeClr val="accent1"/>
+              </a:fillRef>
+              <a:effectRef idx="0">
+                <a:schemeClr val="accent1"/>
+              </a:effectRef>
+              <a:fontRef idx="minor">
+                <a:schemeClr val="lt1"/>
+              </a:fontRef>
+            </p:style>
+            <p:txBody>
+              <a:bodyPr rtlCol="0" anchor="ctr"/>
+              <a:lstStyle/>
+              <a:p>
+                <a:pPr algn="ctr"/>
+                <a:endParaRPr lang="ko-KR" altLang="en-US" dirty="0"/>
+              </a:p>
+            </p:txBody>
+          </p:sp>
+          <p:sp>
+            <p:nvSpPr>
+              <p:cNvPr id="35" name="TextBox 34">
+                <a:extLst>
+                  <a:ext uri="{FF2B5EF4-FFF2-40B4-BE49-F238E27FC236}">
+                    <a16:creationId xmlns:a16="http://schemas.microsoft.com/office/drawing/2014/main" id="{0645AA40-32A6-0E20-186B-42858DDC85DB}"/>
+                  </a:ext>
+                </a:extLst>
+              </p:cNvPr>
+              <p:cNvSpPr txBox="1"/>
+              <p:nvPr/>
+            </p:nvSpPr>
+            <p:spPr>
+              <a:xfrm>
+                <a:off x="7502415" y="688409"/>
+                <a:ext cx="289062" cy="336659"/>
+              </a:xfrm>
+              <a:prstGeom prst="rect">
+                <a:avLst/>
+              </a:prstGeom>
+              <a:noFill/>
+            </p:spPr>
+            <p:txBody>
+              <a:bodyPr wrap="square" rtlCol="0">
+                <a:spAutoFit/>
+              </a:bodyPr>
+              <a:lstStyle/>
+              <a:p>
+                <a:pPr algn="ctr"/>
+                <a:r>
+                  <a:rPr lang="en-US" altLang="ko-KR" sz="1000" b="1" dirty="0"/>
+                  <a:t>2</a:t>
+                </a:r>
+                <a:endParaRPr lang="ko-KR" altLang="en-US" sz="1000" b="1" dirty="0"/>
+              </a:p>
+            </p:txBody>
+          </p:sp>
+        </p:grpSp>
+      </p:grpSp>
+      <p:grpSp>
+        <p:nvGrpSpPr>
+          <p:cNvPr id="41" name="그룹 40">
+            <a:extLst>
+              <a:ext uri="{FF2B5EF4-FFF2-40B4-BE49-F238E27FC236}">
+                <a16:creationId xmlns:a16="http://schemas.microsoft.com/office/drawing/2014/main" id="{DF29ED6D-8189-1AE2-D144-B2C32194F4D4}"/>
+              </a:ext>
+            </a:extLst>
+          </p:cNvPr>
+          <p:cNvGrpSpPr/>
+          <p:nvPr/>
+        </p:nvGrpSpPr>
+        <p:grpSpPr>
+          <a:xfrm>
+            <a:off x="2835322" y="3688619"/>
+            <a:ext cx="762524" cy="1307736"/>
+            <a:chOff x="2079585" y="2494200"/>
+            <a:chExt cx="762524" cy="1307736"/>
+          </a:xfrm>
+        </p:grpSpPr>
+        <p:sp>
+          <p:nvSpPr>
+            <p:cNvPr id="42" name="직사각형 41">
+              <a:extLst>
+                <a:ext uri="{FF2B5EF4-FFF2-40B4-BE49-F238E27FC236}">
+                  <a16:creationId xmlns:a16="http://schemas.microsoft.com/office/drawing/2014/main" id="{97A8DD43-8B40-F9AD-00A5-5B947F87D4C2}"/>
+                </a:ext>
+              </a:extLst>
+            </p:cNvPr>
+            <p:cNvSpPr/>
+            <p:nvPr/>
+          </p:nvSpPr>
+          <p:spPr>
+            <a:xfrm>
+              <a:off x="2228931" y="2622974"/>
+              <a:ext cx="613178" cy="1178962"/>
+            </a:xfrm>
+            <a:prstGeom prst="rect">
+              <a:avLst/>
+            </a:prstGeom>
+            <a:noFill/>
+            <a:ln w="38100">
+              <a:solidFill>
+                <a:srgbClr val="FF0000"/>
+              </a:solidFill>
+            </a:ln>
+          </p:spPr>
+          <p:style>
+            <a:lnRef idx="2">
+              <a:schemeClr val="accent1">
+                <a:shade val="50000"/>
+              </a:schemeClr>
+            </a:lnRef>
+            <a:fillRef idx="1">
+              <a:schemeClr val="accent1"/>
+            </a:fillRef>
+            <a:effectRef idx="0">
+              <a:schemeClr val="accent1"/>
+            </a:effectRef>
+            <a:fontRef idx="minor">
+              <a:schemeClr val="lt1"/>
+            </a:fontRef>
+          </p:style>
+          <p:txBody>
+            <a:bodyPr rtlCol="0" anchor="ctr"/>
+            <a:lstStyle/>
+            <a:p>
+              <a:pPr algn="ctr"/>
+              <a:endParaRPr lang="ko-KR" altLang="en-US" b="1" dirty="0"/>
+            </a:p>
+          </p:txBody>
+        </p:sp>
+        <p:grpSp>
+          <p:nvGrpSpPr>
+            <p:cNvPr id="43" name="그룹 42">
+              <a:extLst>
+                <a:ext uri="{FF2B5EF4-FFF2-40B4-BE49-F238E27FC236}">
+                  <a16:creationId xmlns:a16="http://schemas.microsoft.com/office/drawing/2014/main" id="{51B35D9E-DDE4-7C23-B4BF-A7EA95580ADA}"/>
+                </a:ext>
+              </a:extLst>
+            </p:cNvPr>
+            <p:cNvGrpSpPr/>
+            <p:nvPr/>
+          </p:nvGrpSpPr>
+          <p:grpSpPr>
+            <a:xfrm>
+              <a:off x="2079585" y="2494200"/>
+              <a:ext cx="292584" cy="292583"/>
+              <a:chOff x="7452678" y="656715"/>
+              <a:chExt cx="400050" cy="400050"/>
+            </a:xfrm>
+          </p:grpSpPr>
+          <p:sp>
+            <p:nvSpPr>
+              <p:cNvPr id="44" name="타원 43">
+                <a:extLst>
+                  <a:ext uri="{FF2B5EF4-FFF2-40B4-BE49-F238E27FC236}">
+                    <a16:creationId xmlns:a16="http://schemas.microsoft.com/office/drawing/2014/main" id="{7C988F08-50B1-6212-5D39-251D1AE6096E}"/>
+                  </a:ext>
+                </a:extLst>
+              </p:cNvPr>
+              <p:cNvSpPr/>
+              <p:nvPr/>
+            </p:nvSpPr>
+            <p:spPr>
+              <a:xfrm>
+                <a:off x="7452678" y="656715"/>
+                <a:ext cx="400050" cy="400050"/>
+              </a:xfrm>
+              <a:prstGeom prst="ellipse">
+                <a:avLst/>
+              </a:prstGeom>
+              <a:solidFill>
+                <a:srgbClr val="FFFF00"/>
+              </a:solidFill>
+              <a:ln w="28575">
+                <a:noFill/>
+              </a:ln>
+            </p:spPr>
+            <p:style>
+              <a:lnRef idx="2">
+                <a:schemeClr val="accent1">
+                  <a:shade val="50000"/>
+                </a:schemeClr>
+              </a:lnRef>
+              <a:fillRef idx="1">
+                <a:schemeClr val="accent1"/>
+              </a:fillRef>
+              <a:effectRef idx="0">
+                <a:schemeClr val="accent1"/>
+              </a:effectRef>
+              <a:fontRef idx="minor">
+                <a:schemeClr val="lt1"/>
+              </a:fontRef>
+            </p:style>
+            <p:txBody>
+              <a:bodyPr rtlCol="0" anchor="ctr"/>
+              <a:lstStyle/>
+              <a:p>
+                <a:pPr algn="ctr"/>
+                <a:endParaRPr lang="ko-KR" altLang="en-US" b="1" dirty="0"/>
+              </a:p>
+            </p:txBody>
+          </p:sp>
+          <p:sp>
+            <p:nvSpPr>
+              <p:cNvPr id="45" name="TextBox 44">
+                <a:extLst>
+                  <a:ext uri="{FF2B5EF4-FFF2-40B4-BE49-F238E27FC236}">
+                    <a16:creationId xmlns:a16="http://schemas.microsoft.com/office/drawing/2014/main" id="{C1B0A127-3293-BD1C-4A7B-4743FEB6B590}"/>
+                  </a:ext>
+                </a:extLst>
+              </p:cNvPr>
+              <p:cNvSpPr txBox="1"/>
+              <p:nvPr/>
+            </p:nvSpPr>
+            <p:spPr>
+              <a:xfrm>
+                <a:off x="7514391" y="688409"/>
+                <a:ext cx="289062" cy="336659"/>
+              </a:xfrm>
+              <a:prstGeom prst="rect">
+                <a:avLst/>
+              </a:prstGeom>
+              <a:noFill/>
+            </p:spPr>
+            <p:txBody>
+              <a:bodyPr wrap="square" lIns="91440" tIns="45720" rIns="91440" bIns="45720" rtlCol="0" anchor="t">
+                <a:spAutoFit/>
+              </a:bodyPr>
+              <a:lstStyle/>
+              <a:p>
+                <a:pPr algn="ctr"/>
+                <a:r>
+                  <a:rPr lang="en-US" altLang="ko-KR" sz="1000" b="1" dirty="0">
+                    <a:ea typeface="맑은 고딕"/>
+                  </a:rPr>
+                  <a:t>6</a:t>
+                </a:r>
+              </a:p>
+            </p:txBody>
+          </p:sp>
+        </p:grpSp>
+      </p:grpSp>
+      <p:grpSp>
+        <p:nvGrpSpPr>
+          <p:cNvPr id="47" name="그룹 46">
+            <a:extLst>
+              <a:ext uri="{FF2B5EF4-FFF2-40B4-BE49-F238E27FC236}">
+                <a16:creationId xmlns:a16="http://schemas.microsoft.com/office/drawing/2014/main" id="{92F40271-00BA-A71B-8B39-BEF0653DDE22}"/>
+              </a:ext>
+            </a:extLst>
+          </p:cNvPr>
+          <p:cNvGrpSpPr/>
+          <p:nvPr/>
+        </p:nvGrpSpPr>
+        <p:grpSpPr>
+          <a:xfrm>
+            <a:off x="1784757" y="2307892"/>
+            <a:ext cx="395198" cy="521032"/>
+            <a:chOff x="1982043" y="3013709"/>
+            <a:chExt cx="395198" cy="521032"/>
+          </a:xfrm>
+        </p:grpSpPr>
+        <p:sp>
+          <p:nvSpPr>
+            <p:cNvPr id="48" name="직사각형 47">
+              <a:extLst>
+                <a:ext uri="{FF2B5EF4-FFF2-40B4-BE49-F238E27FC236}">
+                  <a16:creationId xmlns:a16="http://schemas.microsoft.com/office/drawing/2014/main" id="{B51B656A-D53D-99AE-DF03-418F513C0716}"/>
+                </a:ext>
+              </a:extLst>
+            </p:cNvPr>
+            <p:cNvSpPr/>
+            <p:nvPr/>
+          </p:nvSpPr>
+          <p:spPr>
+            <a:xfrm>
+              <a:off x="2113424" y="3237038"/>
+              <a:ext cx="263817" cy="297703"/>
+            </a:xfrm>
+            <a:prstGeom prst="rect">
+              <a:avLst/>
+            </a:prstGeom>
+            <a:noFill/>
+            <a:ln w="38100">
+              <a:solidFill>
+                <a:srgbClr val="FF0000"/>
+              </a:solidFill>
+            </a:ln>
+          </p:spPr>
+          <p:style>
+            <a:lnRef idx="2">
+              <a:schemeClr val="accent1">
+                <a:shade val="50000"/>
+              </a:schemeClr>
+            </a:lnRef>
+            <a:fillRef idx="1">
+              <a:schemeClr val="accent1"/>
+            </a:fillRef>
+            <a:effectRef idx="0">
+              <a:schemeClr val="accent1"/>
+            </a:effectRef>
+            <a:fontRef idx="minor">
+              <a:schemeClr val="lt1"/>
+            </a:fontRef>
+          </p:style>
+          <p:txBody>
+            <a:bodyPr rtlCol="0" anchor="ctr"/>
+            <a:lstStyle/>
+            <a:p>
+              <a:pPr algn="ctr"/>
+              <a:endParaRPr lang="ko-KR" altLang="en-US" b="1" dirty="0"/>
+            </a:p>
+          </p:txBody>
+        </p:sp>
+        <p:grpSp>
+          <p:nvGrpSpPr>
+            <p:cNvPr id="49" name="그룹 48">
+              <a:extLst>
+                <a:ext uri="{FF2B5EF4-FFF2-40B4-BE49-F238E27FC236}">
+                  <a16:creationId xmlns:a16="http://schemas.microsoft.com/office/drawing/2014/main" id="{193230CD-0D94-89B6-615B-03D3D2646FF9}"/>
+                </a:ext>
+              </a:extLst>
+            </p:cNvPr>
+            <p:cNvGrpSpPr/>
+            <p:nvPr/>
+          </p:nvGrpSpPr>
+          <p:grpSpPr>
+            <a:xfrm>
+              <a:off x="1982043" y="3013709"/>
+              <a:ext cx="292584" cy="292583"/>
+              <a:chOff x="7319309" y="1367042"/>
+              <a:chExt cx="400050" cy="400050"/>
+            </a:xfrm>
+          </p:grpSpPr>
+          <p:sp>
+            <p:nvSpPr>
+              <p:cNvPr id="50" name="타원 49">
+                <a:extLst>
+                  <a:ext uri="{FF2B5EF4-FFF2-40B4-BE49-F238E27FC236}">
+                    <a16:creationId xmlns:a16="http://schemas.microsoft.com/office/drawing/2014/main" id="{D682EF9A-7DAD-4438-6A1F-AC0FB2341E2D}"/>
+                  </a:ext>
+                </a:extLst>
+              </p:cNvPr>
+              <p:cNvSpPr/>
+              <p:nvPr/>
+            </p:nvSpPr>
+            <p:spPr>
+              <a:xfrm>
+                <a:off x="7319309" y="1367042"/>
+                <a:ext cx="400050" cy="400050"/>
+              </a:xfrm>
+              <a:prstGeom prst="ellipse">
+                <a:avLst/>
+              </a:prstGeom>
+              <a:solidFill>
+                <a:srgbClr val="FFFF00"/>
+              </a:solidFill>
+              <a:ln w="28575">
+                <a:noFill/>
+              </a:ln>
+            </p:spPr>
+            <p:style>
+              <a:lnRef idx="2">
+                <a:schemeClr val="accent1">
+                  <a:shade val="50000"/>
+                </a:schemeClr>
+              </a:lnRef>
+              <a:fillRef idx="1">
+                <a:schemeClr val="accent1"/>
+              </a:fillRef>
+              <a:effectRef idx="0">
+                <a:schemeClr val="accent1"/>
+              </a:effectRef>
+              <a:fontRef idx="minor">
+                <a:schemeClr val="lt1"/>
+              </a:fontRef>
+            </p:style>
+            <p:txBody>
+              <a:bodyPr rtlCol="0" anchor="ctr"/>
+              <a:lstStyle/>
+              <a:p>
+                <a:pPr algn="ctr"/>
+                <a:endParaRPr lang="ko-KR" altLang="en-US" b="1" dirty="0"/>
+              </a:p>
+            </p:txBody>
+          </p:sp>
+          <p:sp>
+            <p:nvSpPr>
+              <p:cNvPr id="51" name="TextBox 50">
+                <a:extLst>
+                  <a:ext uri="{FF2B5EF4-FFF2-40B4-BE49-F238E27FC236}">
+                    <a16:creationId xmlns:a16="http://schemas.microsoft.com/office/drawing/2014/main" id="{D66636C6-A62C-E399-904B-8354D8BD9288}"/>
+                  </a:ext>
+                </a:extLst>
+              </p:cNvPr>
+              <p:cNvSpPr txBox="1"/>
+              <p:nvPr/>
+            </p:nvSpPr>
+            <p:spPr>
+              <a:xfrm>
+                <a:off x="7352738" y="1418834"/>
+                <a:ext cx="289062" cy="336659"/>
+              </a:xfrm>
+              <a:prstGeom prst="rect">
+                <a:avLst/>
+              </a:prstGeom>
+              <a:noFill/>
+            </p:spPr>
+            <p:txBody>
+              <a:bodyPr wrap="square" lIns="91440" tIns="45720" rIns="91440" bIns="45720" rtlCol="0" anchor="t">
+                <a:spAutoFit/>
+              </a:bodyPr>
+              <a:lstStyle/>
+              <a:p>
+                <a:pPr algn="ctr"/>
+                <a:r>
+                  <a:rPr lang="en-US" altLang="ko-KR" sz="1000" b="1" dirty="0">
+                    <a:ea typeface="맑은 고딕"/>
+                  </a:rPr>
+                  <a:t>5</a:t>
+                </a:r>
+              </a:p>
+            </p:txBody>
+          </p:sp>
+        </p:grpSp>
+      </p:grpSp>
+      <p:grpSp>
+        <p:nvGrpSpPr>
+          <p:cNvPr id="52" name="그룹 51">
+            <a:extLst>
+              <a:ext uri="{FF2B5EF4-FFF2-40B4-BE49-F238E27FC236}">
+                <a16:creationId xmlns:a16="http://schemas.microsoft.com/office/drawing/2014/main" id="{AE39AB9A-F293-345B-55AE-3DAA14EC58BE}"/>
+              </a:ext>
+            </a:extLst>
+          </p:cNvPr>
+          <p:cNvGrpSpPr/>
+          <p:nvPr/>
+        </p:nvGrpSpPr>
+        <p:grpSpPr>
+          <a:xfrm>
+            <a:off x="2042192" y="2290215"/>
+            <a:ext cx="395198" cy="521032"/>
+            <a:chOff x="1982043" y="3013709"/>
+            <a:chExt cx="395198" cy="521032"/>
+          </a:xfrm>
+        </p:grpSpPr>
+        <p:sp>
+          <p:nvSpPr>
+            <p:cNvPr id="53" name="직사각형 52">
+              <a:extLst>
+                <a:ext uri="{FF2B5EF4-FFF2-40B4-BE49-F238E27FC236}">
+                  <a16:creationId xmlns:a16="http://schemas.microsoft.com/office/drawing/2014/main" id="{DF298DEF-F3ED-4D24-A273-4EE17013598D}"/>
+                </a:ext>
+              </a:extLst>
+            </p:cNvPr>
+            <p:cNvSpPr/>
+            <p:nvPr/>
+          </p:nvSpPr>
+          <p:spPr>
+            <a:xfrm>
+              <a:off x="2113424" y="3237038"/>
+              <a:ext cx="263817" cy="297703"/>
+            </a:xfrm>
+            <a:prstGeom prst="rect">
+              <a:avLst/>
+            </a:prstGeom>
+            <a:noFill/>
+            <a:ln w="38100">
+              <a:solidFill>
+                <a:srgbClr val="FF0000"/>
+              </a:solidFill>
+            </a:ln>
+          </p:spPr>
+          <p:style>
+            <a:lnRef idx="2">
+              <a:schemeClr val="accent1">
+                <a:shade val="50000"/>
+              </a:schemeClr>
+            </a:lnRef>
+            <a:fillRef idx="1">
+              <a:schemeClr val="accent1"/>
+            </a:fillRef>
+            <a:effectRef idx="0">
+              <a:schemeClr val="accent1"/>
+            </a:effectRef>
+            <a:fontRef idx="minor">
+              <a:schemeClr val="lt1"/>
+            </a:fontRef>
+          </p:style>
+          <p:txBody>
+            <a:bodyPr rtlCol="0" anchor="ctr"/>
+            <a:lstStyle/>
+            <a:p>
+              <a:pPr algn="ctr"/>
+              <a:endParaRPr lang="ko-KR" altLang="en-US" b="1" dirty="0"/>
+            </a:p>
+          </p:txBody>
+        </p:sp>
+        <p:grpSp>
+          <p:nvGrpSpPr>
+            <p:cNvPr id="54" name="그룹 53">
+              <a:extLst>
+                <a:ext uri="{FF2B5EF4-FFF2-40B4-BE49-F238E27FC236}">
+                  <a16:creationId xmlns:a16="http://schemas.microsoft.com/office/drawing/2014/main" id="{364E04C4-699B-EA36-3B80-F467F7D472F3}"/>
+                </a:ext>
+              </a:extLst>
+            </p:cNvPr>
+            <p:cNvGrpSpPr/>
+            <p:nvPr/>
+          </p:nvGrpSpPr>
+          <p:grpSpPr>
+            <a:xfrm>
+              <a:off x="1982043" y="3013709"/>
+              <a:ext cx="292584" cy="292583"/>
+              <a:chOff x="7319309" y="1367042"/>
+              <a:chExt cx="400050" cy="400050"/>
+            </a:xfrm>
+          </p:grpSpPr>
+          <p:sp>
+            <p:nvSpPr>
+              <p:cNvPr id="55" name="타원 54">
+                <a:extLst>
+                  <a:ext uri="{FF2B5EF4-FFF2-40B4-BE49-F238E27FC236}">
+                    <a16:creationId xmlns:a16="http://schemas.microsoft.com/office/drawing/2014/main" id="{4DE9D4EE-816F-B240-AB28-0A89A1538FC1}"/>
+                  </a:ext>
+                </a:extLst>
+              </p:cNvPr>
+              <p:cNvSpPr/>
+              <p:nvPr/>
+            </p:nvSpPr>
+            <p:spPr>
+              <a:xfrm>
+                <a:off x="7319309" y="1367042"/>
+                <a:ext cx="400050" cy="400050"/>
+              </a:xfrm>
+              <a:prstGeom prst="ellipse">
+                <a:avLst/>
+              </a:prstGeom>
+              <a:solidFill>
+                <a:srgbClr val="FFFF00"/>
+              </a:solidFill>
+              <a:ln w="28575">
+                <a:noFill/>
+              </a:ln>
+            </p:spPr>
+            <p:style>
+              <a:lnRef idx="2">
+                <a:schemeClr val="accent1">
+                  <a:shade val="50000"/>
+                </a:schemeClr>
+              </a:lnRef>
+              <a:fillRef idx="1">
+                <a:schemeClr val="accent1"/>
+              </a:fillRef>
+              <a:effectRef idx="0">
+                <a:schemeClr val="accent1"/>
+              </a:effectRef>
+              <a:fontRef idx="minor">
+                <a:schemeClr val="lt1"/>
+              </a:fontRef>
+            </p:style>
+            <p:txBody>
+              <a:bodyPr rtlCol="0" anchor="ctr"/>
+              <a:lstStyle/>
+              <a:p>
+                <a:pPr algn="ctr"/>
+                <a:endParaRPr lang="ko-KR" altLang="en-US" b="1" dirty="0"/>
+              </a:p>
+            </p:txBody>
+          </p:sp>
+          <p:sp>
+            <p:nvSpPr>
+              <p:cNvPr id="56" name="TextBox 55">
+                <a:extLst>
+                  <a:ext uri="{FF2B5EF4-FFF2-40B4-BE49-F238E27FC236}">
+                    <a16:creationId xmlns:a16="http://schemas.microsoft.com/office/drawing/2014/main" id="{688B8342-5256-8F0C-76E1-BC4638D8959A}"/>
+                  </a:ext>
+                </a:extLst>
+              </p:cNvPr>
+              <p:cNvSpPr txBox="1"/>
+              <p:nvPr/>
+            </p:nvSpPr>
+            <p:spPr>
+              <a:xfrm>
+                <a:off x="7352738" y="1418834"/>
+                <a:ext cx="289062" cy="336659"/>
+              </a:xfrm>
+              <a:prstGeom prst="rect">
+                <a:avLst/>
+              </a:prstGeom>
+              <a:noFill/>
+            </p:spPr>
+            <p:txBody>
+              <a:bodyPr wrap="square" lIns="91440" tIns="45720" rIns="91440" bIns="45720" rtlCol="0" anchor="t">
+                <a:spAutoFit/>
+              </a:bodyPr>
+              <a:lstStyle/>
+              <a:p>
+                <a:pPr algn="ctr"/>
+                <a:r>
+                  <a:rPr lang="en-US" altLang="ko-KR" sz="1000" b="1" dirty="0">
+                    <a:ea typeface="맑은 고딕"/>
+                  </a:rPr>
+                  <a:t>6</a:t>
+                </a:r>
+              </a:p>
+            </p:txBody>
+          </p:sp>
+        </p:grpSp>
+      </p:grpSp>
     </p:spTree>
     <p:extLst>
       <p:ext uri="{BB962C8B-B14F-4D97-AF65-F5344CB8AC3E}">
-        <p14:creationId xmlns:p14="http://schemas.microsoft.com/office/powerpoint/2010/main" val="422599104"/>
+        <p14:creationId xmlns:p14="http://schemas.microsoft.com/office/powerpoint/2010/main" val="350230562"/>
       </p:ext>
     </p:extLst>
   </p:cSld>
@@ -5762,11 +6994,11 @@
           <a:p>
             <a:r>
               <a:rPr lang="en-US" altLang="ko-KR" dirty="0"/>
-              <a:t>3. </a:t>
+              <a:t>4. </a:t>
             </a:r>
             <a:r>
               <a:rPr lang="ko-KR" altLang="en-US" dirty="0"/>
-              <a:t>조작법</a:t>
+              <a:t>캐릭터</a:t>
             </a:r>
           </a:p>
         </p:txBody>
@@ -5789,8 +7021,8 @@
         </p:nvSpPr>
         <p:spPr>
           <a:xfrm>
-            <a:off x="109671" y="1769944"/>
-            <a:ext cx="5564736" cy="3921555"/>
+            <a:off x="109671" y="1325563"/>
+            <a:ext cx="5564736" cy="5385630"/>
           </a:xfrm>
         </p:spPr>
         <p:txBody>
@@ -5802,7 +7034,139 @@
             </a:pPr>
             <a:r>
               <a:rPr lang="ko-KR" altLang="en-US" sz="1400" dirty="0"/>
-              <a:t>룸에 접속하면 이미 해당 룸에 접속한 사용자들의 이름이 표시되어야 하며</a:t>
+              <a:t>캐릭터는 </a:t>
+            </a:r>
+            <a:r>
+              <a:rPr lang="en-US" altLang="ko-KR" sz="1400" dirty="0"/>
+              <a:t>2D </a:t>
+            </a:r>
+            <a:r>
+              <a:rPr lang="ko-KR" altLang="en-US" sz="1400" dirty="0"/>
+              <a:t>도트 캐릭터로 구성된다</a:t>
+            </a:r>
+            <a:r>
+              <a:rPr lang="en-US" altLang="ko-KR" sz="1400" dirty="0"/>
+              <a:t>.</a:t>
+            </a:r>
+          </a:p>
+          <a:p>
+            <a:pPr marL="0" indent="0">
+              <a:buNone/>
+            </a:pPr>
+            <a:endParaRPr lang="en-US" altLang="ko-KR" sz="1400" dirty="0"/>
+          </a:p>
+          <a:p>
+            <a:pPr marL="0" indent="0">
+              <a:buNone/>
+            </a:pPr>
+            <a:r>
+              <a:rPr lang="ko-KR" altLang="en-US" sz="1400" dirty="0"/>
+              <a:t>캐릭터가 가지고 있는 기본 속성</a:t>
+            </a:r>
+            <a:endParaRPr lang="en-US" altLang="ko-KR" sz="1400" dirty="0"/>
+          </a:p>
+          <a:p>
+            <a:pPr marL="0" indent="0">
+              <a:buNone/>
+            </a:pPr>
+            <a:endParaRPr lang="en-US" altLang="ko-KR" sz="1400" dirty="0"/>
+          </a:p>
+          <a:p>
+            <a:pPr marL="342900" indent="-342900">
+              <a:buAutoNum type="arabicPeriod"/>
+            </a:pPr>
+            <a:r>
+              <a:rPr lang="en-US" altLang="ko-KR" sz="1400" dirty="0"/>
+              <a:t>HP -&gt; 3</a:t>
+            </a:r>
+            <a:r>
+              <a:rPr lang="ko-KR" altLang="en-US" sz="1400" dirty="0"/>
+              <a:t>칸의 </a:t>
+            </a:r>
+            <a:r>
+              <a:rPr lang="en-US" altLang="ko-KR" sz="1400" dirty="0"/>
+              <a:t>HP</a:t>
+            </a:r>
+            <a:r>
+              <a:rPr lang="ko-KR" altLang="en-US" sz="1400" dirty="0"/>
+              <a:t>를 가진다</a:t>
+            </a:r>
+            <a:r>
+              <a:rPr lang="en-US" altLang="ko-KR" sz="1400" dirty="0"/>
+              <a:t>. 1</a:t>
+            </a:r>
+            <a:r>
+              <a:rPr lang="ko-KR" altLang="en-US" sz="1400" dirty="0"/>
+              <a:t>칸의 </a:t>
+            </a:r>
+            <a:r>
+              <a:rPr lang="en-US" altLang="ko-KR" sz="1400" dirty="0"/>
+              <a:t>HP</a:t>
+            </a:r>
+            <a:r>
+              <a:rPr lang="ko-KR" altLang="en-US" sz="1400" dirty="0"/>
+              <a:t>를 잃으면 </a:t>
+            </a:r>
+            <a:r>
+              <a:rPr lang="en-US" altLang="ko-KR" sz="1400" dirty="0"/>
+              <a:t>30</a:t>
+            </a:r>
+            <a:r>
+              <a:rPr lang="ko-KR" altLang="en-US" sz="1400" dirty="0"/>
+              <a:t>초 후 다시 치유된다</a:t>
+            </a:r>
+            <a:r>
+              <a:rPr lang="en-US" altLang="ko-KR" sz="1400" dirty="0"/>
+              <a:t>. 3</a:t>
+            </a:r>
+            <a:r>
+              <a:rPr lang="ko-KR" altLang="en-US" sz="1400" dirty="0"/>
+              <a:t>칸의 </a:t>
+            </a:r>
+            <a:r>
+              <a:rPr lang="en-US" altLang="ko-KR" sz="1400" dirty="0"/>
+              <a:t>HP</a:t>
+            </a:r>
+            <a:r>
+              <a:rPr lang="ko-KR" altLang="en-US" sz="1400" dirty="0"/>
+              <a:t>를 다 잃으면 캐릭터는 사망한다</a:t>
+            </a:r>
+            <a:r>
+              <a:rPr lang="en-US" altLang="ko-KR" sz="1400" dirty="0"/>
+              <a:t>.</a:t>
+            </a:r>
+          </a:p>
+          <a:p>
+            <a:pPr marL="342900" indent="-342900">
+              <a:buAutoNum type="arabicPeriod"/>
+            </a:pPr>
+            <a:r>
+              <a:rPr lang="ko-KR" altLang="en-US" sz="1400" dirty="0"/>
+              <a:t>폭탄 목걸이 </a:t>
+            </a:r>
+            <a:r>
+              <a:rPr lang="en-US" altLang="ko-KR" sz="1400" dirty="0"/>
+              <a:t>-&gt; </a:t>
+            </a:r>
+            <a:r>
+              <a:rPr lang="ko-KR" altLang="en-US" sz="1400" dirty="0"/>
+              <a:t>내부 시간 카운트를 가진다</a:t>
+            </a:r>
+            <a:r>
+              <a:rPr lang="en-US" altLang="ko-KR" sz="1400" dirty="0"/>
+              <a:t>. 240</a:t>
+            </a:r>
+            <a:r>
+              <a:rPr lang="ko-KR" altLang="en-US" sz="1400" dirty="0"/>
+              <a:t>초의 시간을 가진다</a:t>
+            </a:r>
+            <a:r>
+              <a:rPr lang="en-US" altLang="ko-KR" sz="1400" dirty="0"/>
+              <a:t>. </a:t>
+            </a:r>
+            <a:r>
+              <a:rPr lang="ko-KR" altLang="en-US" sz="1400" dirty="0"/>
+              <a:t>게임이 시작되면 자동으로 시간이 줄어들며</a:t>
             </a:r>
             <a:r>
               <a:rPr lang="en-US" altLang="ko-KR" sz="1400" dirty="0"/>
@@ -5810,7 +7174,31 @@
             </a:r>
             <a:r>
               <a:rPr lang="ko-KR" altLang="en-US" sz="1400" dirty="0"/>
-              <a:t>채팅창을 통해 소통 할 수 있어야 한다</a:t>
+              <a:t>해당 시간이 다 다하면 캐릭터는 사망한다</a:t>
+            </a:r>
+            <a:r>
+              <a:rPr lang="en-US" altLang="ko-KR" sz="1400" dirty="0"/>
+              <a:t>. </a:t>
+            </a:r>
+            <a:r>
+              <a:rPr lang="ko-KR" altLang="en-US" sz="1400" dirty="0"/>
+              <a:t>폭탄 목걸이라는 용어를 </a:t>
+            </a:r>
+            <a:r>
+              <a:rPr lang="ko-KR" altLang="en-US" sz="1400" dirty="0" err="1"/>
+              <a:t>사용하는거지</a:t>
+            </a:r>
+            <a:r>
+              <a:rPr lang="ko-KR" altLang="en-US" sz="1400" dirty="0"/>
+              <a:t> 내부 타이머</a:t>
+            </a:r>
+            <a:r>
+              <a:rPr lang="en-US" altLang="ko-KR" sz="1400" dirty="0"/>
+              <a:t>, </a:t>
+            </a:r>
+            <a:r>
+              <a:rPr lang="ko-KR" altLang="en-US" sz="1400" dirty="0"/>
+              <a:t>게임 제한 시간이라 보면 됨</a:t>
             </a:r>
             <a:r>
               <a:rPr lang="en-US" altLang="ko-KR" sz="1400" dirty="0"/>
@@ -5818,12 +7206,60 @@
             </a:r>
           </a:p>
           <a:p>
-            <a:pPr marL="0" indent="0">
-              <a:buNone/>
-            </a:pPr>
-            <a:r>
-              <a:rPr lang="ko-KR" altLang="en-US" sz="1400" dirty="0"/>
-              <a:t>그리고 룸 나가기 버튼을 통해 로비로 되돌아 갈 수 있어야 한다</a:t>
+            <a:pPr marL="342900" indent="-342900">
+              <a:buAutoNum type="arabicPeriod"/>
+            </a:pPr>
+            <a:r>
+              <a:rPr lang="ko-KR" altLang="en-US" sz="1400" dirty="0"/>
+              <a:t>가방 </a:t>
+            </a:r>
+            <a:r>
+              <a:rPr lang="en-US" altLang="ko-KR" sz="1400" dirty="0"/>
+              <a:t>-&gt; </a:t>
+            </a:r>
+            <a:r>
+              <a:rPr lang="ko-KR" altLang="en-US" sz="1400" dirty="0"/>
+              <a:t>따로 가방을 보여주거나 여는 키는 존재하지 않고</a:t>
+            </a:r>
+            <a:r>
+              <a:rPr lang="en-US" altLang="ko-KR" sz="1400" dirty="0"/>
+              <a:t>, </a:t>
+            </a:r>
+            <a:r>
+              <a:rPr lang="ko-KR" altLang="en-US" sz="1400" dirty="0"/>
+              <a:t>캐릭터 내부 변수에 저장하는 식으로 사용 예정</a:t>
+            </a:r>
+            <a:r>
+              <a:rPr lang="en-US" altLang="ko-KR" sz="1400" dirty="0"/>
+              <a:t>. Bullet </a:t>
+            </a:r>
+            <a:r>
+              <a:rPr lang="ko-KR" altLang="en-US" sz="1400" dirty="0"/>
+              <a:t>변수와 </a:t>
+            </a:r>
+            <a:r>
+              <a:rPr lang="en-US" altLang="ko-KR" sz="1400" dirty="0"/>
+              <a:t>Key </a:t>
+            </a:r>
+            <a:r>
+              <a:rPr lang="ko-KR" altLang="en-US" sz="1400" dirty="0"/>
+              <a:t>변수가 존재하며 총알을 얻으면 </a:t>
+            </a:r>
+            <a:r>
+              <a:rPr lang="en-US" altLang="ko-KR" sz="1400" dirty="0"/>
+              <a:t>Bullet </a:t>
+            </a:r>
+            <a:r>
+              <a:rPr lang="ko-KR" altLang="en-US" sz="1400" dirty="0"/>
+              <a:t>변수에 숫자를 증가하는 식으로 사용할 예정</a:t>
+            </a:r>
+            <a:r>
+              <a:rPr lang="en-US" altLang="ko-KR" sz="1400" dirty="0"/>
+              <a:t>. </a:t>
+            </a:r>
+            <a:r>
+              <a:rPr lang="ko-KR" altLang="en-US" sz="1400" dirty="0"/>
+              <a:t>열쇠도 동일</a:t>
             </a:r>
             <a:r>
               <a:rPr lang="en-US" altLang="ko-KR" sz="1400" dirty="0"/>
@@ -5831,108 +7267,105 @@
             </a:r>
           </a:p>
           <a:p>
-            <a:pPr marL="0" indent="0">
-              <a:buNone/>
+            <a:pPr marL="342900" indent="-342900">
+              <a:buAutoNum type="arabicPeriod"/>
+            </a:pPr>
+            <a:r>
+              <a:rPr lang="ko-KR" altLang="en-US" sz="1400" dirty="0"/>
+              <a:t>충돌 </a:t>
+            </a:r>
+            <a:r>
+              <a:rPr lang="ko-KR" altLang="en-US" sz="1400" dirty="0" err="1"/>
+              <a:t>콜라이더</a:t>
+            </a:r>
+            <a:r>
+              <a:rPr lang="ko-KR" altLang="en-US" sz="1400" dirty="0"/>
+              <a:t> </a:t>
+            </a:r>
+            <a:r>
+              <a:rPr lang="en-US" altLang="ko-KR" sz="1400" dirty="0"/>
+              <a:t>-&gt; </a:t>
+            </a:r>
+            <a:r>
+              <a:rPr lang="ko-KR" altLang="en-US" sz="1400" dirty="0"/>
+              <a:t>몬스터나 총알에 맞았을 때 피격을 당했다는 정보를 체크할 수 있는 </a:t>
+            </a:r>
+            <a:r>
+              <a:rPr lang="ko-KR" altLang="en-US" sz="1400" dirty="0" err="1"/>
+              <a:t>콜라이더가</a:t>
+            </a:r>
+            <a:r>
+              <a:rPr lang="ko-KR" altLang="en-US" sz="1400" dirty="0"/>
+              <a:t> 존재해야 함</a:t>
+            </a:r>
+            <a:r>
+              <a:rPr lang="en-US" altLang="ko-KR" sz="1400" dirty="0"/>
+              <a:t>.</a:t>
+            </a:r>
+          </a:p>
+          <a:p>
+            <a:pPr marL="342900" indent="-342900">
+              <a:buAutoNum type="arabicPeriod"/>
+            </a:pPr>
+            <a:r>
+              <a:rPr lang="ko-KR" altLang="en-US" sz="1400" dirty="0"/>
+              <a:t>스킬</a:t>
+            </a:r>
+            <a:r>
+              <a:rPr lang="en-US" altLang="ko-KR" sz="1400" dirty="0"/>
+              <a:t>1 -&gt; </a:t>
+            </a:r>
+            <a:r>
+              <a:rPr lang="ko-KR" altLang="en-US" sz="1400" dirty="0"/>
+              <a:t>사용하면 </a:t>
+            </a:r>
+            <a:r>
+              <a:rPr lang="en-US" altLang="ko-KR" sz="1400" dirty="0"/>
+              <a:t>1</a:t>
+            </a:r>
+            <a:r>
+              <a:rPr lang="ko-KR" altLang="en-US" sz="1400" dirty="0"/>
+              <a:t>초간 이동속도가 소폭 증가한다</a:t>
+            </a:r>
+            <a:r>
+              <a:rPr lang="en-US" altLang="ko-KR" sz="1400" dirty="0"/>
+              <a:t>. 10</a:t>
+            </a:r>
+            <a:r>
+              <a:rPr lang="ko-KR" altLang="en-US" sz="1400" dirty="0"/>
+              <a:t>초의 쿨 타임을 가지고 있다</a:t>
+            </a:r>
+            <a:r>
+              <a:rPr lang="en-US" altLang="ko-KR" sz="1400" dirty="0"/>
+              <a:t>.</a:t>
+            </a:r>
+          </a:p>
+          <a:p>
+            <a:pPr marL="342900" indent="-342900">
+              <a:buAutoNum type="arabicPeriod"/>
+            </a:pPr>
+            <a:r>
+              <a:rPr lang="ko-KR" altLang="en-US" sz="1400" dirty="0"/>
+              <a:t>스킬</a:t>
+            </a:r>
+            <a:r>
+              <a:rPr lang="en-US" altLang="ko-KR" sz="1400" dirty="0"/>
+              <a:t>2 -&gt; </a:t>
+            </a:r>
+            <a:r>
+              <a:rPr lang="ko-KR" altLang="en-US" sz="1400" dirty="0"/>
+              <a:t>각각의 직업이 고유로 가지고 있는 스킬을 사용할 수 있다</a:t>
+            </a:r>
+            <a:r>
+              <a:rPr lang="en-US" altLang="ko-KR" sz="1400" dirty="0"/>
+              <a:t>.</a:t>
+            </a:r>
+          </a:p>
+          <a:p>
+            <a:pPr marL="342900" indent="-342900">
+              <a:buAutoNum type="arabicPeriod"/>
             </a:pPr>
             <a:endParaRPr lang="en-US" altLang="ko-KR" sz="1400" dirty="0"/>
-          </a:p>
-          <a:p>
-            <a:pPr marL="0" indent="0">
-              <a:buNone/>
-            </a:pPr>
-            <a:r>
-              <a:rPr lang="ko-KR" altLang="en-US" sz="1400" dirty="0"/>
-              <a:t>룸을 만든 사용자는 해당 룸의 인원수가 다 찼다면</a:t>
-            </a:r>
-            <a:r>
-              <a:rPr lang="en-US" altLang="ko-KR" sz="1400" dirty="0"/>
-              <a:t>, </a:t>
-            </a:r>
-            <a:r>
-              <a:rPr lang="ko-KR" altLang="en-US" sz="1400" dirty="0"/>
-              <a:t>게임 시작 버튼을 눌러 게임을 시작 할 수 있다</a:t>
-            </a:r>
-            <a:r>
-              <a:rPr lang="en-US" altLang="ko-KR" sz="1400" dirty="0"/>
-              <a:t>.</a:t>
-            </a:r>
-          </a:p>
-          <a:p>
-            <a:pPr marL="0" indent="0">
-              <a:buNone/>
-            </a:pPr>
-            <a:endParaRPr lang="en-US" altLang="ko-KR" sz="1400" dirty="0"/>
-          </a:p>
-          <a:p>
-            <a:pPr marL="0" indent="0">
-              <a:buNone/>
-            </a:pPr>
-            <a:r>
-              <a:rPr lang="ko-KR" altLang="en-US" sz="1400" dirty="0"/>
-              <a:t>추가되면 좋은 점</a:t>
-            </a:r>
-            <a:endParaRPr lang="en-US" altLang="ko-KR" sz="1400" dirty="0"/>
-          </a:p>
-          <a:p>
-            <a:pPr marL="0" indent="0">
-              <a:buNone/>
-            </a:pPr>
-            <a:r>
-              <a:rPr lang="en-US" altLang="ko-KR" sz="1400" dirty="0"/>
-              <a:t>1. </a:t>
-            </a:r>
-            <a:r>
-              <a:rPr lang="ko-KR" altLang="en-US" sz="1400" dirty="0"/>
-              <a:t>해당 룸에 이름이 표시되는 것이 아닌</a:t>
-            </a:r>
-            <a:r>
-              <a:rPr lang="en-US" altLang="ko-KR" sz="1400" dirty="0"/>
-              <a:t>, </a:t>
-            </a:r>
-            <a:r>
-              <a:rPr lang="ko-KR" altLang="en-US" sz="1400" dirty="0" err="1"/>
-              <a:t>어몽어스나</a:t>
-            </a:r>
-            <a:r>
-              <a:rPr lang="ko-KR" altLang="en-US" sz="1400" dirty="0"/>
-              <a:t> </a:t>
-            </a:r>
-            <a:r>
-              <a:rPr lang="ko-KR" altLang="en-US" sz="1400" dirty="0" err="1"/>
-              <a:t>구스구스덕과</a:t>
-            </a:r>
-            <a:r>
-              <a:rPr lang="ko-KR" altLang="en-US" sz="1400" dirty="0"/>
-              <a:t> 같은 게임같이 플레이어가 직접 움직일 수 있도록 하는 점</a:t>
-            </a:r>
-            <a:r>
-              <a:rPr lang="en-US" altLang="ko-KR" sz="1400" dirty="0"/>
-              <a:t>.</a:t>
-            </a:r>
-          </a:p>
-          <a:p>
-            <a:pPr marL="0" indent="0">
-              <a:buNone/>
-            </a:pPr>
-            <a:endParaRPr lang="en-US" altLang="ko-KR" sz="1400" dirty="0"/>
-          </a:p>
-          <a:p>
-            <a:pPr marL="0" indent="0">
-              <a:buNone/>
-            </a:pPr>
-            <a:r>
-              <a:rPr lang="en-US" altLang="ko-KR" sz="1400" dirty="0"/>
-              <a:t>2. </a:t>
-            </a:r>
-            <a:r>
-              <a:rPr lang="ko-KR" altLang="en-US" sz="1400" dirty="0"/>
-              <a:t>룸을 만든 사용자가 원하는 사용자를 룸에서 추방 시킬 수 있도록 하는 것</a:t>
-            </a:r>
-            <a:r>
-              <a:rPr lang="en-US" altLang="ko-KR" sz="1400" dirty="0"/>
-              <a:t>.</a:t>
-            </a:r>
-            <a:endParaRPr lang="ko-KR" altLang="en-US" sz="1400" dirty="0"/>
           </a:p>
         </p:txBody>
       </p:sp>
@@ -5950,8 +7383,8 @@
         </p:nvSpPr>
         <p:spPr>
           <a:xfrm>
-            <a:off x="8408095" y="5322167"/>
-            <a:ext cx="1502334" cy="369332"/>
+            <a:off x="8551601" y="5247447"/>
+            <a:ext cx="1963999" cy="369332"/>
           </a:xfrm>
           <a:prstGeom prst="rect">
             <a:avLst/>
@@ -5966,17 +7399,17 @@
           <a:p>
             <a:r>
               <a:rPr lang="ko-KR" altLang="en-US" dirty="0"/>
-              <a:t>예시 룸 사진</a:t>
+              <a:t>예시 캐릭터 모델</a:t>
             </a:r>
           </a:p>
         </p:txBody>
       </p:sp>
       <p:pic>
         <p:nvPicPr>
-          <p:cNvPr id="5" name="그림 4" descr="텍스트, 스크린샷, 전자제품, 소프트웨어이(가) 표시된 사진&#10;&#10;자동 생성된 설명">
-            <a:extLst>
-              <a:ext uri="{FF2B5EF4-FFF2-40B4-BE49-F238E27FC236}">
-                <a16:creationId xmlns:a16="http://schemas.microsoft.com/office/drawing/2014/main" id="{E97534B4-86E9-39B4-FE8A-903175B68F7C}"/>
+          <p:cNvPr id="6" name="그림 5">
+            <a:extLst>
+              <a:ext uri="{FF2B5EF4-FFF2-40B4-BE49-F238E27FC236}">
+                <a16:creationId xmlns:a16="http://schemas.microsoft.com/office/drawing/2014/main" id="{A3E3C23A-431F-2515-2E77-3056453FDEAF}"/>
               </a:ext>
             </a:extLst>
           </p:cNvPr>
@@ -5999,8 +7432,8 @@
         </p:blipFill>
         <p:spPr>
           <a:xfrm>
-            <a:off x="6149386" y="1474183"/>
-            <a:ext cx="5932943" cy="3699364"/>
+            <a:off x="7212845" y="1522949"/>
+            <a:ext cx="4641509" cy="3699678"/>
           </a:xfrm>
           <a:prstGeom prst="rect">
             <a:avLst/>
@@ -6010,7 +7443,7 @@
     </p:spTree>
     <p:extLst>
       <p:ext uri="{BB962C8B-B14F-4D97-AF65-F5344CB8AC3E}">
-        <p14:creationId xmlns:p14="http://schemas.microsoft.com/office/powerpoint/2010/main" val="350230562"/>
+        <p14:creationId xmlns:p14="http://schemas.microsoft.com/office/powerpoint/2010/main" val="422599104"/>
       </p:ext>
     </p:extLst>
   </p:cSld>
@@ -6065,19 +7498,11 @@
           <a:p>
             <a:r>
               <a:rPr lang="en-US" altLang="ko-KR" dirty="0"/>
-              <a:t>6. </a:t>
+              <a:t>5. </a:t>
             </a:r>
             <a:r>
               <a:rPr lang="ko-KR" altLang="en-US" dirty="0"/>
-              <a:t>총</a:t>
-            </a:r>
-            <a:r>
-              <a:rPr lang="en-US" altLang="ko-KR" dirty="0"/>
-              <a:t> &amp; </a:t>
-            </a:r>
-            <a:r>
-              <a:rPr lang="ko-KR" altLang="en-US" dirty="0"/>
-              <a:t>총알</a:t>
+              <a:t>폭탄 목걸이</a:t>
             </a:r>
           </a:p>
         </p:txBody>
@@ -6113,7 +7538,26 @@
             </a:pPr>
             <a:r>
               <a:rPr lang="ko-KR" altLang="en-US" sz="1400" dirty="0"/>
-              <a:t>룸에 접속하면 이미 해당 룸에 접속한 사용자들의 이름이 표시되어야 하며</a:t>
+              <a:t>폭탄 목걸이라는 용어로 지칭한다</a:t>
+            </a:r>
+            <a:r>
+              <a:rPr lang="en-US" altLang="ko-KR" sz="1400" dirty="0"/>
+              <a:t>.</a:t>
+            </a:r>
+          </a:p>
+          <a:p>
+            <a:pPr marL="0" indent="0">
+              <a:buNone/>
+            </a:pPr>
+            <a:endParaRPr lang="en-US" altLang="ko-KR" sz="1400" dirty="0"/>
+          </a:p>
+          <a:p>
+            <a:pPr marL="0" indent="0">
+              <a:buNone/>
+            </a:pPr>
+            <a:r>
+              <a:rPr lang="ko-KR" altLang="en-US" sz="1400" dirty="0"/>
+              <a:t>실제로 게임 제한 시간이라고 보면 되고</a:t>
             </a:r>
             <a:r>
               <a:rPr lang="en-US" altLang="ko-KR" sz="1400" dirty="0"/>
@@ -6121,7 +7565,15 @@
             </a:r>
             <a:r>
               <a:rPr lang="ko-KR" altLang="en-US" sz="1400" dirty="0"/>
-              <a:t>채팅창을 통해 소통 할 수 있어야 한다</a:t>
+              <a:t>각각의 캐릭터가</a:t>
+            </a:r>
+            <a:r>
+              <a:rPr lang="en-US" altLang="ko-KR" sz="1400" dirty="0"/>
+              <a:t> </a:t>
+            </a:r>
+            <a:r>
+              <a:rPr lang="ko-KR" altLang="en-US" sz="1400" dirty="0"/>
+              <a:t>가지고 있다</a:t>
             </a:r>
             <a:r>
               <a:rPr lang="en-US" altLang="ko-KR" sz="1400" dirty="0"/>
@@ -6132,9 +7584,35 @@
             <a:pPr marL="0" indent="0">
               <a:buNone/>
             </a:pPr>
-            <a:r>
-              <a:rPr lang="ko-KR" altLang="en-US" sz="1400" dirty="0"/>
-              <a:t>그리고 룸 나가기 버튼을 통해 로비로 되돌아 갈 수 있어야 한다</a:t>
+            <a:endParaRPr lang="en-US" altLang="ko-KR" sz="1400" dirty="0"/>
+          </a:p>
+          <a:p>
+            <a:pPr marL="0" indent="0">
+              <a:buNone/>
+            </a:pPr>
+            <a:r>
+              <a:rPr lang="en-US" altLang="ko-KR" sz="1400" dirty="0"/>
+              <a:t>240</a:t>
+            </a:r>
+            <a:r>
+              <a:rPr lang="ko-KR" altLang="en-US" sz="1400" dirty="0"/>
+              <a:t>초로 설정 되어있고</a:t>
+            </a:r>
+            <a:r>
+              <a:rPr lang="en-US" altLang="ko-KR" sz="1400" dirty="0"/>
+              <a:t>, </a:t>
+            </a:r>
+            <a:r>
+              <a:rPr lang="ko-KR" altLang="en-US" sz="1400" dirty="0"/>
+              <a:t>연구소 맵 후 필드 </a:t>
+            </a:r>
+            <a:r>
+              <a:rPr lang="ko-KR" altLang="en-US" sz="1400" dirty="0" err="1"/>
+              <a:t>맵으로</a:t>
+            </a:r>
+            <a:r>
+              <a:rPr lang="ko-KR" altLang="en-US" sz="1400" dirty="0"/>
+              <a:t> 들어서면 자동으로 델타 타임에 따라 줄어든다</a:t>
             </a:r>
             <a:r>
               <a:rPr lang="en-US" altLang="ko-KR" sz="1400" dirty="0"/>
@@ -6153,15 +7631,15 @@
             </a:pPr>
             <a:r>
               <a:rPr lang="ko-KR" altLang="en-US" sz="1400" dirty="0"/>
-              <a:t>룸을 만든 사용자는 해당 룸의 인원수가 다 찼다면</a:t>
-            </a:r>
-            <a:r>
-              <a:rPr lang="en-US" altLang="ko-KR" sz="1400" dirty="0"/>
-              <a:t>, </a:t>
-            </a:r>
-            <a:r>
-              <a:rPr lang="ko-KR" altLang="en-US" sz="1400" dirty="0"/>
-              <a:t>게임 시작 버튼을 눌러 게임을 시작 할 수 있다</a:t>
+              <a:t>이 시간은 총알에 피격되거나 몬스터에 피격되면 </a:t>
+            </a:r>
+            <a:r>
+              <a:rPr lang="en-US" altLang="ko-KR" sz="1400" dirty="0"/>
+              <a:t>30</a:t>
+            </a:r>
+            <a:r>
+              <a:rPr lang="ko-KR" altLang="en-US" sz="1400" dirty="0"/>
+              <a:t>초 줄어든다</a:t>
             </a:r>
             <a:r>
               <a:rPr lang="en-US" altLang="ko-KR" sz="1400" dirty="0"/>
@@ -6180,70 +7658,16 @@
             </a:pPr>
             <a:r>
               <a:rPr lang="ko-KR" altLang="en-US" sz="1400" dirty="0"/>
-              <a:t>추가되면 좋은 점</a:t>
-            </a:r>
-            <a:endParaRPr lang="en-US" altLang="ko-KR" sz="1400" dirty="0"/>
-          </a:p>
-          <a:p>
-            <a:pPr marL="0" indent="0">
-              <a:buNone/>
-            </a:pPr>
-            <a:r>
-              <a:rPr lang="en-US" altLang="ko-KR" sz="1400" dirty="0"/>
-              <a:t>1. </a:t>
-            </a:r>
-            <a:r>
-              <a:rPr lang="ko-KR" altLang="en-US" sz="1400" dirty="0"/>
-              <a:t>해당 룸에 이름이 표시되는 것이 아닌</a:t>
-            </a:r>
-            <a:r>
-              <a:rPr lang="en-US" altLang="ko-KR" sz="1400" dirty="0"/>
-              <a:t>, </a:t>
-            </a:r>
-            <a:r>
-              <a:rPr lang="ko-KR" altLang="en-US" sz="1400" dirty="0" err="1"/>
-              <a:t>어몽어스나</a:t>
-            </a:r>
-            <a:r>
-              <a:rPr lang="ko-KR" altLang="en-US" sz="1400" dirty="0"/>
-              <a:t> </a:t>
-            </a:r>
-            <a:r>
-              <a:rPr lang="ko-KR" altLang="en-US" sz="1400" dirty="0" err="1"/>
-              <a:t>구스구스덕과</a:t>
-            </a:r>
-            <a:r>
-              <a:rPr lang="ko-KR" altLang="en-US" sz="1400" dirty="0"/>
-              <a:t> 같은 게임같이 플레이어가 직접 움직일 수 있도록 하는 점</a:t>
-            </a:r>
-            <a:r>
-              <a:rPr lang="en-US" altLang="ko-KR" sz="1400" dirty="0"/>
-              <a:t>.</a:t>
-            </a:r>
-          </a:p>
-          <a:p>
-            <a:pPr marL="0" indent="0">
-              <a:buNone/>
-            </a:pPr>
-            <a:endParaRPr lang="en-US" altLang="ko-KR" sz="1400" dirty="0"/>
-          </a:p>
-          <a:p>
-            <a:pPr marL="0" indent="0">
-              <a:buNone/>
-            </a:pPr>
-            <a:r>
-              <a:rPr lang="en-US" altLang="ko-KR" sz="1400" dirty="0"/>
-              <a:t>2. </a:t>
-            </a:r>
-            <a:r>
-              <a:rPr lang="ko-KR" altLang="en-US" sz="1400" dirty="0"/>
-              <a:t>룸을 만든 사용자가 원하는 사용자를 룸에서 추방 시킬 수 있도록 하는 것</a:t>
-            </a:r>
-            <a:r>
-              <a:rPr lang="en-US" altLang="ko-KR" sz="1400" dirty="0"/>
-              <a:t>.</a:t>
-            </a:r>
-            <a:endParaRPr lang="ko-KR" altLang="en-US" sz="1400" dirty="0"/>
+              <a:t>시간을 늘리거나 추가할 방법은 존재하지 않는다</a:t>
+            </a:r>
+            <a:r>
+              <a:rPr lang="en-US" altLang="ko-KR" sz="1400" dirty="0"/>
+              <a:t>. </a:t>
+            </a:r>
+            <a:r>
+              <a:rPr lang="ko-KR" altLang="en-US" sz="1400" dirty="0"/>
+              <a:t>열쇠를 통해서만 가능하도록 할 예정</a:t>
+            </a:r>
           </a:p>
         </p:txBody>
       </p:sp>
@@ -6261,8 +7685,8 @@
         </p:nvSpPr>
         <p:spPr>
           <a:xfrm>
-            <a:off x="8408095" y="5322167"/>
-            <a:ext cx="1502334" cy="369332"/>
+            <a:off x="8215750" y="3963267"/>
+            <a:ext cx="1189749" cy="369332"/>
           </a:xfrm>
           <a:prstGeom prst="rect">
             <a:avLst/>
@@ -6277,17 +7701,17 @@
           <a:p>
             <a:r>
               <a:rPr lang="ko-KR" altLang="en-US" dirty="0"/>
-              <a:t>예시 룸 사진</a:t>
+              <a:t>예시 사진</a:t>
             </a:r>
           </a:p>
         </p:txBody>
       </p:sp>
       <p:pic>
         <p:nvPicPr>
-          <p:cNvPr id="5" name="그림 4" descr="텍스트, 스크린샷, 전자제품, 소프트웨어이(가) 표시된 사진&#10;&#10;자동 생성된 설명">
-            <a:extLst>
-              <a:ext uri="{FF2B5EF4-FFF2-40B4-BE49-F238E27FC236}">
-                <a16:creationId xmlns:a16="http://schemas.microsoft.com/office/drawing/2014/main" id="{E97534B4-86E9-39B4-FE8A-903175B68F7C}"/>
+          <p:cNvPr id="6" name="그림 5" descr="텍스트, 스크린샷, 노랑, 게임이(가) 표시된 사진&#10;&#10;자동 생성된 설명">
+            <a:extLst>
+              <a:ext uri="{FF2B5EF4-FFF2-40B4-BE49-F238E27FC236}">
+                <a16:creationId xmlns:a16="http://schemas.microsoft.com/office/drawing/2014/main" id="{F42A43FA-48B8-3CA3-ED3A-372558EC7EB3}"/>
               </a:ext>
             </a:extLst>
           </p:cNvPr>
@@ -6296,7 +7720,7 @@
           </p:cNvPicPr>
           <p:nvPr/>
         </p:nvPicPr>
-        <p:blipFill>
+        <p:blipFill rotWithShape="1">
           <a:blip r:embed="rId2">
             <a:extLst>
               <a:ext uri="{28A0092B-C50C-407E-A947-70E740481C1C}">
@@ -6304,14 +7728,13 @@
               </a:ext>
             </a:extLst>
           </a:blip>
-          <a:stretch>
-            <a:fillRect/>
-          </a:stretch>
+          <a:srcRect b="88890"/>
+          <a:stretch/>
         </p:blipFill>
         <p:spPr>
           <a:xfrm>
-            <a:off x="6149386" y="1474183"/>
-            <a:ext cx="5932943" cy="3699364"/>
+            <a:off x="6096000" y="3429000"/>
+            <a:ext cx="5429250" cy="369333"/>
           </a:xfrm>
           <a:prstGeom prst="rect">
             <a:avLst/>
@@ -6321,7 +7744,7 @@
     </p:spTree>
     <p:extLst>
       <p:ext uri="{BB962C8B-B14F-4D97-AF65-F5344CB8AC3E}">
-        <p14:creationId xmlns:p14="http://schemas.microsoft.com/office/powerpoint/2010/main" val="2110312379"/>
+        <p14:creationId xmlns:p14="http://schemas.microsoft.com/office/powerpoint/2010/main" val="249916120"/>
       </p:ext>
     </p:extLst>
   </p:cSld>
@@ -6376,11 +7799,19 @@
           <a:p>
             <a:r>
               <a:rPr lang="en-US" altLang="ko-KR" dirty="0"/>
-              <a:t>4. </a:t>
+              <a:t>6. </a:t>
             </a:r>
             <a:r>
               <a:rPr lang="ko-KR" altLang="en-US" dirty="0"/>
-              <a:t>폭탄 목걸이</a:t>
+              <a:t>총</a:t>
+            </a:r>
+            <a:r>
+              <a:rPr lang="en-US" altLang="ko-KR" dirty="0"/>
+              <a:t> &amp; </a:t>
+            </a:r>
+            <a:r>
+              <a:rPr lang="ko-KR" altLang="en-US" dirty="0"/>
+              <a:t>총알</a:t>
             </a:r>
           </a:p>
         </p:txBody>
@@ -6404,7 +7835,7 @@
         <p:spPr>
           <a:xfrm>
             <a:off x="109671" y="1769944"/>
-            <a:ext cx="5564736" cy="3921555"/>
+            <a:ext cx="5564736" cy="4748302"/>
           </a:xfrm>
         </p:spPr>
         <p:txBody>
@@ -6416,7 +7847,34 @@
             </a:pPr>
             <a:r>
               <a:rPr lang="ko-KR" altLang="en-US" sz="1400" dirty="0"/>
-              <a:t>룸에 접속하면 이미 해당 룸에 접속한 사용자들의 이름이 표시되어야 하며</a:t>
+              <a:t>총은 캐릭터 손에 들려져 있다</a:t>
+            </a:r>
+            <a:r>
+              <a:rPr lang="en-US" altLang="ko-KR" sz="1400" dirty="0"/>
+              <a:t>.</a:t>
+            </a:r>
+            <a:r>
+              <a:rPr lang="ko-KR" altLang="en-US" sz="1400" dirty="0"/>
+              <a:t> 따로 꺼내거나 넣는 키는 존재하지 않는다</a:t>
+            </a:r>
+            <a:r>
+              <a:rPr lang="en-US" altLang="ko-KR" sz="1400" dirty="0"/>
+              <a:t>.</a:t>
+            </a:r>
+          </a:p>
+          <a:p>
+            <a:pPr marL="0" indent="0">
+              <a:buNone/>
+            </a:pPr>
+            <a:endParaRPr lang="en-US" altLang="ko-KR" sz="1400" dirty="0"/>
+          </a:p>
+          <a:p>
+            <a:pPr marL="0" indent="0">
+              <a:buNone/>
+            </a:pPr>
+            <a:r>
+              <a:rPr lang="ko-KR" altLang="en-US" sz="1400" dirty="0"/>
+              <a:t>총알을 상자에서 획득한 후</a:t>
             </a:r>
             <a:r>
               <a:rPr lang="en-US" altLang="ko-KR" sz="1400" dirty="0"/>
@@ -6424,7 +7882,15 @@
             </a:r>
             <a:r>
               <a:rPr lang="ko-KR" altLang="en-US" sz="1400" dirty="0"/>
-              <a:t>채팅창을 통해 소통 할 수 있어야 한다</a:t>
+              <a:t>마우스 왼쪽 클릭을 통해 발사 할 수 있다</a:t>
+            </a:r>
+            <a:r>
+              <a:rPr lang="en-US" altLang="ko-KR" sz="1400" dirty="0"/>
+              <a:t>. </a:t>
+            </a:r>
+            <a:r>
+              <a:rPr lang="ko-KR" altLang="en-US" sz="1400" dirty="0"/>
+              <a:t>총알을 발사하면 총알이 소모된다</a:t>
             </a:r>
             <a:r>
               <a:rPr lang="en-US" altLang="ko-KR" sz="1400" dirty="0"/>
@@ -6435,9 +7901,23 @@
             <a:pPr marL="0" indent="0">
               <a:buNone/>
             </a:pPr>
-            <a:r>
-              <a:rPr lang="ko-KR" altLang="en-US" sz="1400" dirty="0"/>
-              <a:t>그리고 룸 나가기 버튼을 통해 로비로 되돌아 갈 수 있어야 한다</a:t>
+            <a:endParaRPr lang="en-US" altLang="ko-KR" sz="1400" dirty="0"/>
+          </a:p>
+          <a:p>
+            <a:pPr marL="0" indent="0">
+              <a:buNone/>
+            </a:pPr>
+            <a:r>
+              <a:rPr lang="ko-KR" altLang="en-US" sz="1400" dirty="0"/>
+              <a:t>총알은 마우스 포인터 방향으로 발사되며</a:t>
+            </a:r>
+            <a:r>
+              <a:rPr lang="en-US" altLang="ko-KR" sz="1400" dirty="0"/>
+              <a:t>, 2</a:t>
+            </a:r>
+            <a:r>
+              <a:rPr lang="ko-KR" altLang="en-US" sz="1400" dirty="0"/>
+              <a:t>초 후 파괴된다</a:t>
             </a:r>
             <a:r>
               <a:rPr lang="en-US" altLang="ko-KR" sz="1400" dirty="0"/>
@@ -6456,15 +7936,23 @@
             </a:pPr>
             <a:r>
               <a:rPr lang="ko-KR" altLang="en-US" sz="1400" dirty="0"/>
-              <a:t>룸을 만든 사용자는 해당 룸의 인원수가 다 찼다면</a:t>
-            </a:r>
-            <a:r>
-              <a:rPr lang="en-US" altLang="ko-KR" sz="1400" dirty="0"/>
-              <a:t>, </a:t>
-            </a:r>
-            <a:r>
-              <a:rPr lang="ko-KR" altLang="en-US" sz="1400" dirty="0"/>
-              <a:t>게임 시작 버튼을 눌러 게임을 시작 할 수 있다</a:t>
+              <a:t>캐릭터가 총알에 충돌하면 폭탄 목걸이 시간 </a:t>
+            </a:r>
+            <a:r>
+              <a:rPr lang="en-US" altLang="ko-KR" sz="1400" dirty="0"/>
+              <a:t>30</a:t>
+            </a:r>
+            <a:r>
+              <a:rPr lang="ko-KR" altLang="en-US" sz="1400" dirty="0"/>
+              <a:t>초와 </a:t>
+            </a:r>
+            <a:r>
+              <a:rPr lang="en-US" altLang="ko-KR" sz="1400" dirty="0"/>
+              <a:t>HP 1</a:t>
+            </a:r>
+            <a:r>
+              <a:rPr lang="ko-KR" altLang="en-US" sz="1400" dirty="0"/>
+              <a:t>칸을 잃게 된다</a:t>
             </a:r>
             <a:r>
               <a:rPr lang="en-US" altLang="ko-KR" sz="1400" dirty="0"/>
@@ -6481,72 +7969,13 @@
             <a:pPr marL="0" indent="0">
               <a:buNone/>
             </a:pPr>
-            <a:r>
-              <a:rPr lang="ko-KR" altLang="en-US" sz="1400" dirty="0"/>
-              <a:t>추가되면 좋은 점</a:t>
-            </a:r>
             <a:endParaRPr lang="en-US" altLang="ko-KR" sz="1400" dirty="0"/>
           </a:p>
           <a:p>
             <a:pPr marL="0" indent="0">
               <a:buNone/>
             </a:pPr>
-            <a:r>
-              <a:rPr lang="en-US" altLang="ko-KR" sz="1400" dirty="0"/>
-              <a:t>1. </a:t>
-            </a:r>
-            <a:r>
-              <a:rPr lang="ko-KR" altLang="en-US" sz="1400" dirty="0"/>
-              <a:t>해당 룸에 이름이 표시되는 것이 아닌</a:t>
-            </a:r>
-            <a:r>
-              <a:rPr lang="en-US" altLang="ko-KR" sz="1400" dirty="0"/>
-              <a:t>, </a:t>
-            </a:r>
-            <a:r>
-              <a:rPr lang="ko-KR" altLang="en-US" sz="1400" dirty="0" err="1"/>
-              <a:t>어몽어스나</a:t>
-            </a:r>
-            <a:r>
-              <a:rPr lang="ko-KR" altLang="en-US" sz="1400" dirty="0"/>
-              <a:t> </a:t>
-            </a:r>
-            <a:r>
-              <a:rPr lang="ko-KR" altLang="en-US" sz="1400" dirty="0" err="1"/>
-              <a:t>구스구스덕과</a:t>
-            </a:r>
-            <a:r>
-              <a:rPr lang="ko-KR" altLang="en-US" sz="1400" dirty="0"/>
-              <a:t> 같은 게임같이 플레이어가 직접 움직일 수 있도록 하는 점</a:t>
-            </a:r>
-            <a:r>
-              <a:rPr lang="en-US" altLang="ko-KR" sz="1400" dirty="0"/>
-              <a:t>.</a:t>
-            </a:r>
-          </a:p>
-          <a:p>
-            <a:pPr marL="0" indent="0">
-              <a:buNone/>
-            </a:pPr>
             <a:endParaRPr lang="en-US" altLang="ko-KR" sz="1400" dirty="0"/>
-          </a:p>
-          <a:p>
-            <a:pPr marL="0" indent="0">
-              <a:buNone/>
-            </a:pPr>
-            <a:r>
-              <a:rPr lang="en-US" altLang="ko-KR" sz="1400" dirty="0"/>
-              <a:t>2. </a:t>
-            </a:r>
-            <a:r>
-              <a:rPr lang="ko-KR" altLang="en-US" sz="1400" dirty="0"/>
-              <a:t>룸을 만든 사용자가 원하는 사용자를 룸에서 추방 시킬 수 있도록 하는 것</a:t>
-            </a:r>
-            <a:r>
-              <a:rPr lang="en-US" altLang="ko-KR" sz="1400" dirty="0"/>
-              <a:t>.</a:t>
-            </a:r>
-            <a:endParaRPr lang="ko-KR" altLang="en-US" sz="1400" dirty="0"/>
           </a:p>
         </p:txBody>
       </p:sp>
@@ -6564,8 +7993,8 @@
         </p:nvSpPr>
         <p:spPr>
           <a:xfrm>
-            <a:off x="8408095" y="5322167"/>
-            <a:ext cx="1502334" cy="369332"/>
+            <a:off x="8535094" y="4500562"/>
+            <a:ext cx="1497906" cy="369332"/>
           </a:xfrm>
           <a:prstGeom prst="rect">
             <a:avLst/>
@@ -6573,24 +8002,24 @@
           <a:noFill/>
         </p:spPr>
         <p:txBody>
-          <a:bodyPr wrap="none" rtlCol="0">
+          <a:bodyPr wrap="square" rtlCol="0">
             <a:spAutoFit/>
           </a:bodyPr>
           <a:lstStyle/>
           <a:p>
             <a:r>
               <a:rPr lang="ko-KR" altLang="en-US" dirty="0"/>
-              <a:t>예시 룸 사진</a:t>
+              <a:t>예시 총 사진</a:t>
             </a:r>
           </a:p>
         </p:txBody>
       </p:sp>
       <p:pic>
         <p:nvPicPr>
-          <p:cNvPr id="5" name="그림 4" descr="텍스트, 스크린샷, 전자제품, 소프트웨어이(가) 표시된 사진&#10;&#10;자동 생성된 설명">
-            <a:extLst>
-              <a:ext uri="{FF2B5EF4-FFF2-40B4-BE49-F238E27FC236}">
-                <a16:creationId xmlns:a16="http://schemas.microsoft.com/office/drawing/2014/main" id="{E97534B4-86E9-39B4-FE8A-903175B68F7C}"/>
+          <p:cNvPr id="6" name="그림 5" descr="무기이(가) 표시된 사진&#10;&#10;자동 생성된 설명">
+            <a:extLst>
+              <a:ext uri="{FF2B5EF4-FFF2-40B4-BE49-F238E27FC236}">
+                <a16:creationId xmlns:a16="http://schemas.microsoft.com/office/drawing/2014/main" id="{9C03BD04-00B6-03AA-4229-8561DEBD17E1}"/>
               </a:ext>
             </a:extLst>
           </p:cNvPr>
@@ -6613,8 +8042,8 @@
         </p:blipFill>
         <p:spPr>
           <a:xfrm>
-            <a:off x="6149386" y="1474183"/>
-            <a:ext cx="5932943" cy="3699364"/>
+            <a:off x="7963874" y="2586037"/>
+            <a:ext cx="2390775" cy="1914525"/>
           </a:xfrm>
           <a:prstGeom prst="rect">
             <a:avLst/>
@@ -6624,7 +8053,7 @@
     </p:spTree>
     <p:extLst>
       <p:ext uri="{BB962C8B-B14F-4D97-AF65-F5344CB8AC3E}">
-        <p14:creationId xmlns:p14="http://schemas.microsoft.com/office/powerpoint/2010/main" val="249916120"/>
+        <p14:creationId xmlns:p14="http://schemas.microsoft.com/office/powerpoint/2010/main" val="2110312379"/>
       </p:ext>
     </p:extLst>
   </p:cSld>
@@ -6679,11 +8108,11 @@
           <a:p>
             <a:r>
               <a:rPr lang="en-US" altLang="ko-KR" dirty="0"/>
-              <a:t>5. </a:t>
+              <a:t>7. </a:t>
             </a:r>
             <a:r>
               <a:rPr lang="ko-KR" altLang="en-US" dirty="0"/>
-              <a:t>상자</a:t>
+              <a:t>연구소</a:t>
             </a:r>
           </a:p>
         </p:txBody>
@@ -6707,7 +8136,7 @@
         <p:spPr>
           <a:xfrm>
             <a:off x="109671" y="1769944"/>
-            <a:ext cx="5564736" cy="3921555"/>
+            <a:ext cx="5564736" cy="4840581"/>
           </a:xfrm>
         </p:spPr>
         <p:txBody>
@@ -6719,7 +8148,93 @@
             </a:pPr>
             <a:r>
               <a:rPr lang="ko-KR" altLang="en-US" sz="1400" dirty="0"/>
-              <a:t>룸에 접속하면 이미 해당 룸에 접속한 사용자들의 이름이 표시되어야 하며</a:t>
+              <a:t>해당 </a:t>
+            </a:r>
+            <a:r>
+              <a:rPr lang="ko-KR" altLang="en-US" sz="1400" dirty="0" err="1"/>
+              <a:t>맵은</a:t>
+            </a:r>
+            <a:r>
+              <a:rPr lang="ko-KR" altLang="en-US" sz="1400" dirty="0"/>
+              <a:t> </a:t>
+            </a:r>
+            <a:r>
+              <a:rPr lang="en-US" altLang="ko-KR" sz="1400" dirty="0"/>
+              <a:t>60</a:t>
+            </a:r>
+            <a:r>
+              <a:rPr lang="ko-KR" altLang="en-US" sz="1400" dirty="0"/>
+              <a:t>초 시간 제한이 존재하며</a:t>
+            </a:r>
+            <a:r>
+              <a:rPr lang="en-US" altLang="ko-KR" sz="1400" dirty="0"/>
+              <a:t>, 60</a:t>
+            </a:r>
+            <a:r>
+              <a:rPr lang="ko-KR" altLang="en-US" sz="1400" dirty="0"/>
+              <a:t>초 시간이 지나면 다음 </a:t>
+            </a:r>
+            <a:r>
+              <a:rPr lang="ko-KR" altLang="en-US" sz="1400" dirty="0" err="1"/>
+              <a:t>맵으로</a:t>
+            </a:r>
+            <a:r>
+              <a:rPr lang="ko-KR" altLang="en-US" sz="1400" dirty="0"/>
+              <a:t> 이동한다</a:t>
+            </a:r>
+            <a:r>
+              <a:rPr lang="en-US" altLang="ko-KR" sz="1400" dirty="0"/>
+              <a:t>.</a:t>
+            </a:r>
+          </a:p>
+          <a:p>
+            <a:pPr marL="0" indent="0">
+              <a:buNone/>
+            </a:pPr>
+            <a:endParaRPr lang="en-US" altLang="ko-KR" sz="1400" dirty="0"/>
+          </a:p>
+          <a:p>
+            <a:pPr marL="0" indent="0">
+              <a:buNone/>
+            </a:pPr>
+            <a:r>
+              <a:rPr lang="ko-KR" altLang="en-US" sz="1400" dirty="0"/>
+              <a:t>룸에서 게임 시작 후 해당 </a:t>
+            </a:r>
+            <a:r>
+              <a:rPr lang="ko-KR" altLang="en-US" sz="1400" dirty="0" err="1"/>
+              <a:t>맵으로</a:t>
+            </a:r>
+            <a:r>
+              <a:rPr lang="ko-KR" altLang="en-US" sz="1400" dirty="0"/>
+              <a:t> 이동된다</a:t>
+            </a:r>
+            <a:r>
+              <a:rPr lang="en-US" altLang="ko-KR" sz="1400" dirty="0"/>
+              <a:t>.</a:t>
+            </a:r>
+          </a:p>
+          <a:p>
+            <a:pPr marL="0" indent="0">
+              <a:buNone/>
+            </a:pPr>
+            <a:endParaRPr lang="en-US" altLang="ko-KR" sz="1400" dirty="0"/>
+          </a:p>
+          <a:p>
+            <a:pPr marL="0" indent="0">
+              <a:buNone/>
+            </a:pPr>
+            <a:r>
+              <a:rPr lang="ko-KR" altLang="en-US" sz="1400" dirty="0"/>
+              <a:t>연구소 </a:t>
+            </a:r>
+            <a:r>
+              <a:rPr lang="ko-KR" altLang="en-US" sz="1400" dirty="0" err="1"/>
+              <a:t>맵은</a:t>
+            </a:r>
+            <a:r>
+              <a:rPr lang="ko-KR" altLang="en-US" sz="1400" dirty="0"/>
+              <a:t> 직업을 결정 할 수 있는 아이템들이 존재하며</a:t>
             </a:r>
             <a:r>
               <a:rPr lang="en-US" altLang="ko-KR" sz="1400" dirty="0"/>
@@ -6727,7 +8242,47 @@
             </a:r>
             <a:r>
               <a:rPr lang="ko-KR" altLang="en-US" sz="1400" dirty="0"/>
-              <a:t>채팅창을 통해 소통 할 수 있어야 한다</a:t>
+              <a:t>해당 </a:t>
+            </a:r>
+            <a:r>
+              <a:rPr lang="ko-KR" altLang="en-US" sz="1400" dirty="0" err="1"/>
+              <a:t>맵에서</a:t>
+            </a:r>
+            <a:r>
+              <a:rPr lang="ko-KR" altLang="en-US" sz="1400" dirty="0"/>
+              <a:t> 아이템을 먹은 후 </a:t>
+            </a:r>
+            <a:r>
+              <a:rPr lang="en-US" altLang="ko-KR" sz="1400" dirty="0"/>
+              <a:t>60</a:t>
+            </a:r>
+            <a:r>
+              <a:rPr lang="ko-KR" altLang="en-US" sz="1400" dirty="0"/>
+              <a:t>초 시간이 지나면 자동으로 해당 직업으로 전직한다</a:t>
+            </a:r>
+            <a:r>
+              <a:rPr lang="en-US" altLang="ko-KR" sz="1400" dirty="0"/>
+              <a:t>. </a:t>
+            </a:r>
+            <a:r>
+              <a:rPr lang="ko-KR" altLang="en-US" sz="1400" dirty="0"/>
+              <a:t>해당 </a:t>
+            </a:r>
+            <a:r>
+              <a:rPr lang="ko-KR" altLang="en-US" sz="1400" dirty="0" err="1"/>
+              <a:t>맵에서</a:t>
+            </a:r>
+            <a:r>
+              <a:rPr lang="ko-KR" altLang="en-US" sz="1400" dirty="0"/>
+              <a:t> 전직 아이템을 먹지 못하면 직업을 얻지 못한 채로 시작한다</a:t>
+            </a:r>
+            <a:r>
+              <a:rPr lang="en-US" altLang="ko-KR" sz="1400" dirty="0"/>
+              <a:t>. </a:t>
+            </a:r>
+            <a:r>
+              <a:rPr lang="ko-KR" altLang="en-US" sz="1400" dirty="0"/>
+              <a:t>직업 아이템을 먹으면 다른 직업 아이템을 먹지 못한다</a:t>
             </a:r>
             <a:r>
               <a:rPr lang="en-US" altLang="ko-KR" sz="1400" dirty="0"/>
@@ -6738,9 +8293,27 @@
             <a:pPr marL="0" indent="0">
               <a:buNone/>
             </a:pPr>
-            <a:r>
-              <a:rPr lang="ko-KR" altLang="en-US" sz="1400" dirty="0"/>
-              <a:t>그리고 룸 나가기 버튼을 통해 로비로 되돌아 갈 수 있어야 한다</a:t>
+            <a:endParaRPr lang="en-US" altLang="ko-KR" sz="1400" dirty="0"/>
+          </a:p>
+          <a:p>
+            <a:pPr marL="0" indent="0">
+              <a:buNone/>
+            </a:pPr>
+            <a:r>
+              <a:rPr lang="ko-KR" altLang="en-US" sz="1400" dirty="0"/>
+              <a:t>캐릭터는 </a:t>
+            </a:r>
+            <a:r>
+              <a:rPr lang="en-US" altLang="ko-KR" sz="1400" dirty="0"/>
+              <a:t>3</a:t>
+            </a:r>
+            <a:r>
+              <a:rPr lang="ko-KR" altLang="en-US" sz="1400" dirty="0"/>
+              <a:t>곳의 지정된 위치에서 각각 </a:t>
+            </a:r>
+            <a:r>
+              <a:rPr lang="ko-KR" altLang="en-US" sz="1400" dirty="0" err="1"/>
+              <a:t>스폰된다</a:t>
             </a:r>
             <a:r>
               <a:rPr lang="en-US" altLang="ko-KR" sz="1400" dirty="0"/>
@@ -6759,15 +8332,7 @@
             </a:pPr>
             <a:r>
               <a:rPr lang="ko-KR" altLang="en-US" sz="1400" dirty="0"/>
-              <a:t>룸을 만든 사용자는 해당 룸의 인원수가 다 찼다면</a:t>
-            </a:r>
-            <a:r>
-              <a:rPr lang="en-US" altLang="ko-KR" sz="1400" dirty="0"/>
-              <a:t>, </a:t>
-            </a:r>
-            <a:r>
-              <a:rPr lang="ko-KR" altLang="en-US" sz="1400" dirty="0"/>
-              <a:t>게임 시작 버튼을 눌러 게임을 시작 할 수 있다</a:t>
+              <a:t>사용자는 직업 아이템을 먹는 것 외에는 다른 행동은 할 수 없다</a:t>
             </a:r>
             <a:r>
               <a:rPr lang="en-US" altLang="ko-KR" sz="1400" dirty="0"/>
@@ -6784,146 +8349,10 @@
             <a:pPr marL="0" indent="0">
               <a:buNone/>
             </a:pPr>
-            <a:r>
-              <a:rPr lang="ko-KR" altLang="en-US" sz="1400" dirty="0"/>
-              <a:t>추가되면 좋은 점</a:t>
-            </a:r>
             <a:endParaRPr lang="en-US" altLang="ko-KR" sz="1400" dirty="0"/>
           </a:p>
-          <a:p>
-            <a:pPr marL="0" indent="0">
-              <a:buNone/>
-            </a:pPr>
-            <a:r>
-              <a:rPr lang="en-US" altLang="ko-KR" sz="1400" dirty="0"/>
-              <a:t>1. </a:t>
-            </a:r>
-            <a:r>
-              <a:rPr lang="ko-KR" altLang="en-US" sz="1400" dirty="0"/>
-              <a:t>해당 룸에 이름이 표시되는 것이 아닌</a:t>
-            </a:r>
-            <a:r>
-              <a:rPr lang="en-US" altLang="ko-KR" sz="1400" dirty="0"/>
-              <a:t>, </a:t>
-            </a:r>
-            <a:r>
-              <a:rPr lang="ko-KR" altLang="en-US" sz="1400" dirty="0" err="1"/>
-              <a:t>어몽어스나</a:t>
-            </a:r>
-            <a:r>
-              <a:rPr lang="ko-KR" altLang="en-US" sz="1400" dirty="0"/>
-              <a:t> </a:t>
-            </a:r>
-            <a:r>
-              <a:rPr lang="ko-KR" altLang="en-US" sz="1400" dirty="0" err="1"/>
-              <a:t>구스구스덕과</a:t>
-            </a:r>
-            <a:r>
-              <a:rPr lang="ko-KR" altLang="en-US" sz="1400" dirty="0"/>
-              <a:t> 같은 게임같이 플레이어가 직접 움직일 수 있도록 하는 점</a:t>
-            </a:r>
-            <a:r>
-              <a:rPr lang="en-US" altLang="ko-KR" sz="1400" dirty="0"/>
-              <a:t>.</a:t>
-            </a:r>
-          </a:p>
-          <a:p>
-            <a:pPr marL="0" indent="0">
-              <a:buNone/>
-            </a:pPr>
-            <a:endParaRPr lang="en-US" altLang="ko-KR" sz="1400" dirty="0"/>
-          </a:p>
-          <a:p>
-            <a:pPr marL="0" indent="0">
-              <a:buNone/>
-            </a:pPr>
-            <a:r>
-              <a:rPr lang="en-US" altLang="ko-KR" sz="1400" dirty="0"/>
-              <a:t>2. </a:t>
-            </a:r>
-            <a:r>
-              <a:rPr lang="ko-KR" altLang="en-US" sz="1400" dirty="0"/>
-              <a:t>룸을 만든 사용자가 원하는 사용자를 룸에서 추방 시킬 수 있도록 하는 것</a:t>
-            </a:r>
-            <a:r>
-              <a:rPr lang="en-US" altLang="ko-KR" sz="1400" dirty="0"/>
-              <a:t>.</a:t>
-            </a:r>
-            <a:endParaRPr lang="ko-KR" altLang="en-US" sz="1400" dirty="0"/>
-          </a:p>
-        </p:txBody>
-      </p:sp>
-      <p:sp>
-        <p:nvSpPr>
-          <p:cNvPr id="8" name="TextBox 7">
-            <a:extLst>
-              <a:ext uri="{FF2B5EF4-FFF2-40B4-BE49-F238E27FC236}">
-                <a16:creationId xmlns:a16="http://schemas.microsoft.com/office/drawing/2014/main" id="{7EAE613D-453D-7250-2652-348D983C3735}"/>
-              </a:ext>
-            </a:extLst>
-          </p:cNvPr>
-          <p:cNvSpPr txBox="1"/>
-          <p:nvPr/>
-        </p:nvSpPr>
-        <p:spPr>
-          <a:xfrm>
-            <a:off x="8408095" y="5322167"/>
-            <a:ext cx="1502334" cy="369332"/>
-          </a:xfrm>
-          <a:prstGeom prst="rect">
-            <a:avLst/>
-          </a:prstGeom>
-          <a:noFill/>
-        </p:spPr>
-        <p:txBody>
-          <a:bodyPr wrap="none" rtlCol="0">
-            <a:spAutoFit/>
-          </a:bodyPr>
-          <a:lstStyle/>
-          <a:p>
-            <a:r>
-              <a:rPr lang="ko-KR" altLang="en-US" dirty="0"/>
-              <a:t>예시 룸 사진</a:t>
-            </a:r>
-          </a:p>
-        </p:txBody>
-      </p:sp>
-      <p:pic>
-        <p:nvPicPr>
-          <p:cNvPr id="5" name="그림 4" descr="텍스트, 스크린샷, 전자제품, 소프트웨어이(가) 표시된 사진&#10;&#10;자동 생성된 설명">
-            <a:extLst>
-              <a:ext uri="{FF2B5EF4-FFF2-40B4-BE49-F238E27FC236}">
-                <a16:creationId xmlns:a16="http://schemas.microsoft.com/office/drawing/2014/main" id="{E97534B4-86E9-39B4-FE8A-903175B68F7C}"/>
-              </a:ext>
-            </a:extLst>
-          </p:cNvPr>
-          <p:cNvPicPr>
-            <a:picLocks noChangeAspect="1"/>
-          </p:cNvPicPr>
-          <p:nvPr/>
-        </p:nvPicPr>
-        <p:blipFill>
-          <a:blip r:embed="rId2">
-            <a:extLst>
-              <a:ext uri="{28A0092B-C50C-407E-A947-70E740481C1C}">
-                <a14:useLocalDpi xmlns:a14="http://schemas.microsoft.com/office/drawing/2010/main" val="0"/>
-              </a:ext>
-            </a:extLst>
-          </a:blip>
-          <a:stretch>
-            <a:fillRect/>
-          </a:stretch>
-        </p:blipFill>
-        <p:spPr>
-          <a:xfrm>
-            <a:off x="6149386" y="1474183"/>
-            <a:ext cx="5932943" cy="3699364"/>
-          </a:xfrm>
-          <a:prstGeom prst="rect">
-            <a:avLst/>
-          </a:prstGeom>
-        </p:spPr>
-      </p:pic>
+        </p:txBody>
+      </p:sp>
     </p:spTree>
     <p:extLst>
       <p:ext uri="{BB962C8B-B14F-4D97-AF65-F5344CB8AC3E}">
@@ -6982,11 +8411,11 @@
           <a:p>
             <a:r>
               <a:rPr lang="en-US" altLang="ko-KR" dirty="0"/>
-              <a:t>6. </a:t>
+              <a:t>8. </a:t>
             </a:r>
             <a:r>
               <a:rPr lang="ko-KR" altLang="en-US" dirty="0"/>
-              <a:t>미니 게임</a:t>
+              <a:t>필드</a:t>
             </a:r>
           </a:p>
         </p:txBody>
@@ -7022,7 +8451,15 @@
             </a:pPr>
             <a:r>
               <a:rPr lang="ko-KR" altLang="en-US" sz="1400" dirty="0"/>
-              <a:t>룸에 접속하면 이미 해당 룸에 접속한 사용자들의 이름이 표시되어야 하며</a:t>
+              <a:t>연구소에서 </a:t>
+            </a:r>
+            <a:r>
+              <a:rPr lang="en-US" altLang="ko-KR" sz="1400" dirty="0"/>
+              <a:t>60</a:t>
+            </a:r>
+            <a:r>
+              <a:rPr lang="ko-KR" altLang="en-US" sz="1400" dirty="0"/>
+              <a:t>초가 흐른 뒤</a:t>
             </a:r>
             <a:r>
               <a:rPr lang="en-US" altLang="ko-KR" sz="1400" dirty="0"/>
@@ -7030,7 +8467,15 @@
             </a:r>
             <a:r>
               <a:rPr lang="ko-KR" altLang="en-US" sz="1400" dirty="0"/>
-              <a:t>채팅창을 통해 소통 할 수 있어야 한다</a:t>
+              <a:t>필드 </a:t>
+            </a:r>
+            <a:r>
+              <a:rPr lang="ko-KR" altLang="en-US" sz="1400" dirty="0" err="1"/>
+              <a:t>맵으로</a:t>
+            </a:r>
+            <a:r>
+              <a:rPr lang="ko-KR" altLang="en-US" sz="1400" dirty="0"/>
+              <a:t> 이동한다</a:t>
             </a:r>
             <a:r>
               <a:rPr lang="en-US" altLang="ko-KR" sz="1400" dirty="0"/>
@@ -7043,7 +8488,55 @@
             </a:pPr>
             <a:r>
               <a:rPr lang="ko-KR" altLang="en-US" sz="1400" dirty="0"/>
-              <a:t>그리고 룸 나가기 버튼을 통해 로비로 되돌아 갈 수 있어야 한다</a:t>
+              <a:t>필드 </a:t>
+            </a:r>
+            <a:r>
+              <a:rPr lang="ko-KR" altLang="en-US" sz="1400" dirty="0" err="1"/>
+              <a:t>맵은</a:t>
+            </a:r>
+            <a:r>
+              <a:rPr lang="ko-KR" altLang="en-US" sz="1400" dirty="0"/>
+              <a:t> </a:t>
+            </a:r>
+            <a:r>
+              <a:rPr lang="en-US" altLang="ko-KR" sz="1400" dirty="0"/>
+              <a:t>1</a:t>
+            </a:r>
+            <a:r>
+              <a:rPr lang="ko-KR" altLang="en-US" sz="1400" dirty="0"/>
+              <a:t>일차 낮 부터 시작하여 </a:t>
+            </a:r>
+            <a:r>
+              <a:rPr lang="en-US" altLang="ko-KR" sz="1400" dirty="0"/>
+              <a:t>60</a:t>
+            </a:r>
+            <a:r>
+              <a:rPr lang="ko-KR" altLang="en-US" sz="1400" dirty="0"/>
+              <a:t>초가 지나면 밤으로 바뀌며</a:t>
+            </a:r>
+            <a:r>
+              <a:rPr lang="en-US" altLang="ko-KR" sz="1400" dirty="0"/>
+              <a:t>,</a:t>
+            </a:r>
+            <a:r>
+              <a:rPr lang="ko-KR" altLang="en-US" sz="1400" dirty="0"/>
+              <a:t>다시 </a:t>
+            </a:r>
+            <a:r>
+              <a:rPr lang="en-US" altLang="ko-KR" sz="1400" dirty="0"/>
+              <a:t>60</a:t>
+            </a:r>
+            <a:r>
+              <a:rPr lang="ko-KR" altLang="en-US" sz="1400" dirty="0"/>
+              <a:t>초가 흐르면 </a:t>
+            </a:r>
+            <a:r>
+              <a:rPr lang="en-US" altLang="ko-KR" sz="1400" dirty="0"/>
+              <a:t>2</a:t>
+            </a:r>
+            <a:r>
+              <a:rPr lang="ko-KR" altLang="en-US" sz="1400" dirty="0"/>
+              <a:t>일차 낮이 되는 식으로 구성된다</a:t>
             </a:r>
             <a:r>
               <a:rPr lang="en-US" altLang="ko-KR" sz="1400" dirty="0"/>
@@ -7062,7 +8555,27 @@
             </a:pPr>
             <a:r>
               <a:rPr lang="ko-KR" altLang="en-US" sz="1400" dirty="0"/>
-              <a:t>룸을 만든 사용자는 해당 룸의 인원수가 다 찼다면</a:t>
+              <a:t>밤이 되면 화면의 밝기가 어두워 진다</a:t>
+            </a:r>
+            <a:endParaRPr lang="en-US" altLang="ko-KR" sz="1400" dirty="0"/>
+          </a:p>
+          <a:p>
+            <a:pPr marL="0" indent="0">
+              <a:buNone/>
+            </a:pPr>
+            <a:endParaRPr lang="en-US" altLang="ko-KR" sz="1400" dirty="0"/>
+          </a:p>
+          <a:p>
+            <a:pPr marL="0" indent="0">
+              <a:buNone/>
+            </a:pPr>
+            <a:r>
+              <a:rPr lang="ko-KR" altLang="en-US" sz="1400" dirty="0" err="1"/>
+              <a:t>맵에는</a:t>
+            </a:r>
+            <a:r>
+              <a:rPr lang="ko-KR" altLang="en-US" sz="1400" dirty="0"/>
+              <a:t> 기본적으로 몬스터와 상자들이 존재하며</a:t>
             </a:r>
             <a:r>
               <a:rPr lang="en-US" altLang="ko-KR" sz="1400" dirty="0"/>
@@ -7070,7 +8583,23 @@
             </a:r>
             <a:r>
               <a:rPr lang="ko-KR" altLang="en-US" sz="1400" dirty="0"/>
-              <a:t>게임 시작 버튼을 눌러 게임을 시작 할 수 있다</a:t>
+              <a:t>위치는 랜덤 위치에 생성된다</a:t>
+            </a:r>
+            <a:r>
+              <a:rPr lang="en-US" altLang="ko-KR" sz="1400" dirty="0"/>
+              <a:t>. </a:t>
+            </a:r>
+            <a:r>
+              <a:rPr lang="ko-KR" altLang="en-US" sz="1400" dirty="0"/>
+              <a:t>그리고 낮 밤이 </a:t>
+            </a:r>
+            <a:r>
+              <a:rPr lang="ko-KR" altLang="en-US" sz="1400" dirty="0" err="1"/>
+              <a:t>지날때</a:t>
+            </a:r>
+            <a:r>
+              <a:rPr lang="ko-KR" altLang="en-US" sz="1400" dirty="0"/>
+              <a:t> 마다 추가로 랜덤 위치에 생성된다</a:t>
             </a:r>
             <a:r>
               <a:rPr lang="en-US" altLang="ko-KR" sz="1400" dirty="0"/>
@@ -7089,8 +8618,25 @@
             </a:pPr>
             <a:r>
               <a:rPr lang="ko-KR" altLang="en-US" sz="1400" dirty="0"/>
-              <a:t>추가되면 좋은 점</a:t>
-            </a:r>
+              <a:t>필드 중앙부분엔 </a:t>
+            </a:r>
+            <a:r>
+              <a:rPr lang="ko-KR" altLang="en-US" sz="1400" dirty="0" err="1"/>
+              <a:t>쉘터라는</a:t>
+            </a:r>
+            <a:r>
+              <a:rPr lang="ko-KR" altLang="en-US" sz="1400" dirty="0"/>
+              <a:t> 공통 부분이 존재함</a:t>
+            </a:r>
+            <a:r>
+              <a:rPr lang="en-US" altLang="ko-KR" sz="1400" dirty="0"/>
+              <a:t>.</a:t>
+            </a:r>
+          </a:p>
+          <a:p>
+            <a:pPr marL="0" indent="0">
+              <a:buNone/>
+            </a:pPr>
             <a:endParaRPr lang="en-US" altLang="ko-KR" sz="1400" dirty="0"/>
           </a:p>
           <a:p>
@@ -7098,32 +8644,8 @@
               <a:buNone/>
             </a:pPr>
             <a:r>
-              <a:rPr lang="en-US" altLang="ko-KR" sz="1400" dirty="0"/>
-              <a:t>1. </a:t>
-            </a:r>
-            <a:r>
-              <a:rPr lang="ko-KR" altLang="en-US" sz="1400" dirty="0"/>
-              <a:t>해당 룸에 이름이 표시되는 것이 아닌</a:t>
-            </a:r>
-            <a:r>
-              <a:rPr lang="en-US" altLang="ko-KR" sz="1400" dirty="0"/>
-              <a:t>, </a:t>
-            </a:r>
-            <a:r>
-              <a:rPr lang="ko-KR" altLang="en-US" sz="1400" dirty="0" err="1"/>
-              <a:t>어몽어스나</a:t>
-            </a:r>
-            <a:r>
-              <a:rPr lang="ko-KR" altLang="en-US" sz="1400" dirty="0"/>
-              <a:t> </a:t>
-            </a:r>
-            <a:r>
-              <a:rPr lang="ko-KR" altLang="en-US" sz="1400" dirty="0" err="1"/>
-              <a:t>구스구스덕과</a:t>
-            </a:r>
-            <a:r>
-              <a:rPr lang="ko-KR" altLang="en-US" sz="1400" dirty="0"/>
-              <a:t> 같은 게임같이 플레이어가 직접 움직일 수 있도록 하는 점</a:t>
+              <a:rPr lang="ko-KR" altLang="en-US" sz="1400" dirty="0"/>
+              <a:t>필드 기획은 맵 기획서를 통해 확인</a:t>
             </a:r>
             <a:r>
               <a:rPr lang="en-US" altLang="ko-KR" sz="1400" dirty="0"/>
@@ -7140,97 +8662,14 @@
             <a:pPr marL="0" indent="0">
               <a:buNone/>
             </a:pPr>
-            <a:r>
-              <a:rPr lang="en-US" altLang="ko-KR" sz="1400" dirty="0"/>
-              <a:t>2. </a:t>
-            </a:r>
-            <a:r>
-              <a:rPr lang="ko-KR" altLang="en-US" sz="1400" dirty="0"/>
-              <a:t>룸을 만든 사용자가 원하는 사용자를 룸에서 추방 시킬 수 있도록 하는 것</a:t>
-            </a:r>
-            <a:r>
-              <a:rPr lang="en-US" altLang="ko-KR" sz="1400" dirty="0"/>
-              <a:t>.</a:t>
-            </a:r>
-            <a:endParaRPr lang="ko-KR" altLang="en-US" sz="1400" dirty="0"/>
-          </a:p>
-        </p:txBody>
-      </p:sp>
-      <p:sp>
-        <p:nvSpPr>
-          <p:cNvPr id="8" name="TextBox 7">
-            <a:extLst>
-              <a:ext uri="{FF2B5EF4-FFF2-40B4-BE49-F238E27FC236}">
-                <a16:creationId xmlns:a16="http://schemas.microsoft.com/office/drawing/2014/main" id="{7EAE613D-453D-7250-2652-348D983C3735}"/>
-              </a:ext>
-            </a:extLst>
-          </p:cNvPr>
-          <p:cNvSpPr txBox="1"/>
-          <p:nvPr/>
-        </p:nvSpPr>
-        <p:spPr>
-          <a:xfrm>
-            <a:off x="8408095" y="5322167"/>
-            <a:ext cx="1502334" cy="369332"/>
-          </a:xfrm>
-          <a:prstGeom prst="rect">
-            <a:avLst/>
-          </a:prstGeom>
-          <a:noFill/>
-        </p:spPr>
-        <p:txBody>
-          <a:bodyPr wrap="none" rtlCol="0">
-            <a:spAutoFit/>
-          </a:bodyPr>
-          <a:lstStyle/>
-          <a:p>
-            <a:r>
-              <a:rPr lang="ko-KR" altLang="en-US" dirty="0"/>
-              <a:t>예시 룸 사진</a:t>
-            </a:r>
-          </a:p>
-        </p:txBody>
-      </p:sp>
-      <p:pic>
-        <p:nvPicPr>
-          <p:cNvPr id="5" name="그림 4" descr="텍스트, 스크린샷, 전자제품, 소프트웨어이(가) 표시된 사진&#10;&#10;자동 생성된 설명">
-            <a:extLst>
-              <a:ext uri="{FF2B5EF4-FFF2-40B4-BE49-F238E27FC236}">
-                <a16:creationId xmlns:a16="http://schemas.microsoft.com/office/drawing/2014/main" id="{E97534B4-86E9-39B4-FE8A-903175B68F7C}"/>
-              </a:ext>
-            </a:extLst>
-          </p:cNvPr>
-          <p:cNvPicPr>
-            <a:picLocks noChangeAspect="1"/>
-          </p:cNvPicPr>
-          <p:nvPr/>
-        </p:nvPicPr>
-        <p:blipFill>
-          <a:blip r:embed="rId2">
-            <a:extLst>
-              <a:ext uri="{28A0092B-C50C-407E-A947-70E740481C1C}">
-                <a14:useLocalDpi xmlns:a14="http://schemas.microsoft.com/office/drawing/2010/main" val="0"/>
-              </a:ext>
-            </a:extLst>
-          </a:blip>
-          <a:stretch>
-            <a:fillRect/>
-          </a:stretch>
-        </p:blipFill>
-        <p:spPr>
-          <a:xfrm>
-            <a:off x="6149386" y="1474183"/>
-            <a:ext cx="5932943" cy="3699364"/>
-          </a:xfrm>
-          <a:prstGeom prst="rect">
-            <a:avLst/>
-          </a:prstGeom>
-        </p:spPr>
-      </p:pic>
+            <a:endParaRPr lang="en-US" altLang="ko-KR" sz="1400" dirty="0"/>
+          </a:p>
+        </p:txBody>
+      </p:sp>
     </p:spTree>
     <p:extLst>
       <p:ext uri="{BB962C8B-B14F-4D97-AF65-F5344CB8AC3E}">
-        <p14:creationId xmlns:p14="http://schemas.microsoft.com/office/powerpoint/2010/main" val="2646810687"/>
+        <p14:creationId xmlns:p14="http://schemas.microsoft.com/office/powerpoint/2010/main" val="4232245179"/>
       </p:ext>
     </p:extLst>
   </p:cSld>
